--- a/minhyung-master/doc/03_완료보고/윈도우프로그래밍기말발표.pptx
+++ b/minhyung-master/doc/03_완료보고/윈도우프로그래밍기말발표.pptx
@@ -132,7 +132,7 @@
   </p:defaultTextStyle>
   <p:extLst>
     <p:ext uri="{EFAFB233-063F-42B5-8137-9DF3F51BA10A}">
-      <p15:sldGuideLst xmlns="" xmlns:p15="http://schemas.microsoft.com/office/powerpoint/2012/main">
+      <p15:sldGuideLst xmlns:p15="http://schemas.microsoft.com/office/powerpoint/2012/main" xmlns="">
         <p15:guide id="1" orient="horz" pos="1620">
           <p15:clr>
             <a:srgbClr val="A4A3A4"/>
@@ -232,7 +232,7 @@
             <a:fld id="{269C0B8E-7D06-4E0D-939A-434AF6FDA1F7}" type="datetimeFigureOut">
               <a:rPr lang="ko-KR" altLang="en-US" smtClean="0"/>
               <a:pPr/>
-              <a:t>2018-06-20</a:t>
+              <a:t>2018-06-21</a:t>
             </a:fld>
             <a:endParaRPr lang="ko-KR" altLang="en-US"/>
           </a:p>
@@ -400,7 +400,7 @@
     </p:spTree>
     <p:extLst>
       <p:ext uri="{BB962C8B-B14F-4D97-AF65-F5344CB8AC3E}">
-        <p14:creationId xmlns="" xmlns:p14="http://schemas.microsoft.com/office/powerpoint/2010/main" val="1686555379"/>
+        <p14:creationId xmlns:p14="http://schemas.microsoft.com/office/powerpoint/2010/main" xmlns="" val="1686555379"/>
       </p:ext>
     </p:extLst>
   </p:cSld>
@@ -575,7 +575,7 @@
     </p:spTree>
     <p:extLst>
       <p:ext uri="{BB962C8B-B14F-4D97-AF65-F5344CB8AC3E}">
-        <p14:creationId xmlns="" xmlns:p14="http://schemas.microsoft.com/office/powerpoint/2010/main" val="2684624503"/>
+        <p14:creationId xmlns:p14="http://schemas.microsoft.com/office/powerpoint/2010/main" xmlns="" val="2684624503"/>
       </p:ext>
     </p:extLst>
   </p:cSld>
@@ -725,7 +725,7 @@
     </p:spTree>
     <p:extLst>
       <p:ext uri="{BB962C8B-B14F-4D97-AF65-F5344CB8AC3E}">
-        <p14:creationId xmlns="" xmlns:p14="http://schemas.microsoft.com/office/powerpoint/2010/main" val="167795390"/>
+        <p14:creationId xmlns:p14="http://schemas.microsoft.com/office/powerpoint/2010/main" xmlns="" val="167795390"/>
       </p:ext>
     </p:extLst>
   </p:cSld>
@@ -875,7 +875,7 @@
     </p:spTree>
     <p:extLst>
       <p:ext uri="{BB962C8B-B14F-4D97-AF65-F5344CB8AC3E}">
-        <p14:creationId xmlns="" xmlns:p14="http://schemas.microsoft.com/office/powerpoint/2010/main" val="3324046969"/>
+        <p14:creationId xmlns:p14="http://schemas.microsoft.com/office/powerpoint/2010/main" xmlns="" val="3324046969"/>
       </p:ext>
     </p:extLst>
   </p:cSld>
@@ -980,7 +980,7 @@
     </p:spTree>
     <p:extLst>
       <p:ext uri="{BB962C8B-B14F-4D97-AF65-F5344CB8AC3E}">
-        <p14:creationId xmlns="" xmlns:p14="http://schemas.microsoft.com/office/powerpoint/2010/main" val="1827209997"/>
+        <p14:creationId xmlns:p14="http://schemas.microsoft.com/office/powerpoint/2010/main" xmlns="" val="1827209997"/>
       </p:ext>
     </p:extLst>
   </p:cSld>
@@ -1085,7 +1085,7 @@
     </p:spTree>
     <p:extLst>
       <p:ext uri="{BB962C8B-B14F-4D97-AF65-F5344CB8AC3E}">
-        <p14:creationId xmlns="" xmlns:p14="http://schemas.microsoft.com/office/powerpoint/2010/main" val="3745480285"/>
+        <p14:creationId xmlns:p14="http://schemas.microsoft.com/office/powerpoint/2010/main" xmlns="" val="3745480285"/>
       </p:ext>
     </p:extLst>
   </p:cSld>
@@ -1175,7 +1175,7 @@
     </p:spTree>
     <p:extLst>
       <p:ext uri="{BB962C8B-B14F-4D97-AF65-F5344CB8AC3E}">
-        <p14:creationId xmlns="" xmlns:p14="http://schemas.microsoft.com/office/powerpoint/2010/main" val="3576287924"/>
+        <p14:creationId xmlns:p14="http://schemas.microsoft.com/office/powerpoint/2010/main" xmlns="" val="3576287924"/>
       </p:ext>
     </p:extLst>
   </p:cSld>
@@ -1265,7 +1265,7 @@
     </p:spTree>
     <p:extLst>
       <p:ext uri="{BB962C8B-B14F-4D97-AF65-F5344CB8AC3E}">
-        <p14:creationId xmlns="" xmlns:p14="http://schemas.microsoft.com/office/powerpoint/2010/main" val="408213309"/>
+        <p14:creationId xmlns:p14="http://schemas.microsoft.com/office/powerpoint/2010/main" xmlns="" val="408213309"/>
       </p:ext>
     </p:extLst>
   </p:cSld>
@@ -1355,7 +1355,7 @@
     </p:spTree>
     <p:extLst>
       <p:ext uri="{BB962C8B-B14F-4D97-AF65-F5344CB8AC3E}">
-        <p14:creationId xmlns="" xmlns:p14="http://schemas.microsoft.com/office/powerpoint/2010/main" val="1050278100"/>
+        <p14:creationId xmlns:p14="http://schemas.microsoft.com/office/powerpoint/2010/main" xmlns="" val="1050278100"/>
       </p:ext>
     </p:extLst>
   </p:cSld>
@@ -1505,7 +1505,7 @@
     </p:spTree>
     <p:extLst>
       <p:ext uri="{BB962C8B-B14F-4D97-AF65-F5344CB8AC3E}">
-        <p14:creationId xmlns="" xmlns:p14="http://schemas.microsoft.com/office/powerpoint/2010/main" val="1674037122"/>
+        <p14:creationId xmlns:p14="http://schemas.microsoft.com/office/powerpoint/2010/main" xmlns="" val="1674037122"/>
       </p:ext>
     </p:extLst>
   </p:cSld>
@@ -1655,7 +1655,7 @@
     </p:spTree>
     <p:extLst>
       <p:ext uri="{BB962C8B-B14F-4D97-AF65-F5344CB8AC3E}">
-        <p14:creationId xmlns="" xmlns:p14="http://schemas.microsoft.com/office/powerpoint/2010/main" val="3359326613"/>
+        <p14:creationId xmlns:p14="http://schemas.microsoft.com/office/powerpoint/2010/main" xmlns="" val="3359326613"/>
       </p:ext>
     </p:extLst>
   </p:cSld>
@@ -1805,7 +1805,7 @@
     </p:spTree>
     <p:extLst>
       <p:ext uri="{BB962C8B-B14F-4D97-AF65-F5344CB8AC3E}">
-        <p14:creationId xmlns="" xmlns:p14="http://schemas.microsoft.com/office/powerpoint/2010/main" val="3774501382"/>
+        <p14:creationId xmlns:p14="http://schemas.microsoft.com/office/powerpoint/2010/main" xmlns="" val="3774501382"/>
       </p:ext>
     </p:extLst>
   </p:cSld>
@@ -1955,7 +1955,7 @@
     </p:spTree>
     <p:extLst>
       <p:ext uri="{BB962C8B-B14F-4D97-AF65-F5344CB8AC3E}">
-        <p14:creationId xmlns="" xmlns:p14="http://schemas.microsoft.com/office/powerpoint/2010/main" val="70671449"/>
+        <p14:creationId xmlns:p14="http://schemas.microsoft.com/office/powerpoint/2010/main" xmlns="" val="70671449"/>
       </p:ext>
     </p:extLst>
   </p:cSld>
@@ -2159,7 +2159,7 @@
             <a:fld id="{0933D627-1896-418B-968F-94F79016106E}" type="datetimeFigureOut">
               <a:rPr lang="ko-KR" altLang="en-US" smtClean="0"/>
               <a:pPr/>
-              <a:t>2018-06-20</a:t>
+              <a:t>2018-06-21</a:t>
             </a:fld>
             <a:endParaRPr lang="ko-KR" altLang="en-US"/>
           </a:p>
@@ -2227,7 +2227,7 @@
     </p:spTree>
     <p:extLst>
       <p:ext uri="{BB962C8B-B14F-4D97-AF65-F5344CB8AC3E}">
-        <p14:creationId xmlns="" xmlns:p14="http://schemas.microsoft.com/office/powerpoint/2010/main" val="367395564"/>
+        <p14:creationId xmlns:p14="http://schemas.microsoft.com/office/powerpoint/2010/main" xmlns="" val="367395564"/>
       </p:ext>
     </p:extLst>
   </p:cSld>
@@ -2235,7 +2235,7 @@
     <a:masterClrMapping/>
   </p:clrMapOvr>
   <mc:AlternateContent xmlns:mc="http://schemas.openxmlformats.org/markup-compatibility/2006">
-    <mc:Choice xmlns="" xmlns:p14="http://schemas.microsoft.com/office/powerpoint/2010/main" Requires="p14">
+    <mc:Choice xmlns:p14="http://schemas.microsoft.com/office/powerpoint/2010/main" xmlns="" Requires="p14">
       <p:transition spd="med" p14:dur="700">
         <p:fade/>
       </p:transition>
@@ -2381,7 +2381,7 @@
             <a:fld id="{0933D627-1896-418B-968F-94F79016106E}" type="datetimeFigureOut">
               <a:rPr lang="ko-KR" altLang="en-US" smtClean="0"/>
               <a:pPr/>
-              <a:t>2018-06-20</a:t>
+              <a:t>2018-06-21</a:t>
             </a:fld>
             <a:endParaRPr lang="ko-KR" altLang="en-US"/>
           </a:p>
@@ -2449,7 +2449,7 @@
     </p:spTree>
     <p:extLst>
       <p:ext uri="{BB962C8B-B14F-4D97-AF65-F5344CB8AC3E}">
-        <p14:creationId xmlns="" xmlns:p14="http://schemas.microsoft.com/office/powerpoint/2010/main" val="480089197"/>
+        <p14:creationId xmlns:p14="http://schemas.microsoft.com/office/powerpoint/2010/main" xmlns="" val="480089197"/>
       </p:ext>
     </p:extLst>
   </p:cSld>
@@ -2457,7 +2457,7 @@
     <a:masterClrMapping/>
   </p:clrMapOvr>
   <mc:AlternateContent xmlns:mc="http://schemas.openxmlformats.org/markup-compatibility/2006">
-    <mc:Choice xmlns="" xmlns:p14="http://schemas.microsoft.com/office/powerpoint/2010/main" Requires="p14">
+    <mc:Choice xmlns:p14="http://schemas.microsoft.com/office/powerpoint/2010/main" xmlns="" Requires="p14">
       <p:transition spd="med" p14:dur="700">
         <p:fade/>
       </p:transition>
@@ -2603,7 +2603,7 @@
             <a:fld id="{0933D627-1896-418B-968F-94F79016106E}" type="datetimeFigureOut">
               <a:rPr lang="ko-KR" altLang="en-US" smtClean="0"/>
               <a:pPr/>
-              <a:t>2018-06-20</a:t>
+              <a:t>2018-06-21</a:t>
             </a:fld>
             <a:endParaRPr lang="ko-KR" altLang="en-US"/>
           </a:p>
@@ -2671,7 +2671,7 @@
     </p:spTree>
     <p:extLst>
       <p:ext uri="{BB962C8B-B14F-4D97-AF65-F5344CB8AC3E}">
-        <p14:creationId xmlns="" xmlns:p14="http://schemas.microsoft.com/office/powerpoint/2010/main" val="2352159968"/>
+        <p14:creationId xmlns:p14="http://schemas.microsoft.com/office/powerpoint/2010/main" xmlns="" val="2352159968"/>
       </p:ext>
     </p:extLst>
   </p:cSld>
@@ -2679,7 +2679,7 @@
     <a:masterClrMapping/>
   </p:clrMapOvr>
   <mc:AlternateContent xmlns:mc="http://schemas.openxmlformats.org/markup-compatibility/2006">
-    <mc:Choice xmlns="" xmlns:p14="http://schemas.microsoft.com/office/powerpoint/2010/main" Requires="p14">
+    <mc:Choice xmlns:p14="http://schemas.microsoft.com/office/powerpoint/2010/main" xmlns="" Requires="p14">
       <p:transition spd="med" p14:dur="700">
         <p:fade/>
       </p:transition>
@@ -2891,7 +2891,7 @@
                 </a:solidFill>
               </a:rPr>
               <a:pPr/>
-              <a:t>2018-06-20</a:t>
+              <a:t>2018-06-21</a:t>
             </a:fld>
             <a:endParaRPr lang="ko-KR" altLang="en-US">
               <a:solidFill>
@@ -2975,7 +2975,7 @@
     </p:spTree>
     <p:extLst>
       <p:ext uri="{BB962C8B-B14F-4D97-AF65-F5344CB8AC3E}">
-        <p14:creationId xmlns="" xmlns:p14="http://schemas.microsoft.com/office/powerpoint/2010/main" val="367395564"/>
+        <p14:creationId xmlns:p14="http://schemas.microsoft.com/office/powerpoint/2010/main" xmlns="" val="367395564"/>
       </p:ext>
     </p:extLst>
   </p:cSld>
@@ -2983,7 +2983,7 @@
     <a:masterClrMapping/>
   </p:clrMapOvr>
   <mc:AlternateContent xmlns:mc="http://schemas.openxmlformats.org/markup-compatibility/2006">
-    <mc:Choice xmlns="" xmlns:p14="http://schemas.microsoft.com/office/powerpoint/2010/main" Requires="p14">
+    <mc:Choice xmlns:p14="http://schemas.microsoft.com/office/powerpoint/2010/main" xmlns="" Requires="p14">
       <p:transition spd="med" p14:dur="700">
         <p:fade/>
       </p:transition>
@@ -3133,7 +3133,7 @@
                 </a:solidFill>
               </a:rPr>
               <a:pPr/>
-              <a:t>2018-06-20</a:t>
+              <a:t>2018-06-21</a:t>
             </a:fld>
             <a:endParaRPr lang="ko-KR" altLang="en-US">
               <a:solidFill>
@@ -3293,7 +3293,7 @@
     </p:spTree>
     <p:extLst>
       <p:ext uri="{BB962C8B-B14F-4D97-AF65-F5344CB8AC3E}">
-        <p14:creationId xmlns="" xmlns:p14="http://schemas.microsoft.com/office/powerpoint/2010/main" val="2804784912"/>
+        <p14:creationId xmlns:p14="http://schemas.microsoft.com/office/powerpoint/2010/main" xmlns="" val="2804784912"/>
       </p:ext>
     </p:extLst>
   </p:cSld>
@@ -3301,7 +3301,7 @@
     <a:masterClrMapping/>
   </p:clrMapOvr>
   <mc:AlternateContent xmlns:mc="http://schemas.openxmlformats.org/markup-compatibility/2006">
-    <mc:Choice xmlns="" xmlns:p14="http://schemas.microsoft.com/office/powerpoint/2010/main" Requires="p14">
+    <mc:Choice xmlns:p14="http://schemas.microsoft.com/office/powerpoint/2010/main" xmlns="" Requires="p14">
       <p:transition spd="med" p14:dur="700">
         <p:fade/>
       </p:transition>
@@ -3518,7 +3518,7 @@
                 </a:solidFill>
               </a:rPr>
               <a:pPr/>
-              <a:t>2018-06-20</a:t>
+              <a:t>2018-06-21</a:t>
             </a:fld>
             <a:endParaRPr lang="ko-KR" altLang="en-US">
               <a:solidFill>
@@ -3602,7 +3602,7 @@
     </p:spTree>
     <p:extLst>
       <p:ext uri="{BB962C8B-B14F-4D97-AF65-F5344CB8AC3E}">
-        <p14:creationId xmlns="" xmlns:p14="http://schemas.microsoft.com/office/powerpoint/2010/main" val="1562348946"/>
+        <p14:creationId xmlns:p14="http://schemas.microsoft.com/office/powerpoint/2010/main" xmlns="" val="1562348946"/>
       </p:ext>
     </p:extLst>
   </p:cSld>
@@ -3610,7 +3610,7 @@
     <a:masterClrMapping/>
   </p:clrMapOvr>
   <mc:AlternateContent xmlns:mc="http://schemas.openxmlformats.org/markup-compatibility/2006">
-    <mc:Choice xmlns="" xmlns:p14="http://schemas.microsoft.com/office/powerpoint/2010/main" Requires="p14">
+    <mc:Choice xmlns:p14="http://schemas.microsoft.com/office/powerpoint/2010/main" xmlns="" Requires="p14">
       <p:transition spd="med" p14:dur="700">
         <p:fade/>
       </p:transition>
@@ -3875,7 +3875,7 @@
                 </a:solidFill>
               </a:rPr>
               <a:pPr/>
-              <a:t>2018-06-20</a:t>
+              <a:t>2018-06-21</a:t>
             </a:fld>
             <a:endParaRPr lang="ko-KR" altLang="en-US">
               <a:solidFill>
@@ -3959,7 +3959,7 @@
     </p:spTree>
     <p:extLst>
       <p:ext uri="{BB962C8B-B14F-4D97-AF65-F5344CB8AC3E}">
-        <p14:creationId xmlns="" xmlns:p14="http://schemas.microsoft.com/office/powerpoint/2010/main" val="580640476"/>
+        <p14:creationId xmlns:p14="http://schemas.microsoft.com/office/powerpoint/2010/main" xmlns="" val="580640476"/>
       </p:ext>
     </p:extLst>
   </p:cSld>
@@ -3967,7 +3967,7 @@
     <a:masterClrMapping/>
   </p:clrMapOvr>
   <mc:AlternateContent xmlns:mc="http://schemas.openxmlformats.org/markup-compatibility/2006">
-    <mc:Choice xmlns="" xmlns:p14="http://schemas.microsoft.com/office/powerpoint/2010/main" Requires="p14">
+    <mc:Choice xmlns:p14="http://schemas.microsoft.com/office/powerpoint/2010/main" xmlns="" Requires="p14">
       <p:transition spd="med" p14:dur="700">
         <p:fade/>
       </p:transition>
@@ -4372,7 +4372,7 @@
                 </a:solidFill>
               </a:rPr>
               <a:pPr/>
-              <a:t>2018-06-20</a:t>
+              <a:t>2018-06-21</a:t>
             </a:fld>
             <a:endParaRPr lang="ko-KR" altLang="en-US">
               <a:solidFill>
@@ -4456,7 +4456,7 @@
     </p:spTree>
     <p:extLst>
       <p:ext uri="{BB962C8B-B14F-4D97-AF65-F5344CB8AC3E}">
-        <p14:creationId xmlns="" xmlns:p14="http://schemas.microsoft.com/office/powerpoint/2010/main" val="2729634180"/>
+        <p14:creationId xmlns:p14="http://schemas.microsoft.com/office/powerpoint/2010/main" xmlns="" val="2729634180"/>
       </p:ext>
     </p:extLst>
   </p:cSld>
@@ -4464,7 +4464,7 @@
     <a:masterClrMapping/>
   </p:clrMapOvr>
   <mc:AlternateContent xmlns:mc="http://schemas.openxmlformats.org/markup-compatibility/2006">
-    <mc:Choice xmlns="" xmlns:p14="http://schemas.microsoft.com/office/powerpoint/2010/main" Requires="p14">
+    <mc:Choice xmlns:p14="http://schemas.microsoft.com/office/powerpoint/2010/main" xmlns="" Requires="p14">
       <p:transition spd="med" p14:dur="700">
         <p:fade/>
       </p:transition>
@@ -4555,7 +4555,7 @@
                 </a:solidFill>
               </a:rPr>
               <a:pPr/>
-              <a:t>2018-06-20</a:t>
+              <a:t>2018-06-21</a:t>
             </a:fld>
             <a:endParaRPr lang="ko-KR" altLang="en-US">
               <a:solidFill>
@@ -4639,7 +4639,7 @@
     </p:spTree>
     <p:extLst>
       <p:ext uri="{BB962C8B-B14F-4D97-AF65-F5344CB8AC3E}">
-        <p14:creationId xmlns="" xmlns:p14="http://schemas.microsoft.com/office/powerpoint/2010/main" val="1904033474"/>
+        <p14:creationId xmlns:p14="http://schemas.microsoft.com/office/powerpoint/2010/main" xmlns="" val="1904033474"/>
       </p:ext>
     </p:extLst>
   </p:cSld>
@@ -4647,7 +4647,7 @@
     <a:masterClrMapping/>
   </p:clrMapOvr>
   <mc:AlternateContent xmlns:mc="http://schemas.openxmlformats.org/markup-compatibility/2006">
-    <mc:Choice xmlns="" xmlns:p14="http://schemas.microsoft.com/office/powerpoint/2010/main" Requires="p14">
+    <mc:Choice xmlns:p14="http://schemas.microsoft.com/office/powerpoint/2010/main" xmlns="" Requires="p14">
       <p:transition spd="med" p14:dur="700">
         <p:fade/>
       </p:transition>
@@ -4708,7 +4708,7 @@
                 </a:solidFill>
               </a:rPr>
               <a:pPr/>
-              <a:t>2018-06-20</a:t>
+              <a:t>2018-06-21</a:t>
             </a:fld>
             <a:endParaRPr lang="ko-KR" altLang="en-US">
               <a:solidFill>
@@ -4792,7 +4792,7 @@
     </p:spTree>
     <p:extLst>
       <p:ext uri="{BB962C8B-B14F-4D97-AF65-F5344CB8AC3E}">
-        <p14:creationId xmlns="" xmlns:p14="http://schemas.microsoft.com/office/powerpoint/2010/main" val="2924371917"/>
+        <p14:creationId xmlns:p14="http://schemas.microsoft.com/office/powerpoint/2010/main" xmlns="" val="2924371917"/>
       </p:ext>
     </p:extLst>
   </p:cSld>
@@ -4800,7 +4800,7 @@
     <a:masterClrMapping/>
   </p:clrMapOvr>
   <mc:AlternateContent xmlns:mc="http://schemas.openxmlformats.org/markup-compatibility/2006">
-    <mc:Choice xmlns="" xmlns:p14="http://schemas.microsoft.com/office/powerpoint/2010/main" Requires="p14">
+    <mc:Choice xmlns:p14="http://schemas.microsoft.com/office/powerpoint/2010/main" xmlns="" Requires="p14">
       <p:transition spd="med" p14:dur="700">
         <p:fade/>
       </p:transition>
@@ -5050,7 +5050,7 @@
                 </a:solidFill>
               </a:rPr>
               <a:pPr/>
-              <a:t>2018-06-20</a:t>
+              <a:t>2018-06-21</a:t>
             </a:fld>
             <a:endParaRPr lang="ko-KR" altLang="en-US">
               <a:solidFill>
@@ -5134,7 +5134,7 @@
     </p:spTree>
     <p:extLst>
       <p:ext uri="{BB962C8B-B14F-4D97-AF65-F5344CB8AC3E}">
-        <p14:creationId xmlns="" xmlns:p14="http://schemas.microsoft.com/office/powerpoint/2010/main" val="2460817539"/>
+        <p14:creationId xmlns:p14="http://schemas.microsoft.com/office/powerpoint/2010/main" xmlns="" val="2460817539"/>
       </p:ext>
     </p:extLst>
   </p:cSld>
@@ -5142,7 +5142,7 @@
     <a:masterClrMapping/>
   </p:clrMapOvr>
   <mc:AlternateContent xmlns:mc="http://schemas.openxmlformats.org/markup-compatibility/2006">
-    <mc:Choice xmlns="" xmlns:p14="http://schemas.microsoft.com/office/powerpoint/2010/main" Requires="p14">
+    <mc:Choice xmlns:p14="http://schemas.microsoft.com/office/powerpoint/2010/main" xmlns="" Requires="p14">
       <p:transition spd="med" p14:dur="700">
         <p:fade/>
       </p:transition>
@@ -5288,7 +5288,7 @@
             <a:fld id="{0933D627-1896-418B-968F-94F79016106E}" type="datetimeFigureOut">
               <a:rPr lang="ko-KR" altLang="en-US" smtClean="0"/>
               <a:pPr/>
-              <a:t>2018-06-20</a:t>
+              <a:t>2018-06-21</a:t>
             </a:fld>
             <a:endParaRPr lang="ko-KR" altLang="en-US"/>
           </a:p>
@@ -5432,7 +5432,7 @@
     </p:spTree>
     <p:extLst>
       <p:ext uri="{BB962C8B-B14F-4D97-AF65-F5344CB8AC3E}">
-        <p14:creationId xmlns="" xmlns:p14="http://schemas.microsoft.com/office/powerpoint/2010/main" val="2804784912"/>
+        <p14:creationId xmlns:p14="http://schemas.microsoft.com/office/powerpoint/2010/main" xmlns="" val="2804784912"/>
       </p:ext>
     </p:extLst>
   </p:cSld>
@@ -5440,7 +5440,7 @@
     <a:masterClrMapping/>
   </p:clrMapOvr>
   <mc:AlternateContent xmlns:mc="http://schemas.openxmlformats.org/markup-compatibility/2006">
-    <mc:Choice xmlns="" xmlns:p14="http://schemas.microsoft.com/office/powerpoint/2010/main" Requires="p14">
+    <mc:Choice xmlns:p14="http://schemas.microsoft.com/office/powerpoint/2010/main" xmlns="" Requires="p14">
       <p:transition spd="med" p14:dur="700">
         <p:fade/>
       </p:transition>
@@ -5667,7 +5667,7 @@
                 </a:solidFill>
               </a:rPr>
               <a:pPr/>
-              <a:t>2018-06-20</a:t>
+              <a:t>2018-06-21</a:t>
             </a:fld>
             <a:endParaRPr lang="ko-KR" altLang="en-US">
               <a:solidFill>
@@ -5751,7 +5751,7 @@
     </p:spTree>
     <p:extLst>
       <p:ext uri="{BB962C8B-B14F-4D97-AF65-F5344CB8AC3E}">
-        <p14:creationId xmlns="" xmlns:p14="http://schemas.microsoft.com/office/powerpoint/2010/main" val="584324840"/>
+        <p14:creationId xmlns:p14="http://schemas.microsoft.com/office/powerpoint/2010/main" xmlns="" val="584324840"/>
       </p:ext>
     </p:extLst>
   </p:cSld>
@@ -5759,7 +5759,7 @@
     <a:masterClrMapping/>
   </p:clrMapOvr>
   <mc:AlternateContent xmlns:mc="http://schemas.openxmlformats.org/markup-compatibility/2006">
-    <mc:Choice xmlns="" xmlns:p14="http://schemas.microsoft.com/office/powerpoint/2010/main" Requires="p14">
+    <mc:Choice xmlns:p14="http://schemas.microsoft.com/office/powerpoint/2010/main" xmlns="" Requires="p14">
       <p:transition spd="med" p14:dur="700">
         <p:fade/>
       </p:transition>
@@ -5909,7 +5909,7 @@
                 </a:solidFill>
               </a:rPr>
               <a:pPr/>
-              <a:t>2018-06-20</a:t>
+              <a:t>2018-06-21</a:t>
             </a:fld>
             <a:endParaRPr lang="ko-KR" altLang="en-US">
               <a:solidFill>
@@ -5993,7 +5993,7 @@
     </p:spTree>
     <p:extLst>
       <p:ext uri="{BB962C8B-B14F-4D97-AF65-F5344CB8AC3E}">
-        <p14:creationId xmlns="" xmlns:p14="http://schemas.microsoft.com/office/powerpoint/2010/main" val="480089197"/>
+        <p14:creationId xmlns:p14="http://schemas.microsoft.com/office/powerpoint/2010/main" xmlns="" val="480089197"/>
       </p:ext>
     </p:extLst>
   </p:cSld>
@@ -6001,7 +6001,7 @@
     <a:masterClrMapping/>
   </p:clrMapOvr>
   <mc:AlternateContent xmlns:mc="http://schemas.openxmlformats.org/markup-compatibility/2006">
-    <mc:Choice xmlns="" xmlns:p14="http://schemas.microsoft.com/office/powerpoint/2010/main" Requires="p14">
+    <mc:Choice xmlns:p14="http://schemas.microsoft.com/office/powerpoint/2010/main" xmlns="" Requires="p14">
       <p:transition spd="med" p14:dur="700">
         <p:fade/>
       </p:transition>
@@ -6151,7 +6151,7 @@
                 </a:solidFill>
               </a:rPr>
               <a:pPr/>
-              <a:t>2018-06-20</a:t>
+              <a:t>2018-06-21</a:t>
             </a:fld>
             <a:endParaRPr lang="ko-KR" altLang="en-US">
               <a:solidFill>
@@ -6235,7 +6235,7 @@
     </p:spTree>
     <p:extLst>
       <p:ext uri="{BB962C8B-B14F-4D97-AF65-F5344CB8AC3E}">
-        <p14:creationId xmlns="" xmlns:p14="http://schemas.microsoft.com/office/powerpoint/2010/main" val="2352159968"/>
+        <p14:creationId xmlns:p14="http://schemas.microsoft.com/office/powerpoint/2010/main" xmlns="" val="2352159968"/>
       </p:ext>
     </p:extLst>
   </p:cSld>
@@ -6243,7 +6243,7 @@
     <a:masterClrMapping/>
   </p:clrMapOvr>
   <mc:AlternateContent xmlns:mc="http://schemas.openxmlformats.org/markup-compatibility/2006">
-    <mc:Choice xmlns="" xmlns:p14="http://schemas.microsoft.com/office/powerpoint/2010/main" Requires="p14">
+    <mc:Choice xmlns:p14="http://schemas.microsoft.com/office/powerpoint/2010/main" xmlns="" Requires="p14">
       <p:transition spd="med" p14:dur="700">
         <p:fade/>
       </p:transition>
@@ -6456,7 +6456,7 @@
             <a:fld id="{0933D627-1896-418B-968F-94F79016106E}" type="datetimeFigureOut">
               <a:rPr lang="ko-KR" altLang="en-US" smtClean="0"/>
               <a:pPr/>
-              <a:t>2018-06-20</a:t>
+              <a:t>2018-06-21</a:t>
             </a:fld>
             <a:endParaRPr lang="ko-KR" altLang="en-US"/>
           </a:p>
@@ -6524,7 +6524,7 @@
     </p:spTree>
     <p:extLst>
       <p:ext uri="{BB962C8B-B14F-4D97-AF65-F5344CB8AC3E}">
-        <p14:creationId xmlns="" xmlns:p14="http://schemas.microsoft.com/office/powerpoint/2010/main" val="1562348946"/>
+        <p14:creationId xmlns:p14="http://schemas.microsoft.com/office/powerpoint/2010/main" xmlns="" val="1562348946"/>
       </p:ext>
     </p:extLst>
   </p:cSld>
@@ -6532,7 +6532,7 @@
     <a:masterClrMapping/>
   </p:clrMapOvr>
   <mc:AlternateContent xmlns:mc="http://schemas.openxmlformats.org/markup-compatibility/2006">
-    <mc:Choice xmlns="" xmlns:p14="http://schemas.microsoft.com/office/powerpoint/2010/main" Requires="p14">
+    <mc:Choice xmlns:p14="http://schemas.microsoft.com/office/powerpoint/2010/main" xmlns="" Requires="p14">
       <p:transition spd="med" p14:dur="700">
         <p:fade/>
       </p:transition>
@@ -6793,7 +6793,7 @@
             <a:fld id="{0933D627-1896-418B-968F-94F79016106E}" type="datetimeFigureOut">
               <a:rPr lang="ko-KR" altLang="en-US" smtClean="0"/>
               <a:pPr/>
-              <a:t>2018-06-20</a:t>
+              <a:t>2018-06-21</a:t>
             </a:fld>
             <a:endParaRPr lang="ko-KR" altLang="en-US"/>
           </a:p>
@@ -6861,7 +6861,7 @@
     </p:spTree>
     <p:extLst>
       <p:ext uri="{BB962C8B-B14F-4D97-AF65-F5344CB8AC3E}">
-        <p14:creationId xmlns="" xmlns:p14="http://schemas.microsoft.com/office/powerpoint/2010/main" val="580640476"/>
+        <p14:creationId xmlns:p14="http://schemas.microsoft.com/office/powerpoint/2010/main" xmlns="" val="580640476"/>
       </p:ext>
     </p:extLst>
   </p:cSld>
@@ -6869,7 +6869,7 @@
     <a:masterClrMapping/>
   </p:clrMapOvr>
   <mc:AlternateContent xmlns:mc="http://schemas.openxmlformats.org/markup-compatibility/2006">
-    <mc:Choice xmlns="" xmlns:p14="http://schemas.microsoft.com/office/powerpoint/2010/main" Requires="p14">
+    <mc:Choice xmlns:p14="http://schemas.microsoft.com/office/powerpoint/2010/main" xmlns="" Requires="p14">
       <p:transition spd="med" p14:dur="700">
         <p:fade/>
       </p:transition>
@@ -7270,7 +7270,7 @@
             <a:fld id="{0933D627-1896-418B-968F-94F79016106E}" type="datetimeFigureOut">
               <a:rPr lang="ko-KR" altLang="en-US" smtClean="0"/>
               <a:pPr/>
-              <a:t>2018-06-20</a:t>
+              <a:t>2018-06-21</a:t>
             </a:fld>
             <a:endParaRPr lang="ko-KR" altLang="en-US"/>
           </a:p>
@@ -7338,7 +7338,7 @@
     </p:spTree>
     <p:extLst>
       <p:ext uri="{BB962C8B-B14F-4D97-AF65-F5344CB8AC3E}">
-        <p14:creationId xmlns="" xmlns:p14="http://schemas.microsoft.com/office/powerpoint/2010/main" val="2729634180"/>
+        <p14:creationId xmlns:p14="http://schemas.microsoft.com/office/powerpoint/2010/main" xmlns="" val="2729634180"/>
       </p:ext>
     </p:extLst>
   </p:cSld>
@@ -7346,7 +7346,7 @@
     <a:masterClrMapping/>
   </p:clrMapOvr>
   <mc:AlternateContent xmlns:mc="http://schemas.openxmlformats.org/markup-compatibility/2006">
-    <mc:Choice xmlns="" xmlns:p14="http://schemas.microsoft.com/office/powerpoint/2010/main" Requires="p14">
+    <mc:Choice xmlns:p14="http://schemas.microsoft.com/office/powerpoint/2010/main" xmlns="" Requires="p14">
       <p:transition spd="med" p14:dur="700">
         <p:fade/>
       </p:transition>
@@ -7433,7 +7433,7 @@
             <a:fld id="{0933D627-1896-418B-968F-94F79016106E}" type="datetimeFigureOut">
               <a:rPr lang="ko-KR" altLang="en-US" smtClean="0"/>
               <a:pPr/>
-              <a:t>2018-06-20</a:t>
+              <a:t>2018-06-21</a:t>
             </a:fld>
             <a:endParaRPr lang="ko-KR" altLang="en-US"/>
           </a:p>
@@ -7501,7 +7501,7 @@
     </p:spTree>
     <p:extLst>
       <p:ext uri="{BB962C8B-B14F-4D97-AF65-F5344CB8AC3E}">
-        <p14:creationId xmlns="" xmlns:p14="http://schemas.microsoft.com/office/powerpoint/2010/main" val="1904033474"/>
+        <p14:creationId xmlns:p14="http://schemas.microsoft.com/office/powerpoint/2010/main" xmlns="" val="1904033474"/>
       </p:ext>
     </p:extLst>
   </p:cSld>
@@ -7509,7 +7509,7 @@
     <a:masterClrMapping/>
   </p:clrMapOvr>
   <mc:AlternateContent xmlns:mc="http://schemas.openxmlformats.org/markup-compatibility/2006">
-    <mc:Choice xmlns="" xmlns:p14="http://schemas.microsoft.com/office/powerpoint/2010/main" Requires="p14">
+    <mc:Choice xmlns:p14="http://schemas.microsoft.com/office/powerpoint/2010/main" xmlns="" Requires="p14">
       <p:transition spd="med" p14:dur="700">
         <p:fade/>
       </p:transition>
@@ -7566,7 +7566,7 @@
             <a:fld id="{0933D627-1896-418B-968F-94F79016106E}" type="datetimeFigureOut">
               <a:rPr lang="ko-KR" altLang="en-US" smtClean="0"/>
               <a:pPr/>
-              <a:t>2018-06-20</a:t>
+              <a:t>2018-06-21</a:t>
             </a:fld>
             <a:endParaRPr lang="ko-KR" altLang="en-US"/>
           </a:p>
@@ -7634,7 +7634,7 @@
     </p:spTree>
     <p:extLst>
       <p:ext uri="{BB962C8B-B14F-4D97-AF65-F5344CB8AC3E}">
-        <p14:creationId xmlns="" xmlns:p14="http://schemas.microsoft.com/office/powerpoint/2010/main" val="2924371917"/>
+        <p14:creationId xmlns:p14="http://schemas.microsoft.com/office/powerpoint/2010/main" xmlns="" val="2924371917"/>
       </p:ext>
     </p:extLst>
   </p:cSld>
@@ -7642,7 +7642,7 @@
     <a:masterClrMapping/>
   </p:clrMapOvr>
   <mc:AlternateContent xmlns:mc="http://schemas.openxmlformats.org/markup-compatibility/2006">
-    <mc:Choice xmlns="" xmlns:p14="http://schemas.microsoft.com/office/powerpoint/2010/main" Requires="p14">
+    <mc:Choice xmlns:p14="http://schemas.microsoft.com/office/powerpoint/2010/main" xmlns="" Requires="p14">
       <p:transition spd="med" p14:dur="700">
         <p:fade/>
       </p:transition>
@@ -7888,7 +7888,7 @@
             <a:fld id="{0933D627-1896-418B-968F-94F79016106E}" type="datetimeFigureOut">
               <a:rPr lang="ko-KR" altLang="en-US" smtClean="0"/>
               <a:pPr/>
-              <a:t>2018-06-20</a:t>
+              <a:t>2018-06-21</a:t>
             </a:fld>
             <a:endParaRPr lang="ko-KR" altLang="en-US"/>
           </a:p>
@@ -7956,7 +7956,7 @@
     </p:spTree>
     <p:extLst>
       <p:ext uri="{BB962C8B-B14F-4D97-AF65-F5344CB8AC3E}">
-        <p14:creationId xmlns="" xmlns:p14="http://schemas.microsoft.com/office/powerpoint/2010/main" val="2460817539"/>
+        <p14:creationId xmlns:p14="http://schemas.microsoft.com/office/powerpoint/2010/main" xmlns="" val="2460817539"/>
       </p:ext>
     </p:extLst>
   </p:cSld>
@@ -7964,7 +7964,7 @@
     <a:masterClrMapping/>
   </p:clrMapOvr>
   <mc:AlternateContent xmlns:mc="http://schemas.openxmlformats.org/markup-compatibility/2006">
-    <mc:Choice xmlns="" xmlns:p14="http://schemas.microsoft.com/office/powerpoint/2010/main" Requires="p14">
+    <mc:Choice xmlns:p14="http://schemas.microsoft.com/office/powerpoint/2010/main" xmlns="" Requires="p14">
       <p:transition spd="med" p14:dur="700">
         <p:fade/>
       </p:transition>
@@ -8187,7 +8187,7 @@
             <a:fld id="{0933D627-1896-418B-968F-94F79016106E}" type="datetimeFigureOut">
               <a:rPr lang="ko-KR" altLang="en-US" smtClean="0"/>
               <a:pPr/>
-              <a:t>2018-06-20</a:t>
+              <a:t>2018-06-21</a:t>
             </a:fld>
             <a:endParaRPr lang="ko-KR" altLang="en-US"/>
           </a:p>
@@ -8255,7 +8255,7 @@
     </p:spTree>
     <p:extLst>
       <p:ext uri="{BB962C8B-B14F-4D97-AF65-F5344CB8AC3E}">
-        <p14:creationId xmlns="" xmlns:p14="http://schemas.microsoft.com/office/powerpoint/2010/main" val="584324840"/>
+        <p14:creationId xmlns:p14="http://schemas.microsoft.com/office/powerpoint/2010/main" xmlns="" val="584324840"/>
       </p:ext>
     </p:extLst>
   </p:cSld>
@@ -8263,7 +8263,7 @@
     <a:masterClrMapping/>
   </p:clrMapOvr>
   <mc:AlternateContent xmlns:mc="http://schemas.openxmlformats.org/markup-compatibility/2006">
-    <mc:Choice xmlns="" xmlns:p14="http://schemas.microsoft.com/office/powerpoint/2010/main" Requires="p14">
+    <mc:Choice xmlns:p14="http://schemas.microsoft.com/office/powerpoint/2010/main" xmlns="" Requires="p14">
       <p:transition spd="med" p14:dur="700">
         <p:fade/>
       </p:transition>
@@ -8302,7 +8302,7 @@
     </p:spTree>
     <p:extLst>
       <p:ext uri="{BB962C8B-B14F-4D97-AF65-F5344CB8AC3E}">
-        <p14:creationId xmlns="" xmlns:p14="http://schemas.microsoft.com/office/powerpoint/2010/main" val="3220273477"/>
+        <p14:creationId xmlns:p14="http://schemas.microsoft.com/office/powerpoint/2010/main" xmlns="" val="3220273477"/>
       </p:ext>
     </p:extLst>
   </p:cSld>
@@ -8321,7 +8321,7 @@
     <p:sldLayoutId id="2147483659" r:id="rId11"/>
   </p:sldLayoutIdLst>
   <mc:AlternateContent xmlns:mc="http://schemas.openxmlformats.org/markup-compatibility/2006">
-    <mc:Choice xmlns="" xmlns:p14="http://schemas.microsoft.com/office/powerpoint/2010/main" Requires="p14">
+    <mc:Choice xmlns:p14="http://schemas.microsoft.com/office/powerpoint/2010/main" xmlns="" Requires="p14">
       <p:transition spd="med" p14:dur="700">
         <p:fade/>
       </p:transition>
@@ -8610,7 +8610,7 @@
     </p:spTree>
     <p:extLst>
       <p:ext uri="{BB962C8B-B14F-4D97-AF65-F5344CB8AC3E}">
-        <p14:creationId xmlns="" xmlns:p14="http://schemas.microsoft.com/office/powerpoint/2010/main" val="3220273477"/>
+        <p14:creationId xmlns:p14="http://schemas.microsoft.com/office/powerpoint/2010/main" xmlns="" val="3220273477"/>
       </p:ext>
     </p:extLst>
   </p:cSld>
@@ -8629,7 +8629,7 @@
     <p:sldLayoutId id="2147483671" r:id="rId11"/>
   </p:sldLayoutIdLst>
   <mc:AlternateContent xmlns:mc="http://schemas.openxmlformats.org/markup-compatibility/2006">
-    <mc:Choice xmlns="" xmlns:p14="http://schemas.microsoft.com/office/powerpoint/2010/main" Requires="p14">
+    <mc:Choice xmlns:p14="http://schemas.microsoft.com/office/powerpoint/2010/main" xmlns="" Requires="p14">
       <p:transition spd="med" p14:dur="700">
         <p:fade/>
       </p:transition>
@@ -9016,7 +9016,7 @@
           <p:cNvPr id="10" name="직사각형 9">
             <a:extLst>
               <a:ext uri="{FF2B5EF4-FFF2-40B4-BE49-F238E27FC236}">
-                <a16:creationId xmlns="" xmlns:a16="http://schemas.microsoft.com/office/drawing/2014/main" id="{8B227022-1092-4CAC-8E21-09229A1D98C6}"/>
+                <a16:creationId xmlns:a16="http://schemas.microsoft.com/office/drawing/2014/main" xmlns="" id="{8B227022-1092-4CAC-8E21-09229A1D98C6}"/>
               </a:ext>
             </a:extLst>
           </p:cNvPr>
@@ -9076,7 +9076,7 @@
           <p:cNvPr id="9" name="직사각형 8">
             <a:extLst>
               <a:ext uri="{FF2B5EF4-FFF2-40B4-BE49-F238E27FC236}">
-                <a16:creationId xmlns="" xmlns:a16="http://schemas.microsoft.com/office/drawing/2014/main" id="{8F934532-FF58-4AD8-B2D3-66E65C32D6B8}"/>
+                <a16:creationId xmlns:a16="http://schemas.microsoft.com/office/drawing/2014/main" xmlns="" id="{8F934532-FF58-4AD8-B2D3-66E65C32D6B8}"/>
               </a:ext>
             </a:extLst>
           </p:cNvPr>
@@ -9117,7 +9117,7 @@
     </p:spTree>
     <p:extLst>
       <p:ext uri="{BB962C8B-B14F-4D97-AF65-F5344CB8AC3E}">
-        <p14:creationId xmlns="" xmlns:p14="http://schemas.microsoft.com/office/powerpoint/2010/main" val="525073641"/>
+        <p14:creationId xmlns:p14="http://schemas.microsoft.com/office/powerpoint/2010/main" xmlns="" val="525073641"/>
       </p:ext>
     </p:extLst>
   </p:cSld>
@@ -9125,7 +9125,7 @@
     <a:masterClrMapping/>
   </p:clrMapOvr>
   <mc:AlternateContent xmlns:mc="http://schemas.openxmlformats.org/markup-compatibility/2006">
-    <mc:Choice xmlns="" xmlns:p14="http://schemas.microsoft.com/office/powerpoint/2010/main" Requires="p14">
+    <mc:Choice xmlns:p14="http://schemas.microsoft.com/office/powerpoint/2010/main" xmlns="" Requires="p14">
       <p:transition spd="med" p14:dur="700">
         <p:fade/>
       </p:transition>
@@ -9571,7 +9571,7 @@
           <p:cNvPr id="17" name="모서리가 둥근 직사각형 32">
             <a:extLst>
               <a:ext uri="{FF2B5EF4-FFF2-40B4-BE49-F238E27FC236}">
-                <a16:creationId xmlns="" xmlns:a16="http://schemas.microsoft.com/office/drawing/2014/main" id="{2A4ABE7B-3414-47F0-B463-006B84F86BD8}"/>
+                <a16:creationId xmlns:a16="http://schemas.microsoft.com/office/drawing/2014/main" xmlns="" id="{2A4ABE7B-3414-47F0-B463-006B84F86BD8}"/>
               </a:ext>
             </a:extLst>
           </p:cNvPr>
@@ -9656,7 +9656,7 @@
           <p:cNvPr id="18" name="직사각형 17">
             <a:extLst>
               <a:ext uri="{FF2B5EF4-FFF2-40B4-BE49-F238E27FC236}">
-                <a16:creationId xmlns="" xmlns:a16="http://schemas.microsoft.com/office/drawing/2014/main" id="{97A8F12D-7E27-406D-8851-8EDC13C37FFD}"/>
+                <a16:creationId xmlns:a16="http://schemas.microsoft.com/office/drawing/2014/main" xmlns="" id="{97A8F12D-7E27-406D-8851-8EDC13C37FFD}"/>
               </a:ext>
             </a:extLst>
           </p:cNvPr>
@@ -9742,7 +9742,7 @@
           <p:cNvPr id="20" name="직사각형 19">
             <a:extLst>
               <a:ext uri="{FF2B5EF4-FFF2-40B4-BE49-F238E27FC236}">
-                <a16:creationId xmlns="" xmlns:a16="http://schemas.microsoft.com/office/drawing/2014/main" id="{B4649614-2EE8-41AA-BA4C-04D417F7BA67}"/>
+                <a16:creationId xmlns:a16="http://schemas.microsoft.com/office/drawing/2014/main" xmlns="" id="{B4649614-2EE8-41AA-BA4C-04D417F7BA67}"/>
               </a:ext>
             </a:extLst>
           </p:cNvPr>
@@ -9820,7 +9820,26 @@
                 <a:latin typeface="아리따-돋움(TTF)-Light" pitchFamily="18" charset="-127"/>
                 <a:ea typeface="아리따-돋움(TTF)-Light" pitchFamily="18" charset="-127"/>
               </a:rPr>
-              <a:t>3</a:t>
+              <a:t>3(</a:t>
+            </a:r>
+            <a:r>
+              <a:rPr lang="ko-KR" altLang="en-US" sz="1400" b="1" dirty="0" smtClean="0">
+                <a:ln>
+                  <a:solidFill>
+                    <a:prstClr val="black">
+                      <a:lumMod val="95000"/>
+                      <a:lumOff val="5000"/>
+                      <a:alpha val="20000"/>
+                    </a:prstClr>
+                  </a:solidFill>
+                </a:ln>
+                <a:solidFill>
+                  <a:prstClr val="white"/>
+                </a:solidFill>
+                <a:latin typeface="아리따-돋움(TTF)-Light" pitchFamily="18" charset="-127"/>
+                <a:ea typeface="아리따-돋움(TTF)-Light" pitchFamily="18" charset="-127"/>
+              </a:rPr>
+              <a:t>초록색블록</a:t>
             </a:r>
             <a:r>
               <a:rPr lang="en-US" altLang="ko-KR" sz="1400" b="1" dirty="0" smtClean="0">
@@ -9839,7 +9858,7 @@
                 <a:latin typeface="아리따-돋움(TTF)-Light" pitchFamily="18" charset="-127"/>
                 <a:ea typeface="아리따-돋움(TTF)-Light" pitchFamily="18" charset="-127"/>
               </a:rPr>
-              <a:t>(</a:t>
+              <a:t>-2</a:t>
             </a:r>
             <a:r>
               <a:rPr lang="ko-KR" altLang="en-US" sz="1400" b="1" dirty="0" smtClean="0">
@@ -9858,7 +9877,7 @@
                 <a:latin typeface="아리따-돋움(TTF)-Light" pitchFamily="18" charset="-127"/>
                 <a:ea typeface="아리따-돋움(TTF)-Light" pitchFamily="18" charset="-127"/>
               </a:rPr>
-              <a:t>초록색블록</a:t>
+              <a:t>번</a:t>
             </a:r>
             <a:r>
               <a:rPr lang="en-US" altLang="ko-KR" sz="1400" b="1" dirty="0" smtClean="0">
@@ -9877,7 +9896,130 @@
                 <a:latin typeface="아리따-돋움(TTF)-Light" pitchFamily="18" charset="-127"/>
                 <a:ea typeface="아리따-돋움(TTF)-Light" pitchFamily="18" charset="-127"/>
               </a:rPr>
-              <a:t>-2</a:t>
+              <a:t>)</a:t>
+            </a:r>
+            <a:endParaRPr lang="ko-KR" altLang="en-US" sz="1400" b="1" dirty="0">
+              <a:ln>
+                <a:solidFill>
+                  <a:prstClr val="black">
+                    <a:lumMod val="95000"/>
+                    <a:lumOff val="5000"/>
+                    <a:alpha val="20000"/>
+                  </a:prstClr>
+                </a:solidFill>
+              </a:ln>
+              <a:solidFill>
+                <a:prstClr val="white"/>
+              </a:solidFill>
+              <a:latin typeface="아리따-돋움(TTF)-Light" pitchFamily="18" charset="-127"/>
+              <a:ea typeface="아리따-돋움(TTF)-Light" pitchFamily="18" charset="-127"/>
+            </a:endParaRPr>
+          </a:p>
+        </p:txBody>
+      </p:sp>
+      <p:sp>
+        <p:nvSpPr>
+          <p:cNvPr id="21" name="직사각형 20">
+            <a:extLst>
+              <a:ext uri="{FF2B5EF4-FFF2-40B4-BE49-F238E27FC236}">
+                <a16:creationId xmlns:a16="http://schemas.microsoft.com/office/drawing/2014/main" xmlns="" id="{B4649614-2EE8-41AA-BA4C-04D417F7BA67}"/>
+              </a:ext>
+            </a:extLst>
+          </p:cNvPr>
+          <p:cNvSpPr/>
+          <p:nvPr/>
+        </p:nvSpPr>
+        <p:spPr>
+          <a:xfrm>
+            <a:off x="4966125" y="4143386"/>
+            <a:ext cx="3749279" cy="307777"/>
+          </a:xfrm>
+          <a:prstGeom prst="rect">
+            <a:avLst/>
+          </a:prstGeom>
+        </p:spPr>
+        <p:txBody>
+          <a:bodyPr wrap="square">
+            <a:spAutoFit/>
+          </a:bodyPr>
+          <a:lstStyle/>
+          <a:p>
+            <a:pPr lvl="0"/>
+            <a:r>
+              <a:rPr lang="en-US" altLang="ko-KR" sz="1400" b="1" dirty="0" smtClean="0">
+                <a:ln>
+                  <a:solidFill>
+                    <a:prstClr val="black">
+                      <a:lumMod val="95000"/>
+                      <a:lumOff val="5000"/>
+                      <a:alpha val="20000"/>
+                    </a:prstClr>
+                  </a:solidFill>
+                </a:ln>
+                <a:solidFill>
+                  <a:prstClr val="white"/>
+                </a:solidFill>
+                <a:latin typeface="아리따-돋움(TTF)-Light" pitchFamily="18" charset="-127"/>
+                <a:ea typeface="아리따-돋움(TTF)-Light" pitchFamily="18" charset="-127"/>
+              </a:rPr>
+              <a:t>       - </a:t>
+            </a:r>
+            <a:r>
+              <a:rPr lang="en-US" altLang="ko-KR" sz="1400" b="1" dirty="0" err="1" smtClean="0">
+                <a:ln>
+                  <a:solidFill>
+                    <a:prstClr val="black">
+                      <a:lumMod val="95000"/>
+                      <a:lumOff val="5000"/>
+                      <a:alpha val="20000"/>
+                    </a:prstClr>
+                  </a:solidFill>
+                </a:ln>
+                <a:solidFill>
+                  <a:prstClr val="white"/>
+                </a:solidFill>
+                <a:latin typeface="아리따-돋움(TTF)-Light" pitchFamily="18" charset="-127"/>
+                <a:ea typeface="아리따-돋움(TTF)-Light" pitchFamily="18" charset="-127"/>
+              </a:rPr>
+              <a:t>Final_Stage</a:t>
+            </a:r>
+            <a:r>
+              <a:rPr lang="en-US" altLang="ko-KR" sz="1400" b="1" dirty="0" smtClean="0">
+                <a:ln>
+                  <a:solidFill>
+                    <a:prstClr val="black">
+                      <a:lumMod val="95000"/>
+                      <a:lumOff val="5000"/>
+                      <a:alpha val="20000"/>
+                    </a:prstClr>
+                  </a:solidFill>
+                </a:ln>
+                <a:solidFill>
+                  <a:prstClr val="white"/>
+                </a:solidFill>
+                <a:latin typeface="아리따-돋움(TTF)-Light" pitchFamily="18" charset="-127"/>
+                <a:ea typeface="아리따-돋움(TTF)-Light" pitchFamily="18" charset="-127"/>
+              </a:rPr>
+              <a:t>(</a:t>
+            </a:r>
+            <a:r>
+              <a:rPr lang="ko-KR" altLang="en-US" sz="1400" b="1" dirty="0" err="1" smtClean="0">
+                <a:ln>
+                  <a:solidFill>
+                    <a:prstClr val="black">
+                      <a:lumMod val="95000"/>
+                      <a:lumOff val="5000"/>
+                      <a:alpha val="20000"/>
+                    </a:prstClr>
+                  </a:solidFill>
+                </a:ln>
+                <a:solidFill>
+                  <a:prstClr val="white"/>
+                </a:solidFill>
+                <a:latin typeface="아리따-돋움(TTF)-Light" pitchFamily="18" charset="-127"/>
+                <a:ea typeface="아리따-돋움(TTF)-Light" pitchFamily="18" charset="-127"/>
+              </a:rPr>
+              <a:t>랜덤한</a:t>
             </a:r>
             <a:r>
               <a:rPr lang="ko-KR" altLang="en-US" sz="1400" b="1" dirty="0" smtClean="0">
@@ -9896,7 +10038,7 @@
                 <a:latin typeface="아리따-돋움(TTF)-Light" pitchFamily="18" charset="-127"/>
                 <a:ea typeface="아리따-돋움(TTF)-Light" pitchFamily="18" charset="-127"/>
               </a:rPr>
-              <a:t>번</a:t>
+              <a:t> 블록모양</a:t>
             </a:r>
             <a:r>
               <a:rPr lang="en-US" altLang="ko-KR" sz="1400" b="1" dirty="0" smtClean="0">
@@ -9936,171 +10078,10 @@
           </a:p>
         </p:txBody>
       </p:sp>
-      <p:sp>
-        <p:nvSpPr>
-          <p:cNvPr id="21" name="직사각형 20">
-            <a:extLst>
-              <a:ext uri="{FF2B5EF4-FFF2-40B4-BE49-F238E27FC236}">
-                <a16:creationId xmlns="" xmlns:a16="http://schemas.microsoft.com/office/drawing/2014/main" id="{B4649614-2EE8-41AA-BA4C-04D417F7BA67}"/>
-              </a:ext>
-            </a:extLst>
-          </p:cNvPr>
-          <p:cNvSpPr/>
-          <p:nvPr/>
-        </p:nvSpPr>
-        <p:spPr>
-          <a:xfrm>
-            <a:off x="4966125" y="4143386"/>
-            <a:ext cx="3749279" cy="307777"/>
-          </a:xfrm>
-          <a:prstGeom prst="rect">
-            <a:avLst/>
-          </a:prstGeom>
-        </p:spPr>
-        <p:txBody>
-          <a:bodyPr wrap="square">
-            <a:spAutoFit/>
-          </a:bodyPr>
-          <a:lstStyle/>
-          <a:p>
-            <a:pPr lvl="0"/>
-            <a:r>
-              <a:rPr lang="en-US" altLang="ko-KR" sz="1400" b="1" dirty="0" smtClean="0">
-                <a:ln>
-                  <a:solidFill>
-                    <a:prstClr val="black">
-                      <a:lumMod val="95000"/>
-                      <a:lumOff val="5000"/>
-                      <a:alpha val="20000"/>
-                    </a:prstClr>
-                  </a:solidFill>
-                </a:ln>
-                <a:solidFill>
-                  <a:prstClr val="white"/>
-                </a:solidFill>
-                <a:latin typeface="아리따-돋움(TTF)-Light" pitchFamily="18" charset="-127"/>
-                <a:ea typeface="아리따-돋움(TTF)-Light" pitchFamily="18" charset="-127"/>
-              </a:rPr>
-              <a:t>       - </a:t>
-            </a:r>
-            <a:r>
-              <a:rPr lang="en-US" altLang="ko-KR" sz="1400" b="1" dirty="0" err="1" smtClean="0">
-                <a:ln>
-                  <a:solidFill>
-                    <a:prstClr val="black">
-                      <a:lumMod val="95000"/>
-                      <a:lumOff val="5000"/>
-                      <a:alpha val="20000"/>
-                    </a:prstClr>
-                  </a:solidFill>
-                </a:ln>
-                <a:solidFill>
-                  <a:prstClr val="white"/>
-                </a:solidFill>
-                <a:latin typeface="아리따-돋움(TTF)-Light" pitchFamily="18" charset="-127"/>
-                <a:ea typeface="아리따-돋움(TTF)-Light" pitchFamily="18" charset="-127"/>
-              </a:rPr>
-              <a:t>Final_Stage</a:t>
-            </a:r>
-            <a:r>
-              <a:rPr lang="en-US" altLang="ko-KR" sz="1400" b="1" dirty="0" smtClean="0">
-                <a:ln>
-                  <a:solidFill>
-                    <a:prstClr val="black">
-                      <a:lumMod val="95000"/>
-                      <a:lumOff val="5000"/>
-                      <a:alpha val="20000"/>
-                    </a:prstClr>
-                  </a:solidFill>
-                </a:ln>
-                <a:solidFill>
-                  <a:prstClr val="white"/>
-                </a:solidFill>
-                <a:latin typeface="아리따-돋움(TTF)-Light" pitchFamily="18" charset="-127"/>
-                <a:ea typeface="아리따-돋움(TTF)-Light" pitchFamily="18" charset="-127"/>
-              </a:rPr>
-              <a:t>(</a:t>
-            </a:r>
-            <a:r>
-              <a:rPr lang="ko-KR" altLang="en-US" sz="1400" b="1" dirty="0" err="1" smtClean="0">
-                <a:ln>
-                  <a:solidFill>
-                    <a:prstClr val="black">
-                      <a:lumMod val="95000"/>
-                      <a:lumOff val="5000"/>
-                      <a:alpha val="20000"/>
-                    </a:prstClr>
-                  </a:solidFill>
-                </a:ln>
-                <a:solidFill>
-                  <a:prstClr val="white"/>
-                </a:solidFill>
-                <a:latin typeface="아리따-돋움(TTF)-Light" pitchFamily="18" charset="-127"/>
-                <a:ea typeface="아리따-돋움(TTF)-Light" pitchFamily="18" charset="-127"/>
-              </a:rPr>
-              <a:t>랜덤한</a:t>
-            </a:r>
-            <a:r>
-              <a:rPr lang="ko-KR" altLang="en-US" sz="1400" b="1" dirty="0" smtClean="0">
-                <a:ln>
-                  <a:solidFill>
-                    <a:prstClr val="black">
-                      <a:lumMod val="95000"/>
-                      <a:lumOff val="5000"/>
-                      <a:alpha val="20000"/>
-                    </a:prstClr>
-                  </a:solidFill>
-                </a:ln>
-                <a:solidFill>
-                  <a:prstClr val="white"/>
-                </a:solidFill>
-                <a:latin typeface="아리따-돋움(TTF)-Light" pitchFamily="18" charset="-127"/>
-                <a:ea typeface="아리따-돋움(TTF)-Light" pitchFamily="18" charset="-127"/>
-              </a:rPr>
-              <a:t> 블록모양</a:t>
-            </a:r>
-            <a:r>
-              <a:rPr lang="en-US" altLang="ko-KR" sz="1400" b="1" dirty="0" smtClean="0">
-                <a:ln>
-                  <a:solidFill>
-                    <a:prstClr val="black">
-                      <a:lumMod val="95000"/>
-                      <a:lumOff val="5000"/>
-                      <a:alpha val="20000"/>
-                    </a:prstClr>
-                  </a:solidFill>
-                </a:ln>
-                <a:solidFill>
-                  <a:prstClr val="white"/>
-                </a:solidFill>
-                <a:latin typeface="아리따-돋움(TTF)-Light" pitchFamily="18" charset="-127"/>
-                <a:ea typeface="아리따-돋움(TTF)-Light" pitchFamily="18" charset="-127"/>
-              </a:rPr>
-              <a:t>)</a:t>
-            </a:r>
-            <a:endParaRPr lang="ko-KR" altLang="en-US" sz="1400" b="1" dirty="0">
-              <a:ln>
-                <a:solidFill>
-                  <a:prstClr val="black">
-                    <a:lumMod val="95000"/>
-                    <a:lumOff val="5000"/>
-                    <a:alpha val="20000"/>
-                  </a:prstClr>
-                </a:solidFill>
-              </a:ln>
-              <a:solidFill>
-                <a:prstClr val="white"/>
-              </a:solidFill>
-              <a:latin typeface="아리따-돋움(TTF)-Light" pitchFamily="18" charset="-127"/>
-              <a:ea typeface="아리따-돋움(TTF)-Light" pitchFamily="18" charset="-127"/>
-            </a:endParaRPr>
-          </a:p>
-        </p:txBody>
-      </p:sp>
     </p:spTree>
     <p:extLst>
       <p:ext uri="{BB962C8B-B14F-4D97-AF65-F5344CB8AC3E}">
-        <p14:creationId xmlns="" xmlns:p14="http://schemas.microsoft.com/office/powerpoint/2010/main" val="3553157265"/>
+        <p14:creationId xmlns:p14="http://schemas.microsoft.com/office/powerpoint/2010/main" xmlns="" val="3553157265"/>
       </p:ext>
     </p:extLst>
   </p:cSld>
@@ -10538,7 +10519,7 @@
           <p:cNvPr id="17" name="모서리가 둥근 직사각형 32">
             <a:extLst>
               <a:ext uri="{FF2B5EF4-FFF2-40B4-BE49-F238E27FC236}">
-                <a16:creationId xmlns="" xmlns:a16="http://schemas.microsoft.com/office/drawing/2014/main" id="{2A4ABE7B-3414-47F0-B463-006B84F86BD8}"/>
+                <a16:creationId xmlns:a16="http://schemas.microsoft.com/office/drawing/2014/main" xmlns="" id="{2A4ABE7B-3414-47F0-B463-006B84F86BD8}"/>
               </a:ext>
             </a:extLst>
           </p:cNvPr>
@@ -10623,7 +10604,7 @@
           <p:cNvPr id="18" name="직사각형 17">
             <a:extLst>
               <a:ext uri="{FF2B5EF4-FFF2-40B4-BE49-F238E27FC236}">
-                <a16:creationId xmlns="" xmlns:a16="http://schemas.microsoft.com/office/drawing/2014/main" id="{97A8F12D-7E27-406D-8851-8EDC13C37FFD}"/>
+                <a16:creationId xmlns:a16="http://schemas.microsoft.com/office/drawing/2014/main" xmlns="" id="{97A8F12D-7E27-406D-8851-8EDC13C37FFD}"/>
               </a:ext>
             </a:extLst>
           </p:cNvPr>
@@ -10707,7 +10688,7 @@
     </p:spTree>
     <p:extLst>
       <p:ext uri="{BB962C8B-B14F-4D97-AF65-F5344CB8AC3E}">
-        <p14:creationId xmlns="" xmlns:p14="http://schemas.microsoft.com/office/powerpoint/2010/main" val="4136681830"/>
+        <p14:creationId xmlns:p14="http://schemas.microsoft.com/office/powerpoint/2010/main" xmlns="" val="4136681830"/>
       </p:ext>
     </p:extLst>
   </p:cSld>
@@ -10816,7 +10797,7 @@
           <a:noFill/>
           <a:extLst>
             <a:ext uri="{909E8E84-426E-40DD-AFC4-6F175D3DCCD1}">
-              <a14:hiddenFill xmlns="" xmlns:a14="http://schemas.microsoft.com/office/drawing/2010/main">
+              <a14:hiddenFill xmlns:a14="http://schemas.microsoft.com/office/drawing/2010/main" xmlns="">
                 <a:solidFill>
                   <a:srgbClr val="FFFFFF"/>
                 </a:solidFill>
@@ -10855,7 +10836,7 @@
           <a:noFill/>
           <a:extLst>
             <a:ext uri="{909E8E84-426E-40DD-AFC4-6F175D3DCCD1}">
-              <a14:hiddenFill xmlns="" xmlns:a14="http://schemas.microsoft.com/office/drawing/2010/main">
+              <a14:hiddenFill xmlns:a14="http://schemas.microsoft.com/office/drawing/2010/main" xmlns="">
                 <a:solidFill>
                   <a:srgbClr val="FFFFFF"/>
                 </a:solidFill>
@@ -10998,7 +10979,7 @@
     </p:spTree>
     <p:extLst>
       <p:ext uri="{BB962C8B-B14F-4D97-AF65-F5344CB8AC3E}">
-        <p14:creationId xmlns="" xmlns:p14="http://schemas.microsoft.com/office/powerpoint/2010/main" val="364654449"/>
+        <p14:creationId xmlns:p14="http://schemas.microsoft.com/office/powerpoint/2010/main" xmlns="" val="364654449"/>
       </p:ext>
     </p:extLst>
   </p:cSld>
@@ -11006,7 +10987,7 @@
     <a:masterClrMapping/>
   </p:clrMapOvr>
   <mc:AlternateContent xmlns:mc="http://schemas.openxmlformats.org/markup-compatibility/2006">
-    <mc:Choice xmlns="" xmlns:p14="http://schemas.microsoft.com/office/powerpoint/2010/main" Requires="p14">
+    <mc:Choice xmlns:p14="http://schemas.microsoft.com/office/powerpoint/2010/main" xmlns="" Requires="p14">
       <p:transition spd="med" p14:dur="700">
         <p:fade/>
       </p:transition>
@@ -11109,7 +11090,7 @@
           <a:noFill/>
           <a:extLst>
             <a:ext uri="{909E8E84-426E-40DD-AFC4-6F175D3DCCD1}">
-              <a14:hiddenFill xmlns="" xmlns:a14="http://schemas.microsoft.com/office/drawing/2010/main">
+              <a14:hiddenFill xmlns:a14="http://schemas.microsoft.com/office/drawing/2010/main" xmlns="">
                 <a:solidFill>
                   <a:srgbClr val="FFFFFF"/>
                 </a:solidFill>
@@ -11148,7 +11129,7 @@
           <a:noFill/>
           <a:extLst>
             <a:ext uri="{909E8E84-426E-40DD-AFC4-6F175D3DCCD1}">
-              <a14:hiddenFill xmlns="" xmlns:a14="http://schemas.microsoft.com/office/drawing/2010/main">
+              <a14:hiddenFill xmlns:a14="http://schemas.microsoft.com/office/drawing/2010/main" xmlns="">
                 <a:solidFill>
                   <a:srgbClr val="FFFFFF"/>
                 </a:solidFill>
@@ -11276,7 +11257,7 @@
           <p:cNvPr id="16" name="직사각형 15">
             <a:extLst>
               <a:ext uri="{FF2B5EF4-FFF2-40B4-BE49-F238E27FC236}">
-                <a16:creationId xmlns="" xmlns:a16="http://schemas.microsoft.com/office/drawing/2014/main" id="{5560D265-CD4A-44DC-B10A-002ED22E376B}"/>
+                <a16:creationId xmlns:a16="http://schemas.microsoft.com/office/drawing/2014/main" xmlns="" id="{5560D265-CD4A-44DC-B10A-002ED22E376B}"/>
               </a:ext>
             </a:extLst>
           </p:cNvPr>
@@ -11286,7 +11267,7 @@
         <p:spPr>
           <a:xfrm>
             <a:off x="3177202" y="1798023"/>
-            <a:ext cx="3449983" cy="2308324"/>
+            <a:ext cx="3034805" cy="2308324"/>
           </a:xfrm>
           <a:prstGeom prst="rect">
             <a:avLst/>
@@ -11397,7 +11378,24 @@
                 <a:latin typeface="바탕" panose="02030600000101010101" pitchFamily="18" charset="-127"/>
                 <a:ea typeface="바탕" panose="02030600000101010101" pitchFamily="18" charset="-127"/>
               </a:rPr>
-              <a:t>처리 처리 이슈</a:t>
+              <a:t>처리 </a:t>
+            </a:r>
+            <a:r>
+              <a:rPr lang="ko-KR" altLang="en-US" sz="3600" b="1" spc="-300" dirty="0" smtClean="0">
+                <a:ln>
+                  <a:solidFill>
+                    <a:schemeClr val="bg1">
+                      <a:alpha val="20000"/>
+                    </a:schemeClr>
+                  </a:solidFill>
+                </a:ln>
+                <a:solidFill>
+                  <a:schemeClr val="bg1"/>
+                </a:solidFill>
+                <a:latin typeface="바탕" panose="02030600000101010101" pitchFamily="18" charset="-127"/>
+                <a:ea typeface="바탕" panose="02030600000101010101" pitchFamily="18" charset="-127"/>
+              </a:rPr>
+              <a:t>이슈</a:t>
             </a:r>
             <a:endParaRPr lang="en-US" altLang="ko-KR" sz="3600" b="1" spc="-300" dirty="0">
               <a:ln>
@@ -11505,7 +11503,7 @@
     </p:spTree>
     <p:extLst>
       <p:ext uri="{BB962C8B-B14F-4D97-AF65-F5344CB8AC3E}">
-        <p14:creationId xmlns="" xmlns:p14="http://schemas.microsoft.com/office/powerpoint/2010/main" val="920747298"/>
+        <p14:creationId xmlns:p14="http://schemas.microsoft.com/office/powerpoint/2010/main" xmlns="" val="920747298"/>
       </p:ext>
     </p:extLst>
   </p:cSld>
@@ -11513,7 +11511,7 @@
     <a:masterClrMapping/>
   </p:clrMapOvr>
   <mc:AlternateContent xmlns:mc="http://schemas.openxmlformats.org/markup-compatibility/2006">
-    <mc:Choice xmlns="" xmlns:p14="http://schemas.microsoft.com/office/powerpoint/2010/main" Requires="p14">
+    <mc:Choice xmlns:p14="http://schemas.microsoft.com/office/powerpoint/2010/main" xmlns="" Requires="p14">
       <p:transition spd="med" p14:dur="700">
         <p:fade/>
       </p:transition>
@@ -11919,7 +11917,7 @@
           <p:cNvPr id="27" name="TextBox 26">
             <a:extLst>
               <a:ext uri="{FF2B5EF4-FFF2-40B4-BE49-F238E27FC236}">
-                <a16:creationId xmlns="" xmlns:a16="http://schemas.microsoft.com/office/drawing/2014/main" id="{253FA29E-C245-460E-A56D-FE7837A41E31}"/>
+                <a16:creationId xmlns:a16="http://schemas.microsoft.com/office/drawing/2014/main" xmlns="" id="{253FA29E-C245-460E-A56D-FE7837A41E31}"/>
               </a:ext>
             </a:extLst>
           </p:cNvPr>
@@ -11963,7 +11961,7 @@
           <p:cNvPr id="36" name="직사각형 35">
             <a:extLst>
               <a:ext uri="{FF2B5EF4-FFF2-40B4-BE49-F238E27FC236}">
-                <a16:creationId xmlns="" xmlns:a16="http://schemas.microsoft.com/office/drawing/2014/main" id="{F3D67CA2-E46E-45E1-917E-3A9316AAA757}"/>
+                <a16:creationId xmlns:a16="http://schemas.microsoft.com/office/drawing/2014/main" xmlns="" id="{F3D67CA2-E46E-45E1-917E-3A9316AAA757}"/>
               </a:ext>
             </a:extLst>
           </p:cNvPr>
@@ -12033,7 +12031,7 @@
           <p:cNvPr id="38" name="직사각형 37">
             <a:extLst>
               <a:ext uri="{FF2B5EF4-FFF2-40B4-BE49-F238E27FC236}">
-                <a16:creationId xmlns="" xmlns:a16="http://schemas.microsoft.com/office/drawing/2014/main" id="{1F4AEB3F-BB7E-43F0-B69C-BD0C527EEB15}"/>
+                <a16:creationId xmlns:a16="http://schemas.microsoft.com/office/drawing/2014/main" xmlns="" id="{1F4AEB3F-BB7E-43F0-B69C-BD0C527EEB15}"/>
               </a:ext>
             </a:extLst>
           </p:cNvPr>
@@ -12140,7 +12138,7 @@
           <p:cNvPr id="44" name="직사각형 43">
             <a:extLst>
               <a:ext uri="{FF2B5EF4-FFF2-40B4-BE49-F238E27FC236}">
-                <a16:creationId xmlns="" xmlns:a16="http://schemas.microsoft.com/office/drawing/2014/main" id="{9E3E895D-8ABA-421F-9C35-C3B1F1722583}"/>
+                <a16:creationId xmlns:a16="http://schemas.microsoft.com/office/drawing/2014/main" xmlns="" id="{9E3E895D-8ABA-421F-9C35-C3B1F1722583}"/>
               </a:ext>
             </a:extLst>
           </p:cNvPr>
@@ -12203,21 +12201,7 @@
                 <a:latin typeface="바탕" panose="02030600000101010101" pitchFamily="18" charset="-127"/>
                 <a:ea typeface="바탕" panose="02030600000101010101" pitchFamily="18" charset="-127"/>
               </a:rPr>
-              <a:t> </a:t>
-            </a:r>
-            <a:r>
-              <a:rPr lang="ko-KR" altLang="en-US" sz="1600" b="1" spc="-300" dirty="0" smtClean="0">
-                <a:ln>
-                  <a:solidFill>
-                    <a:schemeClr val="bg1">
-                      <a:alpha val="20000"/>
-                    </a:schemeClr>
-                  </a:solidFill>
-                </a:ln>
-                <a:latin typeface="바탕" panose="02030600000101010101" pitchFamily="18" charset="-127"/>
-                <a:ea typeface="바탕" panose="02030600000101010101" pitchFamily="18" charset="-127"/>
-              </a:rPr>
-              <a:t>전 체  진 도 율</a:t>
+              <a:t> 전 체  진 도 율</a:t>
             </a:r>
             <a:endParaRPr lang="en-US" altLang="ko-KR" sz="1600" spc="-150" dirty="0">
               <a:ln>
@@ -12238,7 +12222,7 @@
           <p:cNvPr id="45" name="직사각형 44">
             <a:extLst>
               <a:ext uri="{FF2B5EF4-FFF2-40B4-BE49-F238E27FC236}">
-                <a16:creationId xmlns="" xmlns:a16="http://schemas.microsoft.com/office/drawing/2014/main" id="{B4C23A70-EF52-4E50-909B-E810B859379B}"/>
+                <a16:creationId xmlns:a16="http://schemas.microsoft.com/office/drawing/2014/main" xmlns="" id="{B4C23A70-EF52-4E50-909B-E810B859379B}"/>
               </a:ext>
             </a:extLst>
           </p:cNvPr>
@@ -12343,7 +12327,7 @@
           <p:cNvPr id="46" name="직사각형 45">
             <a:extLst>
               <a:ext uri="{FF2B5EF4-FFF2-40B4-BE49-F238E27FC236}">
-                <a16:creationId xmlns="" xmlns:a16="http://schemas.microsoft.com/office/drawing/2014/main" id="{4AF09F4C-D9C2-4472-9AE2-514A45FF76CF}"/>
+                <a16:creationId xmlns:a16="http://schemas.microsoft.com/office/drawing/2014/main" xmlns="" id="{4AF09F4C-D9C2-4472-9AE2-514A45FF76CF}"/>
               </a:ext>
             </a:extLst>
           </p:cNvPr>
@@ -12518,7 +12502,7 @@
             <p:cNvPr id="19" name="순서도: 대체 처리 18">
               <a:extLst>
                 <a:ext uri="{FF2B5EF4-FFF2-40B4-BE49-F238E27FC236}">
-                  <a16:creationId xmlns="" xmlns:a16="http://schemas.microsoft.com/office/drawing/2014/main" id="{E05396A0-9E95-44AC-9F5C-92C01935AED3}"/>
+                  <a16:creationId xmlns:a16="http://schemas.microsoft.com/office/drawing/2014/main" xmlns="" id="{E05396A0-9E95-44AC-9F5C-92C01935AED3}"/>
                 </a:ext>
               </a:extLst>
             </p:cNvPr>
@@ -12546,7 +12530,7 @@
             <a:effectLst/>
             <a:extLst>
               <a:ext uri="{AF507438-7753-43e0-B8FC-AC1667EBCBE1}">
-                <a14:hiddenEffects xmlns:a14="http://schemas.microsoft.com/office/drawing/2010/main" xmlns="">
+                <a14:hiddenEffects xmlns="" xmlns:a14="http://schemas.microsoft.com/office/drawing/2010/main">
                   <a:effectLst>
                     <a:outerShdw blurRad="63500" dist="38099" dir="2700000" algn="ctr" rotWithShape="0">
                       <a:schemeClr val="bg2">
@@ -12602,7 +12586,7 @@
             <p:cNvPr id="22" name="순서도: 대체 처리 21">
               <a:extLst>
                 <a:ext uri="{FF2B5EF4-FFF2-40B4-BE49-F238E27FC236}">
-                  <a16:creationId xmlns="" xmlns:a16="http://schemas.microsoft.com/office/drawing/2014/main" id="{E05396A0-9E95-44AC-9F5C-92C01935AED3}"/>
+                  <a16:creationId xmlns:a16="http://schemas.microsoft.com/office/drawing/2014/main" xmlns="" id="{E05396A0-9E95-44AC-9F5C-92C01935AED3}"/>
                 </a:ext>
               </a:extLst>
             </p:cNvPr>
@@ -12630,7 +12614,7 @@
             <a:effectLst/>
             <a:extLst>
               <a:ext uri="{AF507438-7753-43e0-B8FC-AC1667EBCBE1}">
-                <a14:hiddenEffects xmlns:a14="http://schemas.microsoft.com/office/drawing/2010/main" xmlns="">
+                <a14:hiddenEffects xmlns="" xmlns:a14="http://schemas.microsoft.com/office/drawing/2010/main">
                   <a:effectLst>
                     <a:outerShdw blurRad="63500" dist="38099" dir="2700000" algn="ctr" rotWithShape="0">
                       <a:schemeClr val="bg2">
@@ -12686,7 +12670,7 @@
             <p:cNvPr id="23" name="순서도: 대체 처리 22">
               <a:extLst>
                 <a:ext uri="{FF2B5EF4-FFF2-40B4-BE49-F238E27FC236}">
-                  <a16:creationId xmlns="" xmlns:a16="http://schemas.microsoft.com/office/drawing/2014/main" id="{E05396A0-9E95-44AC-9F5C-92C01935AED3}"/>
+                  <a16:creationId xmlns:a16="http://schemas.microsoft.com/office/drawing/2014/main" xmlns="" id="{E05396A0-9E95-44AC-9F5C-92C01935AED3}"/>
                 </a:ext>
               </a:extLst>
             </p:cNvPr>
@@ -12714,7 +12698,7 @@
             <a:effectLst/>
             <a:extLst>
               <a:ext uri="{AF507438-7753-43e0-B8FC-AC1667EBCBE1}">
-                <a14:hiddenEffects xmlns:a14="http://schemas.microsoft.com/office/drawing/2010/main" xmlns="">
+                <a14:hiddenEffects xmlns="" xmlns:a14="http://schemas.microsoft.com/office/drawing/2010/main">
                   <a:effectLst>
                     <a:outerShdw blurRad="63500" dist="38099" dir="2700000" algn="ctr" rotWithShape="0">
                       <a:schemeClr val="bg2">
@@ -12770,7 +12754,7 @@
             <p:cNvPr id="26" name="순서도: 대체 처리 25">
               <a:extLst>
                 <a:ext uri="{FF2B5EF4-FFF2-40B4-BE49-F238E27FC236}">
-                  <a16:creationId xmlns="" xmlns:a16="http://schemas.microsoft.com/office/drawing/2014/main" id="{E05396A0-9E95-44AC-9F5C-92C01935AED3}"/>
+                  <a16:creationId xmlns:a16="http://schemas.microsoft.com/office/drawing/2014/main" xmlns="" id="{E05396A0-9E95-44AC-9F5C-92C01935AED3}"/>
                 </a:ext>
               </a:extLst>
             </p:cNvPr>
@@ -12798,7 +12782,7 @@
             <a:effectLst/>
             <a:extLst>
               <a:ext uri="{AF507438-7753-43e0-B8FC-AC1667EBCBE1}">
-                <a14:hiddenEffects xmlns:a14="http://schemas.microsoft.com/office/drawing/2010/main" xmlns="">
+                <a14:hiddenEffects xmlns="" xmlns:a14="http://schemas.microsoft.com/office/drawing/2010/main">
                   <a:effectLst>
                     <a:outerShdw blurRad="63500" dist="38099" dir="2700000" algn="ctr" rotWithShape="0">
                       <a:schemeClr val="bg2">
@@ -12853,7 +12837,7 @@
     </p:spTree>
     <p:extLst>
       <p:ext uri="{BB962C8B-B14F-4D97-AF65-F5344CB8AC3E}">
-        <p14:creationId xmlns="" xmlns:p14="http://schemas.microsoft.com/office/powerpoint/2010/main" val="4076095511"/>
+        <p14:creationId xmlns:p14="http://schemas.microsoft.com/office/powerpoint/2010/main" xmlns="" val="4076095511"/>
       </p:ext>
     </p:extLst>
   </p:cSld>
@@ -12861,7 +12845,7 @@
     <a:masterClrMapping/>
   </p:clrMapOvr>
   <mc:AlternateContent xmlns:mc="http://schemas.openxmlformats.org/markup-compatibility/2006">
-    <mc:Choice xmlns="" xmlns:p14="http://schemas.microsoft.com/office/powerpoint/2010/main" Requires="p14">
+    <mc:Choice xmlns:p14="http://schemas.microsoft.com/office/powerpoint/2010/main" xmlns="" Requires="p14">
       <p:transition spd="med" p14:dur="700">
         <p:fade/>
       </p:transition>
@@ -13309,7 +13293,7 @@
           <p:cNvPr id="31" name="직사각형 30">
             <a:extLst>
               <a:ext uri="{FF2B5EF4-FFF2-40B4-BE49-F238E27FC236}">
-                <a16:creationId xmlns="" xmlns:a16="http://schemas.microsoft.com/office/drawing/2014/main" id="{BE08450A-1017-48FA-976B-A160A85101B1}"/>
+                <a16:creationId xmlns:a16="http://schemas.microsoft.com/office/drawing/2014/main" xmlns="" id="{BE08450A-1017-48FA-976B-A160A85101B1}"/>
               </a:ext>
             </a:extLst>
           </p:cNvPr>
@@ -13416,7 +13400,7 @@
           <p:cNvPr id="32" name="직사각형 31">
             <a:extLst>
               <a:ext uri="{FF2B5EF4-FFF2-40B4-BE49-F238E27FC236}">
-                <a16:creationId xmlns="" xmlns:a16="http://schemas.microsoft.com/office/drawing/2014/main" id="{44F8A52E-3AFA-4C98-9B11-385716D8AE0B}"/>
+                <a16:creationId xmlns:a16="http://schemas.microsoft.com/office/drawing/2014/main" xmlns="" id="{44F8A52E-3AFA-4C98-9B11-385716D8AE0B}"/>
               </a:ext>
             </a:extLst>
           </p:cNvPr>
@@ -13486,7 +13470,7 @@
           <p:cNvPr id="34" name="직사각형 33">
             <a:extLst>
               <a:ext uri="{FF2B5EF4-FFF2-40B4-BE49-F238E27FC236}">
-                <a16:creationId xmlns="" xmlns:a16="http://schemas.microsoft.com/office/drawing/2014/main" id="{7AF4FEAF-5A7D-457E-8902-47FAB621FF90}"/>
+                <a16:creationId xmlns:a16="http://schemas.microsoft.com/office/drawing/2014/main" xmlns="" id="{7AF4FEAF-5A7D-457E-8902-47FAB621FF90}"/>
               </a:ext>
             </a:extLst>
           </p:cNvPr>
@@ -13610,7 +13594,7 @@
           <p:cNvPr id="35" name="직사각형 34">
             <a:extLst>
               <a:ext uri="{FF2B5EF4-FFF2-40B4-BE49-F238E27FC236}">
-                <a16:creationId xmlns="" xmlns:a16="http://schemas.microsoft.com/office/drawing/2014/main" id="{6A3BF506-AC25-4180-95DB-180B97962738}"/>
+                <a16:creationId xmlns:a16="http://schemas.microsoft.com/office/drawing/2014/main" xmlns="" id="{6A3BF506-AC25-4180-95DB-180B97962738}"/>
               </a:ext>
             </a:extLst>
           </p:cNvPr>
@@ -13651,27 +13635,7 @@
                 <a:latin typeface="바탕" panose="02030600000101010101" pitchFamily="18" charset="-127"/>
                 <a:ea typeface="바탕" panose="02030600000101010101" pitchFamily="18" charset="-127"/>
               </a:rPr>
-              <a:t>3.</a:t>
-            </a:r>
-            <a:r>
-              <a:rPr lang="en-US" altLang="ko-KR" sz="1600" spc="-150" dirty="0" smtClean="0">
-                <a:ln>
-                  <a:solidFill>
-                    <a:schemeClr val="bg1">
-                      <a:alpha val="20000"/>
-                    </a:schemeClr>
-                  </a:solidFill>
-                </a:ln>
-                <a:solidFill>
-                  <a:schemeClr val="tx1">
-                    <a:lumMod val="50000"/>
-                    <a:lumOff val="50000"/>
-                  </a:schemeClr>
-                </a:solidFill>
-                <a:latin typeface="바탕" panose="02030600000101010101" pitchFamily="18" charset="-127"/>
-                <a:ea typeface="바탕" panose="02030600000101010101" pitchFamily="18" charset="-127"/>
-              </a:rPr>
-              <a:t>Commits</a:t>
+              <a:t>3.Commits</a:t>
             </a:r>
             <a:endParaRPr lang="ko-KR" altLang="en-US" sz="1600" spc="-150" dirty="0">
               <a:ln>
@@ -13797,7 +13761,7 @@
           <p:cNvPr id="22" name="순서도: 대체 처리 21">
             <a:extLst>
               <a:ext uri="{FF2B5EF4-FFF2-40B4-BE49-F238E27FC236}">
-                <a16:creationId xmlns="" xmlns:a16="http://schemas.microsoft.com/office/drawing/2014/main" id="{E05396A0-9E95-44AC-9F5C-92C01935AED3}"/>
+                <a16:creationId xmlns:a16="http://schemas.microsoft.com/office/drawing/2014/main" xmlns="" id="{E05396A0-9E95-44AC-9F5C-92C01935AED3}"/>
               </a:ext>
             </a:extLst>
           </p:cNvPr>
@@ -13825,7 +13789,7 @@
           <a:effectLst/>
           <a:extLst>
             <a:ext uri="{AF507438-7753-43e0-B8FC-AC1667EBCBE1}">
-              <a14:hiddenEffects xmlns:a14="http://schemas.microsoft.com/office/drawing/2010/main" xmlns="">
+              <a14:hiddenEffects xmlns="" xmlns:a14="http://schemas.microsoft.com/office/drawing/2010/main">
                 <a:effectLst>
                   <a:outerShdw blurRad="63500" dist="38099" dir="2700000" algn="ctr" rotWithShape="0">
                     <a:schemeClr val="bg2">
@@ -14923,7 +14887,7 @@
     </p:spTree>
     <p:extLst>
       <p:ext uri="{BB962C8B-B14F-4D97-AF65-F5344CB8AC3E}">
-        <p14:creationId xmlns="" xmlns:p14="http://schemas.microsoft.com/office/powerpoint/2010/main" val="604710199"/>
+        <p14:creationId xmlns:p14="http://schemas.microsoft.com/office/powerpoint/2010/main" xmlns="" val="604710199"/>
       </p:ext>
     </p:extLst>
   </p:cSld>
@@ -14931,7 +14895,7 @@
     <a:masterClrMapping/>
   </p:clrMapOvr>
   <mc:AlternateContent xmlns:mc="http://schemas.openxmlformats.org/markup-compatibility/2006">
-    <mc:Choice xmlns="" xmlns:p14="http://schemas.microsoft.com/office/powerpoint/2010/main" Requires="p14">
+    <mc:Choice xmlns:p14="http://schemas.microsoft.com/office/powerpoint/2010/main" xmlns="" Requires="p14">
       <p:transition spd="med" p14:dur="700">
         <p:fade/>
       </p:transition>
@@ -15329,7 +15293,7 @@
           <p:cNvPr id="41" name="직선 연결선 40">
             <a:extLst>
               <a:ext uri="{FF2B5EF4-FFF2-40B4-BE49-F238E27FC236}">
-                <a16:creationId xmlns="" xmlns:a16="http://schemas.microsoft.com/office/drawing/2014/main" id="{E6046F09-822F-4798-95EF-6A11FFB2380B}"/>
+                <a16:creationId xmlns:a16="http://schemas.microsoft.com/office/drawing/2014/main" xmlns="" id="{E6046F09-822F-4798-95EF-6A11FFB2380B}"/>
               </a:ext>
             </a:extLst>
           </p:cNvPr>
@@ -15374,7 +15338,7 @@
           <p:cNvPr id="54" name="직사각형 53">
             <a:extLst>
               <a:ext uri="{FF2B5EF4-FFF2-40B4-BE49-F238E27FC236}">
-                <a16:creationId xmlns="" xmlns:a16="http://schemas.microsoft.com/office/drawing/2014/main" id="{2D69CC91-DB45-4540-895B-4585EFEB0754}"/>
+                <a16:creationId xmlns:a16="http://schemas.microsoft.com/office/drawing/2014/main" xmlns="" id="{2D69CC91-DB45-4540-895B-4585EFEB0754}"/>
               </a:ext>
             </a:extLst>
           </p:cNvPr>
@@ -15430,7 +15394,7 @@
           <p:cNvPr id="55" name="직선 연결선 54">
             <a:extLst>
               <a:ext uri="{FF2B5EF4-FFF2-40B4-BE49-F238E27FC236}">
-                <a16:creationId xmlns="" xmlns:a16="http://schemas.microsoft.com/office/drawing/2014/main" id="{43FC127A-4EAD-41F6-B283-E84AFA6A5A6E}"/>
+                <a16:creationId xmlns:a16="http://schemas.microsoft.com/office/drawing/2014/main" xmlns="" id="{43FC127A-4EAD-41F6-B283-E84AFA6A5A6E}"/>
               </a:ext>
             </a:extLst>
           </p:cNvPr>
@@ -15722,7 +15686,7 @@
           <p:cNvPr id="29" name="직사각형 28">
             <a:extLst>
               <a:ext uri="{FF2B5EF4-FFF2-40B4-BE49-F238E27FC236}">
-                <a16:creationId xmlns="" xmlns:a16="http://schemas.microsoft.com/office/drawing/2014/main" id="{44F8A52E-3AFA-4C98-9B11-385716D8AE0B}"/>
+                <a16:creationId xmlns:a16="http://schemas.microsoft.com/office/drawing/2014/main" xmlns="" id="{44F8A52E-3AFA-4C98-9B11-385716D8AE0B}"/>
               </a:ext>
             </a:extLst>
           </p:cNvPr>
@@ -15807,7 +15771,7 @@
           <p:cNvPr id="32" name="직사각형 31">
             <a:extLst>
               <a:ext uri="{FF2B5EF4-FFF2-40B4-BE49-F238E27FC236}">
-                <a16:creationId xmlns="" xmlns:a16="http://schemas.microsoft.com/office/drawing/2014/main" id="{7AF4FEAF-5A7D-457E-8902-47FAB621FF90}"/>
+                <a16:creationId xmlns:a16="http://schemas.microsoft.com/office/drawing/2014/main" xmlns="" id="{7AF4FEAF-5A7D-457E-8902-47FAB621FF90}"/>
               </a:ext>
             </a:extLst>
           </p:cNvPr>
@@ -15931,7 +15895,7 @@
           <p:cNvPr id="34" name="직사각형 33">
             <a:extLst>
               <a:ext uri="{FF2B5EF4-FFF2-40B4-BE49-F238E27FC236}">
-                <a16:creationId xmlns="" xmlns:a16="http://schemas.microsoft.com/office/drawing/2014/main" id="{6A3BF506-AC25-4180-95DB-180B97962738}"/>
+                <a16:creationId xmlns:a16="http://schemas.microsoft.com/office/drawing/2014/main" xmlns="" id="{6A3BF506-AC25-4180-95DB-180B97962738}"/>
               </a:ext>
             </a:extLst>
           </p:cNvPr>
@@ -16042,7 +16006,7 @@
           <p:cNvPr id="35" name="직사각형 34">
             <a:extLst>
               <a:ext uri="{FF2B5EF4-FFF2-40B4-BE49-F238E27FC236}">
-                <a16:creationId xmlns="" xmlns:a16="http://schemas.microsoft.com/office/drawing/2014/main" id="{BE08450A-1017-48FA-976B-A160A85101B1}"/>
+                <a16:creationId xmlns:a16="http://schemas.microsoft.com/office/drawing/2014/main" xmlns="" id="{BE08450A-1017-48FA-976B-A160A85101B1}"/>
               </a:ext>
             </a:extLst>
           </p:cNvPr>
@@ -16147,7 +16111,7 @@
     </p:spTree>
     <p:extLst>
       <p:ext uri="{BB962C8B-B14F-4D97-AF65-F5344CB8AC3E}">
-        <p14:creationId xmlns="" xmlns:p14="http://schemas.microsoft.com/office/powerpoint/2010/main" val="737291487"/>
+        <p14:creationId xmlns:p14="http://schemas.microsoft.com/office/powerpoint/2010/main" xmlns="" val="737291487"/>
       </p:ext>
     </p:extLst>
   </p:cSld>
@@ -16155,7 +16119,7 @@
     <a:masterClrMapping/>
   </p:clrMapOvr>
   <mc:AlternateContent xmlns:mc="http://schemas.openxmlformats.org/markup-compatibility/2006">
-    <mc:Choice xmlns="" xmlns:p14="http://schemas.microsoft.com/office/powerpoint/2010/main" Requires="p14">
+    <mc:Choice xmlns:p14="http://schemas.microsoft.com/office/powerpoint/2010/main" xmlns="" Requires="p14">
       <p:transition spd="med" p14:dur="700">
         <p:fade/>
       </p:transition>
@@ -16955,7 +16919,7 @@
           <p:cNvPr id="16" name="순서도: 대체 처리 15">
             <a:extLst>
               <a:ext uri="{FF2B5EF4-FFF2-40B4-BE49-F238E27FC236}">
-                <a16:creationId xmlns="" xmlns:a16="http://schemas.microsoft.com/office/drawing/2014/main" id="{E05396A0-9E95-44AC-9F5C-92C01935AED3}"/>
+                <a16:creationId xmlns:a16="http://schemas.microsoft.com/office/drawing/2014/main" xmlns="" id="{E05396A0-9E95-44AC-9F5C-92C01935AED3}"/>
               </a:ext>
             </a:extLst>
           </p:cNvPr>
@@ -16983,7 +16947,7 @@
           <a:effectLst/>
           <a:extLst>
             <a:ext uri="{AF507438-7753-43e0-B8FC-AC1667EBCBE1}">
-              <a14:hiddenEffects xmlns:a14="http://schemas.microsoft.com/office/drawing/2010/main" xmlns="">
+              <a14:hiddenEffects xmlns="" xmlns:a14="http://schemas.microsoft.com/office/drawing/2010/main">
                 <a:effectLst>
                   <a:outerShdw blurRad="63500" dist="38099" dir="2700000" algn="ctr" rotWithShape="0">
                     <a:schemeClr val="bg2">
@@ -17039,7 +17003,7 @@
           <p:cNvPr id="20" name="직사각형 19">
             <a:extLst>
               <a:ext uri="{FF2B5EF4-FFF2-40B4-BE49-F238E27FC236}">
-                <a16:creationId xmlns="" xmlns:a16="http://schemas.microsoft.com/office/drawing/2014/main" id="{A0DF77F9-21BC-460F-9BF0-A1DB7984A245}"/>
+                <a16:creationId xmlns:a16="http://schemas.microsoft.com/office/drawing/2014/main" xmlns="" id="{A0DF77F9-21BC-460F-9BF0-A1DB7984A245}"/>
               </a:ext>
             </a:extLst>
           </p:cNvPr>
@@ -17124,7 +17088,7 @@
           <p:cNvPr id="21" name="직사각형 20">
             <a:extLst>
               <a:ext uri="{FF2B5EF4-FFF2-40B4-BE49-F238E27FC236}">
-                <a16:creationId xmlns="" xmlns:a16="http://schemas.microsoft.com/office/drawing/2014/main" id="{9C5F737F-2529-4EE9-B9DB-41ADF9BCDB34}"/>
+                <a16:creationId xmlns:a16="http://schemas.microsoft.com/office/drawing/2014/main" xmlns="" id="{9C5F737F-2529-4EE9-B9DB-41ADF9BCDB34}"/>
               </a:ext>
             </a:extLst>
           </p:cNvPr>
@@ -17399,7 +17363,7 @@
           <p:cNvPr id="25" name="순서도: 대체 처리 24">
             <a:extLst>
               <a:ext uri="{FF2B5EF4-FFF2-40B4-BE49-F238E27FC236}">
-                <a16:creationId xmlns="" xmlns:a16="http://schemas.microsoft.com/office/drawing/2014/main" id="{E05396A0-9E95-44AC-9F5C-92C01935AED3}"/>
+                <a16:creationId xmlns:a16="http://schemas.microsoft.com/office/drawing/2014/main" xmlns="" id="{E05396A0-9E95-44AC-9F5C-92C01935AED3}"/>
               </a:ext>
             </a:extLst>
           </p:cNvPr>
@@ -17427,7 +17391,7 @@
           <a:effectLst/>
           <a:extLst>
             <a:ext uri="{AF507438-7753-43e0-B8FC-AC1667EBCBE1}">
-              <a14:hiddenEffects xmlns:a14="http://schemas.microsoft.com/office/drawing/2010/main" xmlns="">
+              <a14:hiddenEffects xmlns="" xmlns:a14="http://schemas.microsoft.com/office/drawing/2010/main">
                 <a:effectLst>
                   <a:outerShdw blurRad="63500" dist="38099" dir="2700000" algn="ctr" rotWithShape="0">
                     <a:schemeClr val="bg2">
@@ -17483,7 +17447,7 @@
           <p:cNvPr id="26" name="순서도: 대체 처리 25">
             <a:extLst>
               <a:ext uri="{FF2B5EF4-FFF2-40B4-BE49-F238E27FC236}">
-                <a16:creationId xmlns="" xmlns:a16="http://schemas.microsoft.com/office/drawing/2014/main" id="{E05396A0-9E95-44AC-9F5C-92C01935AED3}"/>
+                <a16:creationId xmlns:a16="http://schemas.microsoft.com/office/drawing/2014/main" xmlns="" id="{E05396A0-9E95-44AC-9F5C-92C01935AED3}"/>
               </a:ext>
             </a:extLst>
           </p:cNvPr>
@@ -17511,7 +17475,7 @@
           <a:effectLst/>
           <a:extLst>
             <a:ext uri="{AF507438-7753-43e0-B8FC-AC1667EBCBE1}">
-              <a14:hiddenEffects xmlns:a14="http://schemas.microsoft.com/office/drawing/2010/main" xmlns="">
+              <a14:hiddenEffects xmlns="" xmlns:a14="http://schemas.microsoft.com/office/drawing/2010/main">
                 <a:effectLst>
                   <a:outerShdw blurRad="63500" dist="38099" dir="2700000" algn="ctr" rotWithShape="0">
                     <a:schemeClr val="bg2">
@@ -17567,7 +17531,7 @@
           <p:cNvPr id="27" name="순서도: 대체 처리 26">
             <a:extLst>
               <a:ext uri="{FF2B5EF4-FFF2-40B4-BE49-F238E27FC236}">
-                <a16:creationId xmlns="" xmlns:a16="http://schemas.microsoft.com/office/drawing/2014/main" id="{E05396A0-9E95-44AC-9F5C-92C01935AED3}"/>
+                <a16:creationId xmlns:a16="http://schemas.microsoft.com/office/drawing/2014/main" xmlns="" id="{E05396A0-9E95-44AC-9F5C-92C01935AED3}"/>
               </a:ext>
             </a:extLst>
           </p:cNvPr>
@@ -17595,7 +17559,7 @@
           <a:effectLst/>
           <a:extLst>
             <a:ext uri="{AF507438-7753-43e0-B8FC-AC1667EBCBE1}">
-              <a14:hiddenEffects xmlns:a14="http://schemas.microsoft.com/office/drawing/2010/main" xmlns="">
+              <a14:hiddenEffects xmlns="" xmlns:a14="http://schemas.microsoft.com/office/drawing/2010/main">
                 <a:effectLst>
                   <a:outerShdw blurRad="63500" dist="38099" dir="2700000" algn="ctr" rotWithShape="0">
                     <a:schemeClr val="bg2">
@@ -17651,7 +17615,7 @@
           <p:cNvPr id="28" name="직사각형 27">
             <a:extLst>
               <a:ext uri="{FF2B5EF4-FFF2-40B4-BE49-F238E27FC236}">
-                <a16:creationId xmlns="" xmlns:a16="http://schemas.microsoft.com/office/drawing/2014/main" id="{A0DF77F9-21BC-460F-9BF0-A1DB7984A245}"/>
+                <a16:creationId xmlns:a16="http://schemas.microsoft.com/office/drawing/2014/main" xmlns="" id="{A0DF77F9-21BC-460F-9BF0-A1DB7984A245}"/>
               </a:ext>
             </a:extLst>
           </p:cNvPr>
@@ -17774,7 +17738,7 @@
           <p:cNvPr id="32" name="직사각형 31">
             <a:extLst>
               <a:ext uri="{FF2B5EF4-FFF2-40B4-BE49-F238E27FC236}">
-                <a16:creationId xmlns="" xmlns:a16="http://schemas.microsoft.com/office/drawing/2014/main" id="{A0DF77F9-21BC-460F-9BF0-A1DB7984A245}"/>
+                <a16:creationId xmlns:a16="http://schemas.microsoft.com/office/drawing/2014/main" xmlns="" id="{A0DF77F9-21BC-460F-9BF0-A1DB7984A245}"/>
               </a:ext>
             </a:extLst>
           </p:cNvPr>
@@ -17857,7 +17821,7 @@
     </p:spTree>
     <p:extLst>
       <p:ext uri="{BB962C8B-B14F-4D97-AF65-F5344CB8AC3E}">
-        <p14:creationId xmlns="" xmlns:p14="http://schemas.microsoft.com/office/powerpoint/2010/main" val="1391188290"/>
+        <p14:creationId xmlns:p14="http://schemas.microsoft.com/office/powerpoint/2010/main" xmlns="" val="1391188290"/>
       </p:ext>
     </p:extLst>
   </p:cSld>
@@ -18243,7 +18207,7 @@
           <p:cNvPr id="24" name="직사각형 23">
             <a:extLst>
               <a:ext uri="{FF2B5EF4-FFF2-40B4-BE49-F238E27FC236}">
-                <a16:creationId xmlns="" xmlns:a16="http://schemas.microsoft.com/office/drawing/2014/main" id="{B4649614-2EE8-41AA-BA4C-04D417F7BA67}"/>
+                <a16:creationId xmlns:a16="http://schemas.microsoft.com/office/drawing/2014/main" xmlns="" id="{B4649614-2EE8-41AA-BA4C-04D417F7BA67}"/>
               </a:ext>
             </a:extLst>
           </p:cNvPr>
@@ -18286,7 +18250,26 @@
                 <a:latin typeface="아리따-돋움(TTF)-Light" pitchFamily="18" charset="-127"/>
                 <a:ea typeface="아리따-돋움(TTF)-Light" pitchFamily="18" charset="-127"/>
               </a:rPr>
-              <a:t>게임 </a:t>
+              <a:t>게임 시작</a:t>
+            </a:r>
+            <a:r>
+              <a:rPr lang="en-US" altLang="ko-KR" sz="1400" b="1" dirty="0" smtClean="0">
+                <a:ln>
+                  <a:solidFill>
+                    <a:prstClr val="black">
+                      <a:lumMod val="95000"/>
+                      <a:lumOff val="5000"/>
+                      <a:alpha val="20000"/>
+                    </a:prstClr>
+                  </a:solidFill>
+                </a:ln>
+                <a:solidFill>
+                  <a:prstClr val="white"/>
+                </a:solidFill>
+                <a:latin typeface="아리따-돋움(TTF)-Light" pitchFamily="18" charset="-127"/>
+                <a:ea typeface="아리따-돋움(TTF)-Light" pitchFamily="18" charset="-127"/>
+              </a:rPr>
+              <a:t>(</a:t>
             </a:r>
             <a:r>
               <a:rPr lang="ko-KR" altLang="en-US" sz="1400" b="1" dirty="0" smtClean="0">
@@ -18305,7 +18288,7 @@
                 <a:latin typeface="아리따-돋움(TTF)-Light" pitchFamily="18" charset="-127"/>
                 <a:ea typeface="아리따-돋움(TTF)-Light" pitchFamily="18" charset="-127"/>
               </a:rPr>
-              <a:t>시작</a:t>
+              <a:t>파란색블록</a:t>
             </a:r>
             <a:r>
               <a:rPr lang="en-US" altLang="ko-KR" sz="1400" b="1" dirty="0" smtClean="0">
@@ -18324,7 +18307,7 @@
                 <a:latin typeface="아리따-돋움(TTF)-Light" pitchFamily="18" charset="-127"/>
                 <a:ea typeface="아리따-돋움(TTF)-Light" pitchFamily="18" charset="-127"/>
               </a:rPr>
-              <a:t>(</a:t>
+              <a:t>/</a:t>
             </a:r>
             <a:r>
               <a:rPr lang="ko-KR" altLang="en-US" sz="1400" b="1" dirty="0" smtClean="0">
@@ -18343,7 +18326,7 @@
                 <a:latin typeface="아리따-돋움(TTF)-Light" pitchFamily="18" charset="-127"/>
                 <a:ea typeface="아리따-돋움(TTF)-Light" pitchFamily="18" charset="-127"/>
               </a:rPr>
-              <a:t>파란색블록</a:t>
+              <a:t>회색블록</a:t>
             </a:r>
             <a:r>
               <a:rPr lang="en-US" altLang="ko-KR" sz="1400" b="1" dirty="0" smtClean="0">
@@ -18362,7 +18345,29 @@
                 <a:latin typeface="아리따-돋움(TTF)-Light" pitchFamily="18" charset="-127"/>
                 <a:ea typeface="아리따-돋움(TTF)-Light" pitchFamily="18" charset="-127"/>
               </a:rPr>
-              <a:t>/</a:t>
+              <a:t>)</a:t>
+            </a:r>
+          </a:p>
+          <a:p>
+            <a:pPr lvl="0"/>
+            <a:r>
+              <a:rPr lang="en-US" altLang="ko-KR" sz="1400" b="1" dirty="0" smtClean="0">
+                <a:ln>
+                  <a:solidFill>
+                    <a:prstClr val="black">
+                      <a:lumMod val="95000"/>
+                      <a:lumOff val="5000"/>
+                      <a:alpha val="20000"/>
+                    </a:prstClr>
+                  </a:solidFill>
+                </a:ln>
+                <a:solidFill>
+                  <a:prstClr val="white"/>
+                </a:solidFill>
+                <a:latin typeface="아리따-돋움(TTF)-Light" pitchFamily="18" charset="-127"/>
+                <a:ea typeface="아리따-돋움(TTF)-Light" pitchFamily="18" charset="-127"/>
+              </a:rPr>
+              <a:t>                advantage/disadvantage</a:t>
             </a:r>
             <a:r>
               <a:rPr lang="ko-KR" altLang="en-US" sz="1400" b="1" dirty="0" smtClean="0">
@@ -18381,66 +18386,6 @@
                 <a:latin typeface="아리따-돋움(TTF)-Light" pitchFamily="18" charset="-127"/>
                 <a:ea typeface="아리따-돋움(TTF)-Light" pitchFamily="18" charset="-127"/>
               </a:rPr>
-              <a:t>회색블록</a:t>
-            </a:r>
-            <a:r>
-              <a:rPr lang="en-US" altLang="ko-KR" sz="1400" b="1" dirty="0" smtClean="0">
-                <a:ln>
-                  <a:solidFill>
-                    <a:prstClr val="black">
-                      <a:lumMod val="95000"/>
-                      <a:lumOff val="5000"/>
-                      <a:alpha val="20000"/>
-                    </a:prstClr>
-                  </a:solidFill>
-                </a:ln>
-                <a:solidFill>
-                  <a:prstClr val="white"/>
-                </a:solidFill>
-                <a:latin typeface="아리따-돋움(TTF)-Light" pitchFamily="18" charset="-127"/>
-                <a:ea typeface="아리따-돋움(TTF)-Light" pitchFamily="18" charset="-127"/>
-              </a:rPr>
-              <a:t>)</a:t>
-            </a:r>
-          </a:p>
-          <a:p>
-            <a:pPr lvl="0"/>
-            <a:r>
-              <a:rPr lang="en-US" altLang="ko-KR" sz="1400" b="1" dirty="0" smtClean="0">
-                <a:ln>
-                  <a:solidFill>
-                    <a:prstClr val="black">
-                      <a:lumMod val="95000"/>
-                      <a:lumOff val="5000"/>
-                      <a:alpha val="20000"/>
-                    </a:prstClr>
-                  </a:solidFill>
-                </a:ln>
-                <a:solidFill>
-                  <a:prstClr val="white"/>
-                </a:solidFill>
-                <a:latin typeface="아리따-돋움(TTF)-Light" pitchFamily="18" charset="-127"/>
-                <a:ea typeface="아리따-돋움(TTF)-Light" pitchFamily="18" charset="-127"/>
-              </a:rPr>
-              <a:t>                advantage/disadvantage</a:t>
-            </a:r>
-            <a:r>
-              <a:rPr lang="ko-KR" altLang="en-US" sz="1400" b="1" dirty="0" smtClean="0">
-                <a:ln>
-                  <a:solidFill>
-                    <a:prstClr val="black">
-                      <a:lumMod val="95000"/>
-                      <a:lumOff val="5000"/>
-                      <a:alpha val="20000"/>
-                    </a:prstClr>
-                  </a:solidFill>
-                </a:ln>
-                <a:solidFill>
-                  <a:prstClr val="white"/>
-                </a:solidFill>
-                <a:latin typeface="아리따-돋움(TTF)-Light" pitchFamily="18" charset="-127"/>
-                <a:ea typeface="아리따-돋움(TTF)-Light" pitchFamily="18" charset="-127"/>
-              </a:rPr>
               <a:t> </a:t>
             </a:r>
             <a:endParaRPr lang="ko-KR" altLang="en-US" sz="1400" b="1" dirty="0">
@@ -18467,7 +18412,7 @@
           <p:cNvPr id="15" name="모서리가 둥근 직사각형 32">
             <a:extLst>
               <a:ext uri="{FF2B5EF4-FFF2-40B4-BE49-F238E27FC236}">
-                <a16:creationId xmlns="" xmlns:a16="http://schemas.microsoft.com/office/drawing/2014/main" id="{2A4ABE7B-3414-47F0-B463-006B84F86BD8}"/>
+                <a16:creationId xmlns:a16="http://schemas.microsoft.com/office/drawing/2014/main" xmlns="" id="{2A4ABE7B-3414-47F0-B463-006B84F86BD8}"/>
               </a:ext>
             </a:extLst>
           </p:cNvPr>
@@ -18552,7 +18497,7 @@
           <p:cNvPr id="16" name="직사각형 15">
             <a:extLst>
               <a:ext uri="{FF2B5EF4-FFF2-40B4-BE49-F238E27FC236}">
-                <a16:creationId xmlns="" xmlns:a16="http://schemas.microsoft.com/office/drawing/2014/main" id="{97A8F12D-7E27-406D-8851-8EDC13C37FFD}"/>
+                <a16:creationId xmlns:a16="http://schemas.microsoft.com/office/drawing/2014/main" xmlns="" id="{97A8F12D-7E27-406D-8851-8EDC13C37FFD}"/>
               </a:ext>
             </a:extLst>
           </p:cNvPr>
@@ -18671,7 +18616,7 @@
           <p:cNvPr id="17" name="순서도: 대체 처리 16">
             <a:extLst>
               <a:ext uri="{FF2B5EF4-FFF2-40B4-BE49-F238E27FC236}">
-                <a16:creationId xmlns="" xmlns:a16="http://schemas.microsoft.com/office/drawing/2014/main" id="{E05396A0-9E95-44AC-9F5C-92C01935AED3}"/>
+                <a16:creationId xmlns:a16="http://schemas.microsoft.com/office/drawing/2014/main" xmlns="" id="{E05396A0-9E95-44AC-9F5C-92C01935AED3}"/>
               </a:ext>
             </a:extLst>
           </p:cNvPr>
@@ -18699,7 +18644,7 @@
           <a:effectLst/>
           <a:extLst>
             <a:ext uri="{AF507438-7753-43e0-B8FC-AC1667EBCBE1}">
-              <a14:hiddenEffects xmlns:a14="http://schemas.microsoft.com/office/drawing/2010/main" xmlns="">
+              <a14:hiddenEffects xmlns="" xmlns:a14="http://schemas.microsoft.com/office/drawing/2010/main">
                 <a:effectLst>
                   <a:outerShdw blurRad="63500" dist="38099" dir="2700000" algn="ctr" rotWithShape="0">
                     <a:schemeClr val="bg2">
@@ -18788,7 +18733,7 @@
           <p:cNvPr id="19" name="직사각형 18">
             <a:extLst>
               <a:ext uri="{FF2B5EF4-FFF2-40B4-BE49-F238E27FC236}">
-                <a16:creationId xmlns="" xmlns:a16="http://schemas.microsoft.com/office/drawing/2014/main" id="{B4649614-2EE8-41AA-BA4C-04D417F7BA67}"/>
+                <a16:creationId xmlns:a16="http://schemas.microsoft.com/office/drawing/2014/main" xmlns="" id="{B4649614-2EE8-41AA-BA4C-04D417F7BA67}"/>
               </a:ext>
             </a:extLst>
           </p:cNvPr>
@@ -18966,7 +18911,7 @@
     </p:spTree>
     <p:extLst>
       <p:ext uri="{BB962C8B-B14F-4D97-AF65-F5344CB8AC3E}">
-        <p14:creationId xmlns="" xmlns:p14="http://schemas.microsoft.com/office/powerpoint/2010/main" val="1280148825"/>
+        <p14:creationId xmlns:p14="http://schemas.microsoft.com/office/powerpoint/2010/main" xmlns="" val="1280148825"/>
       </p:ext>
     </p:extLst>
   </p:cSld>
@@ -19352,7 +19297,7 @@
           <p:cNvPr id="22" name="모서리가 둥근 직사각형 32">
             <a:extLst>
               <a:ext uri="{FF2B5EF4-FFF2-40B4-BE49-F238E27FC236}">
-                <a16:creationId xmlns="" xmlns:a16="http://schemas.microsoft.com/office/drawing/2014/main" id="{F3917B43-891D-408E-9A3D-93514C266149}"/>
+                <a16:creationId xmlns:a16="http://schemas.microsoft.com/office/drawing/2014/main" xmlns="" id="{F3917B43-891D-408E-9A3D-93514C266149}"/>
               </a:ext>
             </a:extLst>
           </p:cNvPr>
@@ -19437,7 +19382,7 @@
           <p:cNvPr id="18" name="직사각형 17">
             <a:extLst>
               <a:ext uri="{FF2B5EF4-FFF2-40B4-BE49-F238E27FC236}">
-                <a16:creationId xmlns="" xmlns:a16="http://schemas.microsoft.com/office/drawing/2014/main" id="{B262670F-0CF3-4A47-B1D6-BA3D8499AEA4}"/>
+                <a16:creationId xmlns:a16="http://schemas.microsoft.com/office/drawing/2014/main" xmlns="" id="{B262670F-0CF3-4A47-B1D6-BA3D8499AEA4}"/>
               </a:ext>
             </a:extLst>
           </p:cNvPr>
@@ -19674,7 +19619,7 @@
           <p:cNvPr id="23" name="직사각형 22">
             <a:extLst>
               <a:ext uri="{FF2B5EF4-FFF2-40B4-BE49-F238E27FC236}">
-                <a16:creationId xmlns="" xmlns:a16="http://schemas.microsoft.com/office/drawing/2014/main" id="{B262670F-0CF3-4A47-B1D6-BA3D8499AEA4}"/>
+                <a16:creationId xmlns:a16="http://schemas.microsoft.com/office/drawing/2014/main" xmlns="" id="{B262670F-0CF3-4A47-B1D6-BA3D8499AEA4}"/>
               </a:ext>
             </a:extLst>
           </p:cNvPr>
@@ -19886,7 +19831,7 @@
           <p:cNvPr id="24" name="직사각형 23">
             <a:extLst>
               <a:ext uri="{FF2B5EF4-FFF2-40B4-BE49-F238E27FC236}">
-                <a16:creationId xmlns="" xmlns:a16="http://schemas.microsoft.com/office/drawing/2014/main" id="{97A8F12D-7E27-406D-8851-8EDC13C37FFD}"/>
+                <a16:creationId xmlns:a16="http://schemas.microsoft.com/office/drawing/2014/main" xmlns="" id="{97A8F12D-7E27-406D-8851-8EDC13C37FFD}"/>
               </a:ext>
             </a:extLst>
           </p:cNvPr>
@@ -19996,7 +19941,7 @@
     </p:spTree>
     <p:extLst>
       <p:ext uri="{BB962C8B-B14F-4D97-AF65-F5344CB8AC3E}">
-        <p14:creationId xmlns="" xmlns:p14="http://schemas.microsoft.com/office/powerpoint/2010/main" val="428734664"/>
+        <p14:creationId xmlns:p14="http://schemas.microsoft.com/office/powerpoint/2010/main" xmlns="" val="428734664"/>
       </p:ext>
     </p:extLst>
   </p:cSld>
@@ -20248,7 +20193,7 @@
           <p:cNvPr id="15" name="직사각형 14">
             <a:extLst>
               <a:ext uri="{FF2B5EF4-FFF2-40B4-BE49-F238E27FC236}">
-                <a16:creationId xmlns="" xmlns:a16="http://schemas.microsoft.com/office/drawing/2014/main" id="{B4649614-2EE8-41AA-BA4C-04D417F7BA67}"/>
+                <a16:creationId xmlns:a16="http://schemas.microsoft.com/office/drawing/2014/main" xmlns="" id="{B4649614-2EE8-41AA-BA4C-04D417F7BA67}"/>
               </a:ext>
             </a:extLst>
           </p:cNvPr>
@@ -20428,7 +20373,7 @@
           <p:cNvPr id="16" name="직사각형 15">
             <a:extLst>
               <a:ext uri="{FF2B5EF4-FFF2-40B4-BE49-F238E27FC236}">
-                <a16:creationId xmlns="" xmlns:a16="http://schemas.microsoft.com/office/drawing/2014/main" id="{B4649614-2EE8-41AA-BA4C-04D417F7BA67}"/>
+                <a16:creationId xmlns:a16="http://schemas.microsoft.com/office/drawing/2014/main" xmlns="" id="{B4649614-2EE8-41AA-BA4C-04D417F7BA67}"/>
               </a:ext>
             </a:extLst>
           </p:cNvPr>
@@ -20763,7 +20708,7 @@
           <p:cNvPr id="20" name="모서리가 둥근 직사각형 32">
             <a:extLst>
               <a:ext uri="{FF2B5EF4-FFF2-40B4-BE49-F238E27FC236}">
-                <a16:creationId xmlns="" xmlns:a16="http://schemas.microsoft.com/office/drawing/2014/main" id="{2A4ABE7B-3414-47F0-B463-006B84F86BD8}"/>
+                <a16:creationId xmlns:a16="http://schemas.microsoft.com/office/drawing/2014/main" xmlns="" id="{2A4ABE7B-3414-47F0-B463-006B84F86BD8}"/>
               </a:ext>
             </a:extLst>
           </p:cNvPr>
@@ -20848,7 +20793,7 @@
           <p:cNvPr id="21" name="직사각형 20">
             <a:extLst>
               <a:ext uri="{FF2B5EF4-FFF2-40B4-BE49-F238E27FC236}">
-                <a16:creationId xmlns="" xmlns:a16="http://schemas.microsoft.com/office/drawing/2014/main" id="{97A8F12D-7E27-406D-8851-8EDC13C37FFD}"/>
+                <a16:creationId xmlns:a16="http://schemas.microsoft.com/office/drawing/2014/main" xmlns="" id="{97A8F12D-7E27-406D-8851-8EDC13C37FFD}"/>
               </a:ext>
             </a:extLst>
           </p:cNvPr>
@@ -20932,7 +20877,7 @@
     </p:spTree>
     <p:extLst>
       <p:ext uri="{BB962C8B-B14F-4D97-AF65-F5344CB8AC3E}">
-        <p14:creationId xmlns="" xmlns:p14="http://schemas.microsoft.com/office/powerpoint/2010/main" val="471390691"/>
+        <p14:creationId xmlns:p14="http://schemas.microsoft.com/office/powerpoint/2010/main" xmlns="" val="471390691"/>
       </p:ext>
     </p:extLst>
   </p:cSld>

--- a/minhyung-master/doc/03_완료보고/윈도우프로그래밍기말발표.pptx
+++ b/minhyung-master/doc/03_완료보고/윈도우프로그래밍기말발표.pptx
@@ -132,7 +132,7 @@
   </p:defaultTextStyle>
   <p:extLst>
     <p:ext uri="{EFAFB233-063F-42B5-8137-9DF3F51BA10A}">
-      <p15:sldGuideLst xmlns:p15="http://schemas.microsoft.com/office/powerpoint/2012/main" xmlns="">
+      <p15:sldGuideLst xmlns="" xmlns:p15="http://schemas.microsoft.com/office/powerpoint/2012/main">
         <p15:guide id="1" orient="horz" pos="1620">
           <p15:clr>
             <a:srgbClr val="A4A3A4"/>
@@ -400,7 +400,7 @@
     </p:spTree>
     <p:extLst>
       <p:ext uri="{BB962C8B-B14F-4D97-AF65-F5344CB8AC3E}">
-        <p14:creationId xmlns:p14="http://schemas.microsoft.com/office/powerpoint/2010/main" xmlns="" val="1686555379"/>
+        <p14:creationId xmlns="" xmlns:p14="http://schemas.microsoft.com/office/powerpoint/2010/main" val="1686555379"/>
       </p:ext>
     </p:extLst>
   </p:cSld>
@@ -575,7 +575,7 @@
     </p:spTree>
     <p:extLst>
       <p:ext uri="{BB962C8B-B14F-4D97-AF65-F5344CB8AC3E}">
-        <p14:creationId xmlns:p14="http://schemas.microsoft.com/office/powerpoint/2010/main" xmlns="" val="2684624503"/>
+        <p14:creationId xmlns="" xmlns:p14="http://schemas.microsoft.com/office/powerpoint/2010/main" val="2684624503"/>
       </p:ext>
     </p:extLst>
   </p:cSld>
@@ -725,7 +725,7 @@
     </p:spTree>
     <p:extLst>
       <p:ext uri="{BB962C8B-B14F-4D97-AF65-F5344CB8AC3E}">
-        <p14:creationId xmlns:p14="http://schemas.microsoft.com/office/powerpoint/2010/main" xmlns="" val="167795390"/>
+        <p14:creationId xmlns="" xmlns:p14="http://schemas.microsoft.com/office/powerpoint/2010/main" val="167795390"/>
       </p:ext>
     </p:extLst>
   </p:cSld>
@@ -875,7 +875,7 @@
     </p:spTree>
     <p:extLst>
       <p:ext uri="{BB962C8B-B14F-4D97-AF65-F5344CB8AC3E}">
-        <p14:creationId xmlns:p14="http://schemas.microsoft.com/office/powerpoint/2010/main" xmlns="" val="3324046969"/>
+        <p14:creationId xmlns="" xmlns:p14="http://schemas.microsoft.com/office/powerpoint/2010/main" val="3324046969"/>
       </p:ext>
     </p:extLst>
   </p:cSld>
@@ -980,7 +980,7 @@
     </p:spTree>
     <p:extLst>
       <p:ext uri="{BB962C8B-B14F-4D97-AF65-F5344CB8AC3E}">
-        <p14:creationId xmlns:p14="http://schemas.microsoft.com/office/powerpoint/2010/main" xmlns="" val="1827209997"/>
+        <p14:creationId xmlns="" xmlns:p14="http://schemas.microsoft.com/office/powerpoint/2010/main" val="1827209997"/>
       </p:ext>
     </p:extLst>
   </p:cSld>
@@ -1085,7 +1085,7 @@
     </p:spTree>
     <p:extLst>
       <p:ext uri="{BB962C8B-B14F-4D97-AF65-F5344CB8AC3E}">
-        <p14:creationId xmlns:p14="http://schemas.microsoft.com/office/powerpoint/2010/main" xmlns="" val="3745480285"/>
+        <p14:creationId xmlns="" xmlns:p14="http://schemas.microsoft.com/office/powerpoint/2010/main" val="3745480285"/>
       </p:ext>
     </p:extLst>
   </p:cSld>
@@ -1175,7 +1175,7 @@
     </p:spTree>
     <p:extLst>
       <p:ext uri="{BB962C8B-B14F-4D97-AF65-F5344CB8AC3E}">
-        <p14:creationId xmlns:p14="http://schemas.microsoft.com/office/powerpoint/2010/main" xmlns="" val="3576287924"/>
+        <p14:creationId xmlns="" xmlns:p14="http://schemas.microsoft.com/office/powerpoint/2010/main" val="3576287924"/>
       </p:ext>
     </p:extLst>
   </p:cSld>
@@ -1265,7 +1265,7 @@
     </p:spTree>
     <p:extLst>
       <p:ext uri="{BB962C8B-B14F-4D97-AF65-F5344CB8AC3E}">
-        <p14:creationId xmlns:p14="http://schemas.microsoft.com/office/powerpoint/2010/main" xmlns="" val="408213309"/>
+        <p14:creationId xmlns="" xmlns:p14="http://schemas.microsoft.com/office/powerpoint/2010/main" val="408213309"/>
       </p:ext>
     </p:extLst>
   </p:cSld>
@@ -1355,7 +1355,7 @@
     </p:spTree>
     <p:extLst>
       <p:ext uri="{BB962C8B-B14F-4D97-AF65-F5344CB8AC3E}">
-        <p14:creationId xmlns:p14="http://schemas.microsoft.com/office/powerpoint/2010/main" xmlns="" val="1050278100"/>
+        <p14:creationId xmlns="" xmlns:p14="http://schemas.microsoft.com/office/powerpoint/2010/main" val="1050278100"/>
       </p:ext>
     </p:extLst>
   </p:cSld>
@@ -1505,7 +1505,7 @@
     </p:spTree>
     <p:extLst>
       <p:ext uri="{BB962C8B-B14F-4D97-AF65-F5344CB8AC3E}">
-        <p14:creationId xmlns:p14="http://schemas.microsoft.com/office/powerpoint/2010/main" xmlns="" val="1674037122"/>
+        <p14:creationId xmlns="" xmlns:p14="http://schemas.microsoft.com/office/powerpoint/2010/main" val="1674037122"/>
       </p:ext>
     </p:extLst>
   </p:cSld>
@@ -1655,7 +1655,7 @@
     </p:spTree>
     <p:extLst>
       <p:ext uri="{BB962C8B-B14F-4D97-AF65-F5344CB8AC3E}">
-        <p14:creationId xmlns:p14="http://schemas.microsoft.com/office/powerpoint/2010/main" xmlns="" val="3359326613"/>
+        <p14:creationId xmlns="" xmlns:p14="http://schemas.microsoft.com/office/powerpoint/2010/main" val="3359326613"/>
       </p:ext>
     </p:extLst>
   </p:cSld>
@@ -1805,7 +1805,7 @@
     </p:spTree>
     <p:extLst>
       <p:ext uri="{BB962C8B-B14F-4D97-AF65-F5344CB8AC3E}">
-        <p14:creationId xmlns:p14="http://schemas.microsoft.com/office/powerpoint/2010/main" xmlns="" val="3774501382"/>
+        <p14:creationId xmlns="" xmlns:p14="http://schemas.microsoft.com/office/powerpoint/2010/main" val="3774501382"/>
       </p:ext>
     </p:extLst>
   </p:cSld>
@@ -1955,7 +1955,7 @@
     </p:spTree>
     <p:extLst>
       <p:ext uri="{BB962C8B-B14F-4D97-AF65-F5344CB8AC3E}">
-        <p14:creationId xmlns:p14="http://schemas.microsoft.com/office/powerpoint/2010/main" xmlns="" val="70671449"/>
+        <p14:creationId xmlns="" xmlns:p14="http://schemas.microsoft.com/office/powerpoint/2010/main" val="70671449"/>
       </p:ext>
     </p:extLst>
   </p:cSld>
@@ -2227,7 +2227,7 @@
     </p:spTree>
     <p:extLst>
       <p:ext uri="{BB962C8B-B14F-4D97-AF65-F5344CB8AC3E}">
-        <p14:creationId xmlns:p14="http://schemas.microsoft.com/office/powerpoint/2010/main" xmlns="" val="367395564"/>
+        <p14:creationId xmlns="" xmlns:p14="http://schemas.microsoft.com/office/powerpoint/2010/main" val="367395564"/>
       </p:ext>
     </p:extLst>
   </p:cSld>
@@ -2235,7 +2235,7 @@
     <a:masterClrMapping/>
   </p:clrMapOvr>
   <mc:AlternateContent xmlns:mc="http://schemas.openxmlformats.org/markup-compatibility/2006">
-    <mc:Choice xmlns:p14="http://schemas.microsoft.com/office/powerpoint/2010/main" xmlns="" Requires="p14">
+    <mc:Choice xmlns="" xmlns:p14="http://schemas.microsoft.com/office/powerpoint/2010/main" Requires="p14">
       <p:transition spd="med" p14:dur="700">
         <p:fade/>
       </p:transition>
@@ -2449,7 +2449,7 @@
     </p:spTree>
     <p:extLst>
       <p:ext uri="{BB962C8B-B14F-4D97-AF65-F5344CB8AC3E}">
-        <p14:creationId xmlns:p14="http://schemas.microsoft.com/office/powerpoint/2010/main" xmlns="" val="480089197"/>
+        <p14:creationId xmlns="" xmlns:p14="http://schemas.microsoft.com/office/powerpoint/2010/main" val="480089197"/>
       </p:ext>
     </p:extLst>
   </p:cSld>
@@ -2457,7 +2457,7 @@
     <a:masterClrMapping/>
   </p:clrMapOvr>
   <mc:AlternateContent xmlns:mc="http://schemas.openxmlformats.org/markup-compatibility/2006">
-    <mc:Choice xmlns:p14="http://schemas.microsoft.com/office/powerpoint/2010/main" xmlns="" Requires="p14">
+    <mc:Choice xmlns="" xmlns:p14="http://schemas.microsoft.com/office/powerpoint/2010/main" Requires="p14">
       <p:transition spd="med" p14:dur="700">
         <p:fade/>
       </p:transition>
@@ -2671,7 +2671,7 @@
     </p:spTree>
     <p:extLst>
       <p:ext uri="{BB962C8B-B14F-4D97-AF65-F5344CB8AC3E}">
-        <p14:creationId xmlns:p14="http://schemas.microsoft.com/office/powerpoint/2010/main" xmlns="" val="2352159968"/>
+        <p14:creationId xmlns="" xmlns:p14="http://schemas.microsoft.com/office/powerpoint/2010/main" val="2352159968"/>
       </p:ext>
     </p:extLst>
   </p:cSld>
@@ -2679,7 +2679,7 @@
     <a:masterClrMapping/>
   </p:clrMapOvr>
   <mc:AlternateContent xmlns:mc="http://schemas.openxmlformats.org/markup-compatibility/2006">
-    <mc:Choice xmlns:p14="http://schemas.microsoft.com/office/powerpoint/2010/main" xmlns="" Requires="p14">
+    <mc:Choice xmlns="" xmlns:p14="http://schemas.microsoft.com/office/powerpoint/2010/main" Requires="p14">
       <p:transition spd="med" p14:dur="700">
         <p:fade/>
       </p:transition>
@@ -2975,7 +2975,7 @@
     </p:spTree>
     <p:extLst>
       <p:ext uri="{BB962C8B-B14F-4D97-AF65-F5344CB8AC3E}">
-        <p14:creationId xmlns:p14="http://schemas.microsoft.com/office/powerpoint/2010/main" xmlns="" val="367395564"/>
+        <p14:creationId xmlns="" xmlns:p14="http://schemas.microsoft.com/office/powerpoint/2010/main" val="367395564"/>
       </p:ext>
     </p:extLst>
   </p:cSld>
@@ -2983,7 +2983,7 @@
     <a:masterClrMapping/>
   </p:clrMapOvr>
   <mc:AlternateContent xmlns:mc="http://schemas.openxmlformats.org/markup-compatibility/2006">
-    <mc:Choice xmlns:p14="http://schemas.microsoft.com/office/powerpoint/2010/main" xmlns="" Requires="p14">
+    <mc:Choice xmlns="" xmlns:p14="http://schemas.microsoft.com/office/powerpoint/2010/main" Requires="p14">
       <p:transition spd="med" p14:dur="700">
         <p:fade/>
       </p:transition>
@@ -3293,7 +3293,7 @@
     </p:spTree>
     <p:extLst>
       <p:ext uri="{BB962C8B-B14F-4D97-AF65-F5344CB8AC3E}">
-        <p14:creationId xmlns:p14="http://schemas.microsoft.com/office/powerpoint/2010/main" xmlns="" val="2804784912"/>
+        <p14:creationId xmlns="" xmlns:p14="http://schemas.microsoft.com/office/powerpoint/2010/main" val="2804784912"/>
       </p:ext>
     </p:extLst>
   </p:cSld>
@@ -3301,7 +3301,7 @@
     <a:masterClrMapping/>
   </p:clrMapOvr>
   <mc:AlternateContent xmlns:mc="http://schemas.openxmlformats.org/markup-compatibility/2006">
-    <mc:Choice xmlns:p14="http://schemas.microsoft.com/office/powerpoint/2010/main" xmlns="" Requires="p14">
+    <mc:Choice xmlns="" xmlns:p14="http://schemas.microsoft.com/office/powerpoint/2010/main" Requires="p14">
       <p:transition spd="med" p14:dur="700">
         <p:fade/>
       </p:transition>
@@ -3602,7 +3602,7 @@
     </p:spTree>
     <p:extLst>
       <p:ext uri="{BB962C8B-B14F-4D97-AF65-F5344CB8AC3E}">
-        <p14:creationId xmlns:p14="http://schemas.microsoft.com/office/powerpoint/2010/main" xmlns="" val="1562348946"/>
+        <p14:creationId xmlns="" xmlns:p14="http://schemas.microsoft.com/office/powerpoint/2010/main" val="1562348946"/>
       </p:ext>
     </p:extLst>
   </p:cSld>
@@ -3610,7 +3610,7 @@
     <a:masterClrMapping/>
   </p:clrMapOvr>
   <mc:AlternateContent xmlns:mc="http://schemas.openxmlformats.org/markup-compatibility/2006">
-    <mc:Choice xmlns:p14="http://schemas.microsoft.com/office/powerpoint/2010/main" xmlns="" Requires="p14">
+    <mc:Choice xmlns="" xmlns:p14="http://schemas.microsoft.com/office/powerpoint/2010/main" Requires="p14">
       <p:transition spd="med" p14:dur="700">
         <p:fade/>
       </p:transition>
@@ -3959,7 +3959,7 @@
     </p:spTree>
     <p:extLst>
       <p:ext uri="{BB962C8B-B14F-4D97-AF65-F5344CB8AC3E}">
-        <p14:creationId xmlns:p14="http://schemas.microsoft.com/office/powerpoint/2010/main" xmlns="" val="580640476"/>
+        <p14:creationId xmlns="" xmlns:p14="http://schemas.microsoft.com/office/powerpoint/2010/main" val="580640476"/>
       </p:ext>
     </p:extLst>
   </p:cSld>
@@ -3967,7 +3967,7 @@
     <a:masterClrMapping/>
   </p:clrMapOvr>
   <mc:AlternateContent xmlns:mc="http://schemas.openxmlformats.org/markup-compatibility/2006">
-    <mc:Choice xmlns:p14="http://schemas.microsoft.com/office/powerpoint/2010/main" xmlns="" Requires="p14">
+    <mc:Choice xmlns="" xmlns:p14="http://schemas.microsoft.com/office/powerpoint/2010/main" Requires="p14">
       <p:transition spd="med" p14:dur="700">
         <p:fade/>
       </p:transition>
@@ -4456,7 +4456,7 @@
     </p:spTree>
     <p:extLst>
       <p:ext uri="{BB962C8B-B14F-4D97-AF65-F5344CB8AC3E}">
-        <p14:creationId xmlns:p14="http://schemas.microsoft.com/office/powerpoint/2010/main" xmlns="" val="2729634180"/>
+        <p14:creationId xmlns="" xmlns:p14="http://schemas.microsoft.com/office/powerpoint/2010/main" val="2729634180"/>
       </p:ext>
     </p:extLst>
   </p:cSld>
@@ -4464,7 +4464,7 @@
     <a:masterClrMapping/>
   </p:clrMapOvr>
   <mc:AlternateContent xmlns:mc="http://schemas.openxmlformats.org/markup-compatibility/2006">
-    <mc:Choice xmlns:p14="http://schemas.microsoft.com/office/powerpoint/2010/main" xmlns="" Requires="p14">
+    <mc:Choice xmlns="" xmlns:p14="http://schemas.microsoft.com/office/powerpoint/2010/main" Requires="p14">
       <p:transition spd="med" p14:dur="700">
         <p:fade/>
       </p:transition>
@@ -4639,7 +4639,7 @@
     </p:spTree>
     <p:extLst>
       <p:ext uri="{BB962C8B-B14F-4D97-AF65-F5344CB8AC3E}">
-        <p14:creationId xmlns:p14="http://schemas.microsoft.com/office/powerpoint/2010/main" xmlns="" val="1904033474"/>
+        <p14:creationId xmlns="" xmlns:p14="http://schemas.microsoft.com/office/powerpoint/2010/main" val="1904033474"/>
       </p:ext>
     </p:extLst>
   </p:cSld>
@@ -4647,7 +4647,7 @@
     <a:masterClrMapping/>
   </p:clrMapOvr>
   <mc:AlternateContent xmlns:mc="http://schemas.openxmlformats.org/markup-compatibility/2006">
-    <mc:Choice xmlns:p14="http://schemas.microsoft.com/office/powerpoint/2010/main" xmlns="" Requires="p14">
+    <mc:Choice xmlns="" xmlns:p14="http://schemas.microsoft.com/office/powerpoint/2010/main" Requires="p14">
       <p:transition spd="med" p14:dur="700">
         <p:fade/>
       </p:transition>
@@ -4792,7 +4792,7 @@
     </p:spTree>
     <p:extLst>
       <p:ext uri="{BB962C8B-B14F-4D97-AF65-F5344CB8AC3E}">
-        <p14:creationId xmlns:p14="http://schemas.microsoft.com/office/powerpoint/2010/main" xmlns="" val="2924371917"/>
+        <p14:creationId xmlns="" xmlns:p14="http://schemas.microsoft.com/office/powerpoint/2010/main" val="2924371917"/>
       </p:ext>
     </p:extLst>
   </p:cSld>
@@ -4800,7 +4800,7 @@
     <a:masterClrMapping/>
   </p:clrMapOvr>
   <mc:AlternateContent xmlns:mc="http://schemas.openxmlformats.org/markup-compatibility/2006">
-    <mc:Choice xmlns:p14="http://schemas.microsoft.com/office/powerpoint/2010/main" xmlns="" Requires="p14">
+    <mc:Choice xmlns="" xmlns:p14="http://schemas.microsoft.com/office/powerpoint/2010/main" Requires="p14">
       <p:transition spd="med" p14:dur="700">
         <p:fade/>
       </p:transition>
@@ -5134,7 +5134,7 @@
     </p:spTree>
     <p:extLst>
       <p:ext uri="{BB962C8B-B14F-4D97-AF65-F5344CB8AC3E}">
-        <p14:creationId xmlns:p14="http://schemas.microsoft.com/office/powerpoint/2010/main" xmlns="" val="2460817539"/>
+        <p14:creationId xmlns="" xmlns:p14="http://schemas.microsoft.com/office/powerpoint/2010/main" val="2460817539"/>
       </p:ext>
     </p:extLst>
   </p:cSld>
@@ -5142,7 +5142,7 @@
     <a:masterClrMapping/>
   </p:clrMapOvr>
   <mc:AlternateContent xmlns:mc="http://schemas.openxmlformats.org/markup-compatibility/2006">
-    <mc:Choice xmlns:p14="http://schemas.microsoft.com/office/powerpoint/2010/main" xmlns="" Requires="p14">
+    <mc:Choice xmlns="" xmlns:p14="http://schemas.microsoft.com/office/powerpoint/2010/main" Requires="p14">
       <p:transition spd="med" p14:dur="700">
         <p:fade/>
       </p:transition>
@@ -5432,7 +5432,7 @@
     </p:spTree>
     <p:extLst>
       <p:ext uri="{BB962C8B-B14F-4D97-AF65-F5344CB8AC3E}">
-        <p14:creationId xmlns:p14="http://schemas.microsoft.com/office/powerpoint/2010/main" xmlns="" val="2804784912"/>
+        <p14:creationId xmlns="" xmlns:p14="http://schemas.microsoft.com/office/powerpoint/2010/main" val="2804784912"/>
       </p:ext>
     </p:extLst>
   </p:cSld>
@@ -5440,7 +5440,7 @@
     <a:masterClrMapping/>
   </p:clrMapOvr>
   <mc:AlternateContent xmlns:mc="http://schemas.openxmlformats.org/markup-compatibility/2006">
-    <mc:Choice xmlns:p14="http://schemas.microsoft.com/office/powerpoint/2010/main" xmlns="" Requires="p14">
+    <mc:Choice xmlns="" xmlns:p14="http://schemas.microsoft.com/office/powerpoint/2010/main" Requires="p14">
       <p:transition spd="med" p14:dur="700">
         <p:fade/>
       </p:transition>
@@ -5751,7 +5751,7 @@
     </p:spTree>
     <p:extLst>
       <p:ext uri="{BB962C8B-B14F-4D97-AF65-F5344CB8AC3E}">
-        <p14:creationId xmlns:p14="http://schemas.microsoft.com/office/powerpoint/2010/main" xmlns="" val="584324840"/>
+        <p14:creationId xmlns="" xmlns:p14="http://schemas.microsoft.com/office/powerpoint/2010/main" val="584324840"/>
       </p:ext>
     </p:extLst>
   </p:cSld>
@@ -5759,7 +5759,7 @@
     <a:masterClrMapping/>
   </p:clrMapOvr>
   <mc:AlternateContent xmlns:mc="http://schemas.openxmlformats.org/markup-compatibility/2006">
-    <mc:Choice xmlns:p14="http://schemas.microsoft.com/office/powerpoint/2010/main" xmlns="" Requires="p14">
+    <mc:Choice xmlns="" xmlns:p14="http://schemas.microsoft.com/office/powerpoint/2010/main" Requires="p14">
       <p:transition spd="med" p14:dur="700">
         <p:fade/>
       </p:transition>
@@ -5993,7 +5993,7 @@
     </p:spTree>
     <p:extLst>
       <p:ext uri="{BB962C8B-B14F-4D97-AF65-F5344CB8AC3E}">
-        <p14:creationId xmlns:p14="http://schemas.microsoft.com/office/powerpoint/2010/main" xmlns="" val="480089197"/>
+        <p14:creationId xmlns="" xmlns:p14="http://schemas.microsoft.com/office/powerpoint/2010/main" val="480089197"/>
       </p:ext>
     </p:extLst>
   </p:cSld>
@@ -6001,7 +6001,7 @@
     <a:masterClrMapping/>
   </p:clrMapOvr>
   <mc:AlternateContent xmlns:mc="http://schemas.openxmlformats.org/markup-compatibility/2006">
-    <mc:Choice xmlns:p14="http://schemas.microsoft.com/office/powerpoint/2010/main" xmlns="" Requires="p14">
+    <mc:Choice xmlns="" xmlns:p14="http://schemas.microsoft.com/office/powerpoint/2010/main" Requires="p14">
       <p:transition spd="med" p14:dur="700">
         <p:fade/>
       </p:transition>
@@ -6235,7 +6235,7 @@
     </p:spTree>
     <p:extLst>
       <p:ext uri="{BB962C8B-B14F-4D97-AF65-F5344CB8AC3E}">
-        <p14:creationId xmlns:p14="http://schemas.microsoft.com/office/powerpoint/2010/main" xmlns="" val="2352159968"/>
+        <p14:creationId xmlns="" xmlns:p14="http://schemas.microsoft.com/office/powerpoint/2010/main" val="2352159968"/>
       </p:ext>
     </p:extLst>
   </p:cSld>
@@ -6243,7 +6243,7 @@
     <a:masterClrMapping/>
   </p:clrMapOvr>
   <mc:AlternateContent xmlns:mc="http://schemas.openxmlformats.org/markup-compatibility/2006">
-    <mc:Choice xmlns:p14="http://schemas.microsoft.com/office/powerpoint/2010/main" xmlns="" Requires="p14">
+    <mc:Choice xmlns="" xmlns:p14="http://schemas.microsoft.com/office/powerpoint/2010/main" Requires="p14">
       <p:transition spd="med" p14:dur="700">
         <p:fade/>
       </p:transition>
@@ -6524,7 +6524,7 @@
     </p:spTree>
     <p:extLst>
       <p:ext uri="{BB962C8B-B14F-4D97-AF65-F5344CB8AC3E}">
-        <p14:creationId xmlns:p14="http://schemas.microsoft.com/office/powerpoint/2010/main" xmlns="" val="1562348946"/>
+        <p14:creationId xmlns="" xmlns:p14="http://schemas.microsoft.com/office/powerpoint/2010/main" val="1562348946"/>
       </p:ext>
     </p:extLst>
   </p:cSld>
@@ -6532,7 +6532,7 @@
     <a:masterClrMapping/>
   </p:clrMapOvr>
   <mc:AlternateContent xmlns:mc="http://schemas.openxmlformats.org/markup-compatibility/2006">
-    <mc:Choice xmlns:p14="http://schemas.microsoft.com/office/powerpoint/2010/main" xmlns="" Requires="p14">
+    <mc:Choice xmlns="" xmlns:p14="http://schemas.microsoft.com/office/powerpoint/2010/main" Requires="p14">
       <p:transition spd="med" p14:dur="700">
         <p:fade/>
       </p:transition>
@@ -6861,7 +6861,7 @@
     </p:spTree>
     <p:extLst>
       <p:ext uri="{BB962C8B-B14F-4D97-AF65-F5344CB8AC3E}">
-        <p14:creationId xmlns:p14="http://schemas.microsoft.com/office/powerpoint/2010/main" xmlns="" val="580640476"/>
+        <p14:creationId xmlns="" xmlns:p14="http://schemas.microsoft.com/office/powerpoint/2010/main" val="580640476"/>
       </p:ext>
     </p:extLst>
   </p:cSld>
@@ -6869,7 +6869,7 @@
     <a:masterClrMapping/>
   </p:clrMapOvr>
   <mc:AlternateContent xmlns:mc="http://schemas.openxmlformats.org/markup-compatibility/2006">
-    <mc:Choice xmlns:p14="http://schemas.microsoft.com/office/powerpoint/2010/main" xmlns="" Requires="p14">
+    <mc:Choice xmlns="" xmlns:p14="http://schemas.microsoft.com/office/powerpoint/2010/main" Requires="p14">
       <p:transition spd="med" p14:dur="700">
         <p:fade/>
       </p:transition>
@@ -7338,7 +7338,7 @@
     </p:spTree>
     <p:extLst>
       <p:ext uri="{BB962C8B-B14F-4D97-AF65-F5344CB8AC3E}">
-        <p14:creationId xmlns:p14="http://schemas.microsoft.com/office/powerpoint/2010/main" xmlns="" val="2729634180"/>
+        <p14:creationId xmlns="" xmlns:p14="http://schemas.microsoft.com/office/powerpoint/2010/main" val="2729634180"/>
       </p:ext>
     </p:extLst>
   </p:cSld>
@@ -7346,7 +7346,7 @@
     <a:masterClrMapping/>
   </p:clrMapOvr>
   <mc:AlternateContent xmlns:mc="http://schemas.openxmlformats.org/markup-compatibility/2006">
-    <mc:Choice xmlns:p14="http://schemas.microsoft.com/office/powerpoint/2010/main" xmlns="" Requires="p14">
+    <mc:Choice xmlns="" xmlns:p14="http://schemas.microsoft.com/office/powerpoint/2010/main" Requires="p14">
       <p:transition spd="med" p14:dur="700">
         <p:fade/>
       </p:transition>
@@ -7501,7 +7501,7 @@
     </p:spTree>
     <p:extLst>
       <p:ext uri="{BB962C8B-B14F-4D97-AF65-F5344CB8AC3E}">
-        <p14:creationId xmlns:p14="http://schemas.microsoft.com/office/powerpoint/2010/main" xmlns="" val="1904033474"/>
+        <p14:creationId xmlns="" xmlns:p14="http://schemas.microsoft.com/office/powerpoint/2010/main" val="1904033474"/>
       </p:ext>
     </p:extLst>
   </p:cSld>
@@ -7509,7 +7509,7 @@
     <a:masterClrMapping/>
   </p:clrMapOvr>
   <mc:AlternateContent xmlns:mc="http://schemas.openxmlformats.org/markup-compatibility/2006">
-    <mc:Choice xmlns:p14="http://schemas.microsoft.com/office/powerpoint/2010/main" xmlns="" Requires="p14">
+    <mc:Choice xmlns="" xmlns:p14="http://schemas.microsoft.com/office/powerpoint/2010/main" Requires="p14">
       <p:transition spd="med" p14:dur="700">
         <p:fade/>
       </p:transition>
@@ -7634,7 +7634,7 @@
     </p:spTree>
     <p:extLst>
       <p:ext uri="{BB962C8B-B14F-4D97-AF65-F5344CB8AC3E}">
-        <p14:creationId xmlns:p14="http://schemas.microsoft.com/office/powerpoint/2010/main" xmlns="" val="2924371917"/>
+        <p14:creationId xmlns="" xmlns:p14="http://schemas.microsoft.com/office/powerpoint/2010/main" val="2924371917"/>
       </p:ext>
     </p:extLst>
   </p:cSld>
@@ -7642,7 +7642,7 @@
     <a:masterClrMapping/>
   </p:clrMapOvr>
   <mc:AlternateContent xmlns:mc="http://schemas.openxmlformats.org/markup-compatibility/2006">
-    <mc:Choice xmlns:p14="http://schemas.microsoft.com/office/powerpoint/2010/main" xmlns="" Requires="p14">
+    <mc:Choice xmlns="" xmlns:p14="http://schemas.microsoft.com/office/powerpoint/2010/main" Requires="p14">
       <p:transition spd="med" p14:dur="700">
         <p:fade/>
       </p:transition>
@@ -7956,7 +7956,7 @@
     </p:spTree>
     <p:extLst>
       <p:ext uri="{BB962C8B-B14F-4D97-AF65-F5344CB8AC3E}">
-        <p14:creationId xmlns:p14="http://schemas.microsoft.com/office/powerpoint/2010/main" xmlns="" val="2460817539"/>
+        <p14:creationId xmlns="" xmlns:p14="http://schemas.microsoft.com/office/powerpoint/2010/main" val="2460817539"/>
       </p:ext>
     </p:extLst>
   </p:cSld>
@@ -7964,7 +7964,7 @@
     <a:masterClrMapping/>
   </p:clrMapOvr>
   <mc:AlternateContent xmlns:mc="http://schemas.openxmlformats.org/markup-compatibility/2006">
-    <mc:Choice xmlns:p14="http://schemas.microsoft.com/office/powerpoint/2010/main" xmlns="" Requires="p14">
+    <mc:Choice xmlns="" xmlns:p14="http://schemas.microsoft.com/office/powerpoint/2010/main" Requires="p14">
       <p:transition spd="med" p14:dur="700">
         <p:fade/>
       </p:transition>
@@ -8255,7 +8255,7 @@
     </p:spTree>
     <p:extLst>
       <p:ext uri="{BB962C8B-B14F-4D97-AF65-F5344CB8AC3E}">
-        <p14:creationId xmlns:p14="http://schemas.microsoft.com/office/powerpoint/2010/main" xmlns="" val="584324840"/>
+        <p14:creationId xmlns="" xmlns:p14="http://schemas.microsoft.com/office/powerpoint/2010/main" val="584324840"/>
       </p:ext>
     </p:extLst>
   </p:cSld>
@@ -8263,7 +8263,7 @@
     <a:masterClrMapping/>
   </p:clrMapOvr>
   <mc:AlternateContent xmlns:mc="http://schemas.openxmlformats.org/markup-compatibility/2006">
-    <mc:Choice xmlns:p14="http://schemas.microsoft.com/office/powerpoint/2010/main" xmlns="" Requires="p14">
+    <mc:Choice xmlns="" xmlns:p14="http://schemas.microsoft.com/office/powerpoint/2010/main" Requires="p14">
       <p:transition spd="med" p14:dur="700">
         <p:fade/>
       </p:transition>
@@ -8302,7 +8302,7 @@
     </p:spTree>
     <p:extLst>
       <p:ext uri="{BB962C8B-B14F-4D97-AF65-F5344CB8AC3E}">
-        <p14:creationId xmlns:p14="http://schemas.microsoft.com/office/powerpoint/2010/main" xmlns="" val="3220273477"/>
+        <p14:creationId xmlns="" xmlns:p14="http://schemas.microsoft.com/office/powerpoint/2010/main" val="3220273477"/>
       </p:ext>
     </p:extLst>
   </p:cSld>
@@ -8321,7 +8321,7 @@
     <p:sldLayoutId id="2147483659" r:id="rId11"/>
   </p:sldLayoutIdLst>
   <mc:AlternateContent xmlns:mc="http://schemas.openxmlformats.org/markup-compatibility/2006">
-    <mc:Choice xmlns:p14="http://schemas.microsoft.com/office/powerpoint/2010/main" xmlns="" Requires="p14">
+    <mc:Choice xmlns="" xmlns:p14="http://schemas.microsoft.com/office/powerpoint/2010/main" Requires="p14">
       <p:transition spd="med" p14:dur="700">
         <p:fade/>
       </p:transition>
@@ -8610,7 +8610,7 @@
     </p:spTree>
     <p:extLst>
       <p:ext uri="{BB962C8B-B14F-4D97-AF65-F5344CB8AC3E}">
-        <p14:creationId xmlns:p14="http://schemas.microsoft.com/office/powerpoint/2010/main" xmlns="" val="3220273477"/>
+        <p14:creationId xmlns="" xmlns:p14="http://schemas.microsoft.com/office/powerpoint/2010/main" val="3220273477"/>
       </p:ext>
     </p:extLst>
   </p:cSld>
@@ -8629,7 +8629,7 @@
     <p:sldLayoutId id="2147483671" r:id="rId11"/>
   </p:sldLayoutIdLst>
   <mc:AlternateContent xmlns:mc="http://schemas.openxmlformats.org/markup-compatibility/2006">
-    <mc:Choice xmlns:p14="http://schemas.microsoft.com/office/powerpoint/2010/main" xmlns="" Requires="p14">
+    <mc:Choice xmlns="" xmlns:p14="http://schemas.microsoft.com/office/powerpoint/2010/main" Requires="p14">
       <p:transition spd="med" p14:dur="700">
         <p:fade/>
       </p:transition>
@@ -9016,7 +9016,7 @@
           <p:cNvPr id="10" name="직사각형 9">
             <a:extLst>
               <a:ext uri="{FF2B5EF4-FFF2-40B4-BE49-F238E27FC236}">
-                <a16:creationId xmlns:a16="http://schemas.microsoft.com/office/drawing/2014/main" xmlns="" id="{8B227022-1092-4CAC-8E21-09229A1D98C6}"/>
+                <a16:creationId xmlns="" xmlns:a16="http://schemas.microsoft.com/office/drawing/2014/main" id="{8B227022-1092-4CAC-8E21-09229A1D98C6}"/>
               </a:ext>
             </a:extLst>
           </p:cNvPr>
@@ -9076,7 +9076,7 @@
           <p:cNvPr id="9" name="직사각형 8">
             <a:extLst>
               <a:ext uri="{FF2B5EF4-FFF2-40B4-BE49-F238E27FC236}">
-                <a16:creationId xmlns:a16="http://schemas.microsoft.com/office/drawing/2014/main" xmlns="" id="{8F934532-FF58-4AD8-B2D3-66E65C32D6B8}"/>
+                <a16:creationId xmlns="" xmlns:a16="http://schemas.microsoft.com/office/drawing/2014/main" id="{8F934532-FF58-4AD8-B2D3-66E65C32D6B8}"/>
               </a:ext>
             </a:extLst>
           </p:cNvPr>
@@ -9117,7 +9117,7 @@
     </p:spTree>
     <p:extLst>
       <p:ext uri="{BB962C8B-B14F-4D97-AF65-F5344CB8AC3E}">
-        <p14:creationId xmlns:p14="http://schemas.microsoft.com/office/powerpoint/2010/main" xmlns="" val="525073641"/>
+        <p14:creationId xmlns="" xmlns:p14="http://schemas.microsoft.com/office/powerpoint/2010/main" val="525073641"/>
       </p:ext>
     </p:extLst>
   </p:cSld>
@@ -9125,7 +9125,7 @@
     <a:masterClrMapping/>
   </p:clrMapOvr>
   <mc:AlternateContent xmlns:mc="http://schemas.openxmlformats.org/markup-compatibility/2006">
-    <mc:Choice xmlns:p14="http://schemas.microsoft.com/office/powerpoint/2010/main" xmlns="" Requires="p14">
+    <mc:Choice xmlns="" xmlns:p14="http://schemas.microsoft.com/office/powerpoint/2010/main" Requires="p14">
       <p:transition spd="med" p14:dur="700">
         <p:fade/>
       </p:transition>
@@ -9571,7 +9571,7 @@
           <p:cNvPr id="17" name="모서리가 둥근 직사각형 32">
             <a:extLst>
               <a:ext uri="{FF2B5EF4-FFF2-40B4-BE49-F238E27FC236}">
-                <a16:creationId xmlns:a16="http://schemas.microsoft.com/office/drawing/2014/main" xmlns="" id="{2A4ABE7B-3414-47F0-B463-006B84F86BD8}"/>
+                <a16:creationId xmlns="" xmlns:a16="http://schemas.microsoft.com/office/drawing/2014/main" id="{2A4ABE7B-3414-47F0-B463-006B84F86BD8}"/>
               </a:ext>
             </a:extLst>
           </p:cNvPr>
@@ -9656,7 +9656,7 @@
           <p:cNvPr id="18" name="직사각형 17">
             <a:extLst>
               <a:ext uri="{FF2B5EF4-FFF2-40B4-BE49-F238E27FC236}">
-                <a16:creationId xmlns:a16="http://schemas.microsoft.com/office/drawing/2014/main" xmlns="" id="{97A8F12D-7E27-406D-8851-8EDC13C37FFD}"/>
+                <a16:creationId xmlns="" xmlns:a16="http://schemas.microsoft.com/office/drawing/2014/main" id="{97A8F12D-7E27-406D-8851-8EDC13C37FFD}"/>
               </a:ext>
             </a:extLst>
           </p:cNvPr>
@@ -9742,7 +9742,7 @@
           <p:cNvPr id="20" name="직사각형 19">
             <a:extLst>
               <a:ext uri="{FF2B5EF4-FFF2-40B4-BE49-F238E27FC236}">
-                <a16:creationId xmlns:a16="http://schemas.microsoft.com/office/drawing/2014/main" xmlns="" id="{B4649614-2EE8-41AA-BA4C-04D417F7BA67}"/>
+                <a16:creationId xmlns="" xmlns:a16="http://schemas.microsoft.com/office/drawing/2014/main" id="{B4649614-2EE8-41AA-BA4C-04D417F7BA67}"/>
               </a:ext>
             </a:extLst>
           </p:cNvPr>
@@ -9922,7 +9922,7 @@
           <p:cNvPr id="21" name="직사각형 20">
             <a:extLst>
               <a:ext uri="{FF2B5EF4-FFF2-40B4-BE49-F238E27FC236}">
-                <a16:creationId xmlns:a16="http://schemas.microsoft.com/office/drawing/2014/main" xmlns="" id="{B4649614-2EE8-41AA-BA4C-04D417F7BA67}"/>
+                <a16:creationId xmlns="" xmlns:a16="http://schemas.microsoft.com/office/drawing/2014/main" id="{B4649614-2EE8-41AA-BA4C-04D417F7BA67}"/>
               </a:ext>
             </a:extLst>
           </p:cNvPr>
@@ -10081,7 +10081,7 @@
     </p:spTree>
     <p:extLst>
       <p:ext uri="{BB962C8B-B14F-4D97-AF65-F5344CB8AC3E}">
-        <p14:creationId xmlns:p14="http://schemas.microsoft.com/office/powerpoint/2010/main" xmlns="" val="3553157265"/>
+        <p14:creationId xmlns="" xmlns:p14="http://schemas.microsoft.com/office/powerpoint/2010/main" val="3553157265"/>
       </p:ext>
     </p:extLst>
   </p:cSld>
@@ -10519,7 +10519,7 @@
           <p:cNvPr id="17" name="모서리가 둥근 직사각형 32">
             <a:extLst>
               <a:ext uri="{FF2B5EF4-FFF2-40B4-BE49-F238E27FC236}">
-                <a16:creationId xmlns:a16="http://schemas.microsoft.com/office/drawing/2014/main" xmlns="" id="{2A4ABE7B-3414-47F0-B463-006B84F86BD8}"/>
+                <a16:creationId xmlns="" xmlns:a16="http://schemas.microsoft.com/office/drawing/2014/main" id="{2A4ABE7B-3414-47F0-B463-006B84F86BD8}"/>
               </a:ext>
             </a:extLst>
           </p:cNvPr>
@@ -10604,7 +10604,7 @@
           <p:cNvPr id="18" name="직사각형 17">
             <a:extLst>
               <a:ext uri="{FF2B5EF4-FFF2-40B4-BE49-F238E27FC236}">
-                <a16:creationId xmlns:a16="http://schemas.microsoft.com/office/drawing/2014/main" xmlns="" id="{97A8F12D-7E27-406D-8851-8EDC13C37FFD}"/>
+                <a16:creationId xmlns="" xmlns:a16="http://schemas.microsoft.com/office/drawing/2014/main" id="{97A8F12D-7E27-406D-8851-8EDC13C37FFD}"/>
               </a:ext>
             </a:extLst>
           </p:cNvPr>
@@ -10688,7 +10688,7 @@
     </p:spTree>
     <p:extLst>
       <p:ext uri="{BB962C8B-B14F-4D97-AF65-F5344CB8AC3E}">
-        <p14:creationId xmlns:p14="http://schemas.microsoft.com/office/powerpoint/2010/main" xmlns="" val="4136681830"/>
+        <p14:creationId xmlns="" xmlns:p14="http://schemas.microsoft.com/office/powerpoint/2010/main" val="4136681830"/>
       </p:ext>
     </p:extLst>
   </p:cSld>
@@ -10797,7 +10797,7 @@
           <a:noFill/>
           <a:extLst>
             <a:ext uri="{909E8E84-426E-40DD-AFC4-6F175D3DCCD1}">
-              <a14:hiddenFill xmlns:a14="http://schemas.microsoft.com/office/drawing/2010/main" xmlns="">
+              <a14:hiddenFill xmlns="" xmlns:a14="http://schemas.microsoft.com/office/drawing/2010/main">
                 <a:solidFill>
                   <a:srgbClr val="FFFFFF"/>
                 </a:solidFill>
@@ -10836,7 +10836,7 @@
           <a:noFill/>
           <a:extLst>
             <a:ext uri="{909E8E84-426E-40DD-AFC4-6F175D3DCCD1}">
-              <a14:hiddenFill xmlns:a14="http://schemas.microsoft.com/office/drawing/2010/main" xmlns="">
+              <a14:hiddenFill xmlns="" xmlns:a14="http://schemas.microsoft.com/office/drawing/2010/main">
                 <a:solidFill>
                   <a:srgbClr val="FFFFFF"/>
                 </a:solidFill>
@@ -10979,7 +10979,7 @@
     </p:spTree>
     <p:extLst>
       <p:ext uri="{BB962C8B-B14F-4D97-AF65-F5344CB8AC3E}">
-        <p14:creationId xmlns:p14="http://schemas.microsoft.com/office/powerpoint/2010/main" xmlns="" val="364654449"/>
+        <p14:creationId xmlns="" xmlns:p14="http://schemas.microsoft.com/office/powerpoint/2010/main" val="364654449"/>
       </p:ext>
     </p:extLst>
   </p:cSld>
@@ -10987,7 +10987,7 @@
     <a:masterClrMapping/>
   </p:clrMapOvr>
   <mc:AlternateContent xmlns:mc="http://schemas.openxmlformats.org/markup-compatibility/2006">
-    <mc:Choice xmlns:p14="http://schemas.microsoft.com/office/powerpoint/2010/main" xmlns="" Requires="p14">
+    <mc:Choice xmlns="" xmlns:p14="http://schemas.microsoft.com/office/powerpoint/2010/main" Requires="p14">
       <p:transition spd="med" p14:dur="700">
         <p:fade/>
       </p:transition>
@@ -11090,7 +11090,7 @@
           <a:noFill/>
           <a:extLst>
             <a:ext uri="{909E8E84-426E-40DD-AFC4-6F175D3DCCD1}">
-              <a14:hiddenFill xmlns:a14="http://schemas.microsoft.com/office/drawing/2010/main" xmlns="">
+              <a14:hiddenFill xmlns="" xmlns:a14="http://schemas.microsoft.com/office/drawing/2010/main">
                 <a:solidFill>
                   <a:srgbClr val="FFFFFF"/>
                 </a:solidFill>
@@ -11129,7 +11129,7 @@
           <a:noFill/>
           <a:extLst>
             <a:ext uri="{909E8E84-426E-40DD-AFC4-6F175D3DCCD1}">
-              <a14:hiddenFill xmlns:a14="http://schemas.microsoft.com/office/drawing/2010/main" xmlns="">
+              <a14:hiddenFill xmlns="" xmlns:a14="http://schemas.microsoft.com/office/drawing/2010/main">
                 <a:solidFill>
                   <a:srgbClr val="FFFFFF"/>
                 </a:solidFill>
@@ -11257,7 +11257,7 @@
           <p:cNvPr id="16" name="직사각형 15">
             <a:extLst>
               <a:ext uri="{FF2B5EF4-FFF2-40B4-BE49-F238E27FC236}">
-                <a16:creationId xmlns:a16="http://schemas.microsoft.com/office/drawing/2014/main" xmlns="" id="{5560D265-CD4A-44DC-B10A-002ED22E376B}"/>
+                <a16:creationId xmlns="" xmlns:a16="http://schemas.microsoft.com/office/drawing/2014/main" id="{5560D265-CD4A-44DC-B10A-002ED22E376B}"/>
               </a:ext>
             </a:extLst>
           </p:cNvPr>
@@ -11378,7 +11378,90 @@
                 <a:latin typeface="바탕" panose="02030600000101010101" pitchFamily="18" charset="-127"/>
                 <a:ea typeface="바탕" panose="02030600000101010101" pitchFamily="18" charset="-127"/>
               </a:rPr>
-              <a:t>처리 </a:t>
+              <a:t>처리 이슈</a:t>
+            </a:r>
+            <a:endParaRPr lang="en-US" altLang="ko-KR" sz="3600" b="1" spc="-300" dirty="0">
+              <a:ln>
+                <a:solidFill>
+                  <a:schemeClr val="bg1">
+                    <a:alpha val="20000"/>
+                  </a:schemeClr>
+                </a:solidFill>
+              </a:ln>
+              <a:solidFill>
+                <a:schemeClr val="bg1"/>
+              </a:solidFill>
+              <a:latin typeface="바탕" panose="02030600000101010101" pitchFamily="18" charset="-127"/>
+              <a:ea typeface="바탕" panose="02030600000101010101" pitchFamily="18" charset="-127"/>
+            </a:endParaRPr>
+          </a:p>
+          <a:p>
+            <a:r>
+              <a:rPr lang="en-US" altLang="ko-KR" sz="3600" b="1" spc="-300" dirty="0">
+                <a:ln>
+                  <a:solidFill>
+                    <a:schemeClr val="bg1">
+                      <a:alpha val="20000"/>
+                    </a:schemeClr>
+                  </a:solidFill>
+                </a:ln>
+                <a:solidFill>
+                  <a:schemeClr val="bg1"/>
+                </a:solidFill>
+                <a:latin typeface="바탕" panose="02030600000101010101" pitchFamily="18" charset="-127"/>
+                <a:ea typeface="바탕" panose="02030600000101010101" pitchFamily="18" charset="-127"/>
+              </a:rPr>
+              <a:t>3 . </a:t>
+            </a:r>
+            <a:r>
+              <a:rPr lang="en-US" altLang="ko-KR" sz="3600" b="1" spc="-300" smtClean="0">
+                <a:ln>
+                  <a:solidFill>
+                    <a:schemeClr val="bg1">
+                      <a:alpha val="20000"/>
+                    </a:schemeClr>
+                  </a:solidFill>
+                </a:ln>
+                <a:solidFill>
+                  <a:schemeClr val="bg1"/>
+                </a:solidFill>
+                <a:latin typeface="바탕" panose="02030600000101010101" pitchFamily="18" charset="-127"/>
+                <a:ea typeface="바탕" panose="02030600000101010101" pitchFamily="18" charset="-127"/>
+              </a:rPr>
+              <a:t>Commits</a:t>
+            </a:r>
+            <a:endParaRPr lang="en-US" altLang="ko-KR" sz="3600" b="1" spc="-300" dirty="0">
+              <a:ln>
+                <a:solidFill>
+                  <a:schemeClr val="bg1">
+                    <a:alpha val="20000"/>
+                  </a:schemeClr>
+                </a:solidFill>
+              </a:ln>
+              <a:solidFill>
+                <a:schemeClr val="bg1"/>
+              </a:solidFill>
+              <a:latin typeface="바탕" panose="02030600000101010101" pitchFamily="18" charset="-127"/>
+              <a:ea typeface="바탕" panose="02030600000101010101" pitchFamily="18" charset="-127"/>
+            </a:endParaRPr>
+          </a:p>
+          <a:p>
+            <a:r>
+              <a:rPr lang="en-US" altLang="ko-KR" sz="3600" b="1" spc="-300" dirty="0" smtClean="0">
+                <a:ln>
+                  <a:solidFill>
+                    <a:schemeClr val="bg1">
+                      <a:alpha val="20000"/>
+                    </a:schemeClr>
+                  </a:solidFill>
+                </a:ln>
+                <a:solidFill>
+                  <a:schemeClr val="bg1"/>
+                </a:solidFill>
+                <a:latin typeface="바탕" panose="02030600000101010101" pitchFamily="18" charset="-127"/>
+                <a:ea typeface="바탕" panose="02030600000101010101" pitchFamily="18" charset="-127"/>
+              </a:rPr>
+              <a:t>4 . </a:t>
             </a:r>
             <a:r>
               <a:rPr lang="ko-KR" altLang="en-US" sz="3600" b="1" spc="-300" dirty="0" smtClean="0">
@@ -11395,9 +11478,9 @@
                 <a:latin typeface="바탕" panose="02030600000101010101" pitchFamily="18" charset="-127"/>
                 <a:ea typeface="바탕" panose="02030600000101010101" pitchFamily="18" charset="-127"/>
               </a:rPr>
-              <a:t>이슈</a:t>
-            </a:r>
-            <a:endParaRPr lang="en-US" altLang="ko-KR" sz="3600" b="1" spc="-300" dirty="0">
+              <a:t>구현 결과</a:t>
+            </a:r>
+            <a:endParaRPr lang="ko-KR" altLang="en-US" sz="3600" b="1" spc="-300" dirty="0">
               <a:ln>
                 <a:solidFill>
                   <a:schemeClr val="bg1">
@@ -11412,98 +11495,12 @@
               <a:ea typeface="바탕" panose="02030600000101010101" pitchFamily="18" charset="-127"/>
             </a:endParaRPr>
           </a:p>
-          <a:p>
-            <a:r>
-              <a:rPr lang="en-US" altLang="ko-KR" sz="3600" b="1" spc="-300" dirty="0">
-                <a:ln>
-                  <a:solidFill>
-                    <a:schemeClr val="bg1">
-                      <a:alpha val="20000"/>
-                    </a:schemeClr>
-                  </a:solidFill>
-                </a:ln>
-                <a:solidFill>
-                  <a:schemeClr val="bg1"/>
-                </a:solidFill>
-                <a:latin typeface="바탕" panose="02030600000101010101" pitchFamily="18" charset="-127"/>
-                <a:ea typeface="바탕" panose="02030600000101010101" pitchFamily="18" charset="-127"/>
-              </a:rPr>
-              <a:t>3 . </a:t>
-            </a:r>
-            <a:r>
-              <a:rPr lang="ko-KR" altLang="en-US" sz="3600" b="1" spc="-300" dirty="0">
-                <a:ln>
-                  <a:solidFill>
-                    <a:schemeClr val="bg1">
-                      <a:alpha val="20000"/>
-                    </a:schemeClr>
-                  </a:solidFill>
-                </a:ln>
-                <a:solidFill>
-                  <a:schemeClr val="bg1"/>
-                </a:solidFill>
-                <a:latin typeface="바탕" panose="02030600000101010101" pitchFamily="18" charset="-127"/>
-                <a:ea typeface="바탕" panose="02030600000101010101" pitchFamily="18" charset="-127"/>
-              </a:rPr>
-              <a:t>구현 결과</a:t>
-            </a:r>
-            <a:endParaRPr lang="en-US" altLang="ko-KR" sz="3600" b="1" spc="-300" dirty="0">
-              <a:ln>
-                <a:solidFill>
-                  <a:schemeClr val="bg1">
-                    <a:alpha val="20000"/>
-                  </a:schemeClr>
-                </a:solidFill>
-              </a:ln>
-              <a:solidFill>
-                <a:schemeClr val="bg1"/>
-              </a:solidFill>
-              <a:latin typeface="바탕" panose="02030600000101010101" pitchFamily="18" charset="-127"/>
-              <a:ea typeface="바탕" panose="02030600000101010101" pitchFamily="18" charset="-127"/>
-            </a:endParaRPr>
-          </a:p>
-          <a:p>
-            <a:r>
-              <a:rPr lang="en-US" altLang="ko-KR" sz="3600" b="1" spc="-300" dirty="0">
-                <a:ln>
-                  <a:solidFill>
-                    <a:schemeClr val="bg1">
-                      <a:alpha val="20000"/>
-                    </a:schemeClr>
-                  </a:solidFill>
-                </a:ln>
-                <a:solidFill>
-                  <a:schemeClr val="bg1"/>
-                </a:solidFill>
-                <a:latin typeface="바탕" panose="02030600000101010101" pitchFamily="18" charset="-127"/>
-                <a:ea typeface="바탕" panose="02030600000101010101" pitchFamily="18" charset="-127"/>
-              </a:rPr>
-              <a:t>4 . </a:t>
-            </a:r>
-            <a:r>
-              <a:rPr lang="ko-KR" altLang="en-US" sz="3600" b="1" spc="-300" dirty="0">
-                <a:ln>
-                  <a:solidFill>
-                    <a:schemeClr val="bg1">
-                      <a:alpha val="20000"/>
-                    </a:schemeClr>
-                  </a:solidFill>
-                </a:ln>
-                <a:solidFill>
-                  <a:schemeClr val="bg1"/>
-                </a:solidFill>
-                <a:latin typeface="바탕" panose="02030600000101010101" pitchFamily="18" charset="-127"/>
-                <a:ea typeface="바탕" panose="02030600000101010101" pitchFamily="18" charset="-127"/>
-              </a:rPr>
-              <a:t>위험 요소</a:t>
-            </a:r>
-          </a:p>
         </p:txBody>
       </p:sp>
     </p:spTree>
     <p:extLst>
       <p:ext uri="{BB962C8B-B14F-4D97-AF65-F5344CB8AC3E}">
-        <p14:creationId xmlns:p14="http://schemas.microsoft.com/office/powerpoint/2010/main" xmlns="" val="920747298"/>
+        <p14:creationId xmlns="" xmlns:p14="http://schemas.microsoft.com/office/powerpoint/2010/main" val="920747298"/>
       </p:ext>
     </p:extLst>
   </p:cSld>
@@ -11511,7 +11508,7 @@
     <a:masterClrMapping/>
   </p:clrMapOvr>
   <mc:AlternateContent xmlns:mc="http://schemas.openxmlformats.org/markup-compatibility/2006">
-    <mc:Choice xmlns:p14="http://schemas.microsoft.com/office/powerpoint/2010/main" xmlns="" Requires="p14">
+    <mc:Choice xmlns="" xmlns:p14="http://schemas.microsoft.com/office/powerpoint/2010/main" Requires="p14">
       <p:transition spd="med" p14:dur="700">
         <p:fade/>
       </p:transition>
@@ -11917,7 +11914,7 @@
           <p:cNvPr id="27" name="TextBox 26">
             <a:extLst>
               <a:ext uri="{FF2B5EF4-FFF2-40B4-BE49-F238E27FC236}">
-                <a16:creationId xmlns:a16="http://schemas.microsoft.com/office/drawing/2014/main" xmlns="" id="{253FA29E-C245-460E-A56D-FE7837A41E31}"/>
+                <a16:creationId xmlns="" xmlns:a16="http://schemas.microsoft.com/office/drawing/2014/main" id="{253FA29E-C245-460E-A56D-FE7837A41E31}"/>
               </a:ext>
             </a:extLst>
           </p:cNvPr>
@@ -11961,7 +11958,7 @@
           <p:cNvPr id="36" name="직사각형 35">
             <a:extLst>
               <a:ext uri="{FF2B5EF4-FFF2-40B4-BE49-F238E27FC236}">
-                <a16:creationId xmlns:a16="http://schemas.microsoft.com/office/drawing/2014/main" xmlns="" id="{F3D67CA2-E46E-45E1-917E-3A9316AAA757}"/>
+                <a16:creationId xmlns="" xmlns:a16="http://schemas.microsoft.com/office/drawing/2014/main" id="{F3D67CA2-E46E-45E1-917E-3A9316AAA757}"/>
               </a:ext>
             </a:extLst>
           </p:cNvPr>
@@ -12031,7 +12028,7 @@
           <p:cNvPr id="38" name="직사각형 37">
             <a:extLst>
               <a:ext uri="{FF2B5EF4-FFF2-40B4-BE49-F238E27FC236}">
-                <a16:creationId xmlns:a16="http://schemas.microsoft.com/office/drawing/2014/main" xmlns="" id="{1F4AEB3F-BB7E-43F0-B69C-BD0C527EEB15}"/>
+                <a16:creationId xmlns="" xmlns:a16="http://schemas.microsoft.com/office/drawing/2014/main" id="{1F4AEB3F-BB7E-43F0-B69C-BD0C527EEB15}"/>
               </a:ext>
             </a:extLst>
           </p:cNvPr>
@@ -12138,7 +12135,7 @@
           <p:cNvPr id="44" name="직사각형 43">
             <a:extLst>
               <a:ext uri="{FF2B5EF4-FFF2-40B4-BE49-F238E27FC236}">
-                <a16:creationId xmlns:a16="http://schemas.microsoft.com/office/drawing/2014/main" xmlns="" id="{9E3E895D-8ABA-421F-9C35-C3B1F1722583}"/>
+                <a16:creationId xmlns="" xmlns:a16="http://schemas.microsoft.com/office/drawing/2014/main" id="{9E3E895D-8ABA-421F-9C35-C3B1F1722583}"/>
               </a:ext>
             </a:extLst>
           </p:cNvPr>
@@ -12222,7 +12219,7 @@
           <p:cNvPr id="45" name="직사각형 44">
             <a:extLst>
               <a:ext uri="{FF2B5EF4-FFF2-40B4-BE49-F238E27FC236}">
-                <a16:creationId xmlns:a16="http://schemas.microsoft.com/office/drawing/2014/main" xmlns="" id="{B4C23A70-EF52-4E50-909B-E810B859379B}"/>
+                <a16:creationId xmlns="" xmlns:a16="http://schemas.microsoft.com/office/drawing/2014/main" id="{B4C23A70-EF52-4E50-909B-E810B859379B}"/>
               </a:ext>
             </a:extLst>
           </p:cNvPr>
@@ -12327,7 +12324,7 @@
           <p:cNvPr id="46" name="직사각형 45">
             <a:extLst>
               <a:ext uri="{FF2B5EF4-FFF2-40B4-BE49-F238E27FC236}">
-                <a16:creationId xmlns:a16="http://schemas.microsoft.com/office/drawing/2014/main" xmlns="" id="{4AF09F4C-D9C2-4472-9AE2-514A45FF76CF}"/>
+                <a16:creationId xmlns="" xmlns:a16="http://schemas.microsoft.com/office/drawing/2014/main" id="{4AF09F4C-D9C2-4472-9AE2-514A45FF76CF}"/>
               </a:ext>
             </a:extLst>
           </p:cNvPr>
@@ -12502,7 +12499,7 @@
             <p:cNvPr id="19" name="순서도: 대체 처리 18">
               <a:extLst>
                 <a:ext uri="{FF2B5EF4-FFF2-40B4-BE49-F238E27FC236}">
-                  <a16:creationId xmlns:a16="http://schemas.microsoft.com/office/drawing/2014/main" xmlns="" id="{E05396A0-9E95-44AC-9F5C-92C01935AED3}"/>
+                  <a16:creationId xmlns="" xmlns:a16="http://schemas.microsoft.com/office/drawing/2014/main" id="{E05396A0-9E95-44AC-9F5C-92C01935AED3}"/>
                 </a:ext>
               </a:extLst>
             </p:cNvPr>
@@ -12530,7 +12527,7 @@
             <a:effectLst/>
             <a:extLst>
               <a:ext uri="{AF507438-7753-43e0-B8FC-AC1667EBCBE1}">
-                <a14:hiddenEffects xmlns="" xmlns:a14="http://schemas.microsoft.com/office/drawing/2010/main">
+                <a14:hiddenEffects xmlns:a14="http://schemas.microsoft.com/office/drawing/2010/main" xmlns="">
                   <a:effectLst>
                     <a:outerShdw blurRad="63500" dist="38099" dir="2700000" algn="ctr" rotWithShape="0">
                       <a:schemeClr val="bg2">
@@ -12586,7 +12583,7 @@
             <p:cNvPr id="22" name="순서도: 대체 처리 21">
               <a:extLst>
                 <a:ext uri="{FF2B5EF4-FFF2-40B4-BE49-F238E27FC236}">
-                  <a16:creationId xmlns:a16="http://schemas.microsoft.com/office/drawing/2014/main" xmlns="" id="{E05396A0-9E95-44AC-9F5C-92C01935AED3}"/>
+                  <a16:creationId xmlns="" xmlns:a16="http://schemas.microsoft.com/office/drawing/2014/main" id="{E05396A0-9E95-44AC-9F5C-92C01935AED3}"/>
                 </a:ext>
               </a:extLst>
             </p:cNvPr>
@@ -12614,7 +12611,7 @@
             <a:effectLst/>
             <a:extLst>
               <a:ext uri="{AF507438-7753-43e0-B8FC-AC1667EBCBE1}">
-                <a14:hiddenEffects xmlns="" xmlns:a14="http://schemas.microsoft.com/office/drawing/2010/main">
+                <a14:hiddenEffects xmlns:a14="http://schemas.microsoft.com/office/drawing/2010/main" xmlns="">
                   <a:effectLst>
                     <a:outerShdw blurRad="63500" dist="38099" dir="2700000" algn="ctr" rotWithShape="0">
                       <a:schemeClr val="bg2">
@@ -12670,7 +12667,7 @@
             <p:cNvPr id="23" name="순서도: 대체 처리 22">
               <a:extLst>
                 <a:ext uri="{FF2B5EF4-FFF2-40B4-BE49-F238E27FC236}">
-                  <a16:creationId xmlns:a16="http://schemas.microsoft.com/office/drawing/2014/main" xmlns="" id="{E05396A0-9E95-44AC-9F5C-92C01935AED3}"/>
+                  <a16:creationId xmlns="" xmlns:a16="http://schemas.microsoft.com/office/drawing/2014/main" id="{E05396A0-9E95-44AC-9F5C-92C01935AED3}"/>
                 </a:ext>
               </a:extLst>
             </p:cNvPr>
@@ -12698,7 +12695,7 @@
             <a:effectLst/>
             <a:extLst>
               <a:ext uri="{AF507438-7753-43e0-B8FC-AC1667EBCBE1}">
-                <a14:hiddenEffects xmlns="" xmlns:a14="http://schemas.microsoft.com/office/drawing/2010/main">
+                <a14:hiddenEffects xmlns:a14="http://schemas.microsoft.com/office/drawing/2010/main" xmlns="">
                   <a:effectLst>
                     <a:outerShdw blurRad="63500" dist="38099" dir="2700000" algn="ctr" rotWithShape="0">
                       <a:schemeClr val="bg2">
@@ -12754,7 +12751,7 @@
             <p:cNvPr id="26" name="순서도: 대체 처리 25">
               <a:extLst>
                 <a:ext uri="{FF2B5EF4-FFF2-40B4-BE49-F238E27FC236}">
-                  <a16:creationId xmlns:a16="http://schemas.microsoft.com/office/drawing/2014/main" xmlns="" id="{E05396A0-9E95-44AC-9F5C-92C01935AED3}"/>
+                  <a16:creationId xmlns="" xmlns:a16="http://schemas.microsoft.com/office/drawing/2014/main" id="{E05396A0-9E95-44AC-9F5C-92C01935AED3}"/>
                 </a:ext>
               </a:extLst>
             </p:cNvPr>
@@ -12782,7 +12779,7 @@
             <a:effectLst/>
             <a:extLst>
               <a:ext uri="{AF507438-7753-43e0-B8FC-AC1667EBCBE1}">
-                <a14:hiddenEffects xmlns="" xmlns:a14="http://schemas.microsoft.com/office/drawing/2010/main">
+                <a14:hiddenEffects xmlns:a14="http://schemas.microsoft.com/office/drawing/2010/main" xmlns="">
                   <a:effectLst>
                     <a:outerShdw blurRad="63500" dist="38099" dir="2700000" algn="ctr" rotWithShape="0">
                       <a:schemeClr val="bg2">
@@ -12837,7 +12834,7 @@
     </p:spTree>
     <p:extLst>
       <p:ext uri="{BB962C8B-B14F-4D97-AF65-F5344CB8AC3E}">
-        <p14:creationId xmlns:p14="http://schemas.microsoft.com/office/powerpoint/2010/main" xmlns="" val="4076095511"/>
+        <p14:creationId xmlns="" xmlns:p14="http://schemas.microsoft.com/office/powerpoint/2010/main" val="4076095511"/>
       </p:ext>
     </p:extLst>
   </p:cSld>
@@ -12845,7 +12842,7 @@
     <a:masterClrMapping/>
   </p:clrMapOvr>
   <mc:AlternateContent xmlns:mc="http://schemas.openxmlformats.org/markup-compatibility/2006">
-    <mc:Choice xmlns:p14="http://schemas.microsoft.com/office/powerpoint/2010/main" xmlns="" Requires="p14">
+    <mc:Choice xmlns="" xmlns:p14="http://schemas.microsoft.com/office/powerpoint/2010/main" Requires="p14">
       <p:transition spd="med" p14:dur="700">
         <p:fade/>
       </p:transition>
@@ -13293,7 +13290,7 @@
           <p:cNvPr id="31" name="직사각형 30">
             <a:extLst>
               <a:ext uri="{FF2B5EF4-FFF2-40B4-BE49-F238E27FC236}">
-                <a16:creationId xmlns:a16="http://schemas.microsoft.com/office/drawing/2014/main" xmlns="" id="{BE08450A-1017-48FA-976B-A160A85101B1}"/>
+                <a16:creationId xmlns="" xmlns:a16="http://schemas.microsoft.com/office/drawing/2014/main" id="{BE08450A-1017-48FA-976B-A160A85101B1}"/>
               </a:ext>
             </a:extLst>
           </p:cNvPr>
@@ -13400,7 +13397,7 @@
           <p:cNvPr id="32" name="직사각형 31">
             <a:extLst>
               <a:ext uri="{FF2B5EF4-FFF2-40B4-BE49-F238E27FC236}">
-                <a16:creationId xmlns:a16="http://schemas.microsoft.com/office/drawing/2014/main" xmlns="" id="{44F8A52E-3AFA-4C98-9B11-385716D8AE0B}"/>
+                <a16:creationId xmlns="" xmlns:a16="http://schemas.microsoft.com/office/drawing/2014/main" id="{44F8A52E-3AFA-4C98-9B11-385716D8AE0B}"/>
               </a:ext>
             </a:extLst>
           </p:cNvPr>
@@ -13470,7 +13467,7 @@
           <p:cNvPr id="34" name="직사각형 33">
             <a:extLst>
               <a:ext uri="{FF2B5EF4-FFF2-40B4-BE49-F238E27FC236}">
-                <a16:creationId xmlns:a16="http://schemas.microsoft.com/office/drawing/2014/main" xmlns="" id="{7AF4FEAF-5A7D-457E-8902-47FAB621FF90}"/>
+                <a16:creationId xmlns="" xmlns:a16="http://schemas.microsoft.com/office/drawing/2014/main" id="{7AF4FEAF-5A7D-457E-8902-47FAB621FF90}"/>
               </a:ext>
             </a:extLst>
           </p:cNvPr>
@@ -13594,7 +13591,7 @@
           <p:cNvPr id="35" name="직사각형 34">
             <a:extLst>
               <a:ext uri="{FF2B5EF4-FFF2-40B4-BE49-F238E27FC236}">
-                <a16:creationId xmlns:a16="http://schemas.microsoft.com/office/drawing/2014/main" xmlns="" id="{6A3BF506-AC25-4180-95DB-180B97962738}"/>
+                <a16:creationId xmlns="" xmlns:a16="http://schemas.microsoft.com/office/drawing/2014/main" id="{6A3BF506-AC25-4180-95DB-180B97962738}"/>
               </a:ext>
             </a:extLst>
           </p:cNvPr>
@@ -13761,7 +13758,7 @@
           <p:cNvPr id="22" name="순서도: 대체 처리 21">
             <a:extLst>
               <a:ext uri="{FF2B5EF4-FFF2-40B4-BE49-F238E27FC236}">
-                <a16:creationId xmlns:a16="http://schemas.microsoft.com/office/drawing/2014/main" xmlns="" id="{E05396A0-9E95-44AC-9F5C-92C01935AED3}"/>
+                <a16:creationId xmlns="" xmlns:a16="http://schemas.microsoft.com/office/drawing/2014/main" id="{E05396A0-9E95-44AC-9F5C-92C01935AED3}"/>
               </a:ext>
             </a:extLst>
           </p:cNvPr>
@@ -13789,7 +13786,7 @@
           <a:effectLst/>
           <a:extLst>
             <a:ext uri="{AF507438-7753-43e0-B8FC-AC1667EBCBE1}">
-              <a14:hiddenEffects xmlns="" xmlns:a14="http://schemas.microsoft.com/office/drawing/2010/main">
+              <a14:hiddenEffects xmlns:a14="http://schemas.microsoft.com/office/drawing/2010/main" xmlns="">
                 <a:effectLst>
                   <a:outerShdw blurRad="63500" dist="38099" dir="2700000" algn="ctr" rotWithShape="0">
                     <a:schemeClr val="bg2">
@@ -14887,7 +14884,7 @@
     </p:spTree>
     <p:extLst>
       <p:ext uri="{BB962C8B-B14F-4D97-AF65-F5344CB8AC3E}">
-        <p14:creationId xmlns:p14="http://schemas.microsoft.com/office/powerpoint/2010/main" xmlns="" val="604710199"/>
+        <p14:creationId xmlns="" xmlns:p14="http://schemas.microsoft.com/office/powerpoint/2010/main" val="604710199"/>
       </p:ext>
     </p:extLst>
   </p:cSld>
@@ -14895,7 +14892,7 @@
     <a:masterClrMapping/>
   </p:clrMapOvr>
   <mc:AlternateContent xmlns:mc="http://schemas.openxmlformats.org/markup-compatibility/2006">
-    <mc:Choice xmlns:p14="http://schemas.microsoft.com/office/powerpoint/2010/main" xmlns="" Requires="p14">
+    <mc:Choice xmlns="" xmlns:p14="http://schemas.microsoft.com/office/powerpoint/2010/main" Requires="p14">
       <p:transition spd="med" p14:dur="700">
         <p:fade/>
       </p:transition>
@@ -15293,7 +15290,7 @@
           <p:cNvPr id="41" name="직선 연결선 40">
             <a:extLst>
               <a:ext uri="{FF2B5EF4-FFF2-40B4-BE49-F238E27FC236}">
-                <a16:creationId xmlns:a16="http://schemas.microsoft.com/office/drawing/2014/main" xmlns="" id="{E6046F09-822F-4798-95EF-6A11FFB2380B}"/>
+                <a16:creationId xmlns="" xmlns:a16="http://schemas.microsoft.com/office/drawing/2014/main" id="{E6046F09-822F-4798-95EF-6A11FFB2380B}"/>
               </a:ext>
             </a:extLst>
           </p:cNvPr>
@@ -15338,7 +15335,7 @@
           <p:cNvPr id="54" name="직사각형 53">
             <a:extLst>
               <a:ext uri="{FF2B5EF4-FFF2-40B4-BE49-F238E27FC236}">
-                <a16:creationId xmlns:a16="http://schemas.microsoft.com/office/drawing/2014/main" xmlns="" id="{2D69CC91-DB45-4540-895B-4585EFEB0754}"/>
+                <a16:creationId xmlns="" xmlns:a16="http://schemas.microsoft.com/office/drawing/2014/main" id="{2D69CC91-DB45-4540-895B-4585EFEB0754}"/>
               </a:ext>
             </a:extLst>
           </p:cNvPr>
@@ -15394,7 +15391,7 @@
           <p:cNvPr id="55" name="직선 연결선 54">
             <a:extLst>
               <a:ext uri="{FF2B5EF4-FFF2-40B4-BE49-F238E27FC236}">
-                <a16:creationId xmlns:a16="http://schemas.microsoft.com/office/drawing/2014/main" xmlns="" id="{43FC127A-4EAD-41F6-B283-E84AFA6A5A6E}"/>
+                <a16:creationId xmlns="" xmlns:a16="http://schemas.microsoft.com/office/drawing/2014/main" id="{43FC127A-4EAD-41F6-B283-E84AFA6A5A6E}"/>
               </a:ext>
             </a:extLst>
           </p:cNvPr>
@@ -15686,7 +15683,7 @@
           <p:cNvPr id="29" name="직사각형 28">
             <a:extLst>
               <a:ext uri="{FF2B5EF4-FFF2-40B4-BE49-F238E27FC236}">
-                <a16:creationId xmlns:a16="http://schemas.microsoft.com/office/drawing/2014/main" xmlns="" id="{44F8A52E-3AFA-4C98-9B11-385716D8AE0B}"/>
+                <a16:creationId xmlns="" xmlns:a16="http://schemas.microsoft.com/office/drawing/2014/main" id="{44F8A52E-3AFA-4C98-9B11-385716D8AE0B}"/>
               </a:ext>
             </a:extLst>
           </p:cNvPr>
@@ -15771,7 +15768,7 @@
           <p:cNvPr id="32" name="직사각형 31">
             <a:extLst>
               <a:ext uri="{FF2B5EF4-FFF2-40B4-BE49-F238E27FC236}">
-                <a16:creationId xmlns:a16="http://schemas.microsoft.com/office/drawing/2014/main" xmlns="" id="{7AF4FEAF-5A7D-457E-8902-47FAB621FF90}"/>
+                <a16:creationId xmlns="" xmlns:a16="http://schemas.microsoft.com/office/drawing/2014/main" id="{7AF4FEAF-5A7D-457E-8902-47FAB621FF90}"/>
               </a:ext>
             </a:extLst>
           </p:cNvPr>
@@ -15895,7 +15892,7 @@
           <p:cNvPr id="34" name="직사각형 33">
             <a:extLst>
               <a:ext uri="{FF2B5EF4-FFF2-40B4-BE49-F238E27FC236}">
-                <a16:creationId xmlns:a16="http://schemas.microsoft.com/office/drawing/2014/main" xmlns="" id="{6A3BF506-AC25-4180-95DB-180B97962738}"/>
+                <a16:creationId xmlns="" xmlns:a16="http://schemas.microsoft.com/office/drawing/2014/main" id="{6A3BF506-AC25-4180-95DB-180B97962738}"/>
               </a:ext>
             </a:extLst>
           </p:cNvPr>
@@ -16006,7 +16003,7 @@
           <p:cNvPr id="35" name="직사각형 34">
             <a:extLst>
               <a:ext uri="{FF2B5EF4-FFF2-40B4-BE49-F238E27FC236}">
-                <a16:creationId xmlns:a16="http://schemas.microsoft.com/office/drawing/2014/main" xmlns="" id="{BE08450A-1017-48FA-976B-A160A85101B1}"/>
+                <a16:creationId xmlns="" xmlns:a16="http://schemas.microsoft.com/office/drawing/2014/main" id="{BE08450A-1017-48FA-976B-A160A85101B1}"/>
               </a:ext>
             </a:extLst>
           </p:cNvPr>
@@ -16111,7 +16108,7 @@
     </p:spTree>
     <p:extLst>
       <p:ext uri="{BB962C8B-B14F-4D97-AF65-F5344CB8AC3E}">
-        <p14:creationId xmlns:p14="http://schemas.microsoft.com/office/powerpoint/2010/main" xmlns="" val="737291487"/>
+        <p14:creationId xmlns="" xmlns:p14="http://schemas.microsoft.com/office/powerpoint/2010/main" val="737291487"/>
       </p:ext>
     </p:extLst>
   </p:cSld>
@@ -16119,7 +16116,7 @@
     <a:masterClrMapping/>
   </p:clrMapOvr>
   <mc:AlternateContent xmlns:mc="http://schemas.openxmlformats.org/markup-compatibility/2006">
-    <mc:Choice xmlns:p14="http://schemas.microsoft.com/office/powerpoint/2010/main" xmlns="" Requires="p14">
+    <mc:Choice xmlns="" xmlns:p14="http://schemas.microsoft.com/office/powerpoint/2010/main" Requires="p14">
       <p:transition spd="med" p14:dur="700">
         <p:fade/>
       </p:transition>
@@ -16919,7 +16916,7 @@
           <p:cNvPr id="16" name="순서도: 대체 처리 15">
             <a:extLst>
               <a:ext uri="{FF2B5EF4-FFF2-40B4-BE49-F238E27FC236}">
-                <a16:creationId xmlns:a16="http://schemas.microsoft.com/office/drawing/2014/main" xmlns="" id="{E05396A0-9E95-44AC-9F5C-92C01935AED3}"/>
+                <a16:creationId xmlns="" xmlns:a16="http://schemas.microsoft.com/office/drawing/2014/main" id="{E05396A0-9E95-44AC-9F5C-92C01935AED3}"/>
               </a:ext>
             </a:extLst>
           </p:cNvPr>
@@ -16947,7 +16944,7 @@
           <a:effectLst/>
           <a:extLst>
             <a:ext uri="{AF507438-7753-43e0-B8FC-AC1667EBCBE1}">
-              <a14:hiddenEffects xmlns="" xmlns:a14="http://schemas.microsoft.com/office/drawing/2010/main">
+              <a14:hiddenEffects xmlns:a14="http://schemas.microsoft.com/office/drawing/2010/main" xmlns="">
                 <a:effectLst>
                   <a:outerShdw blurRad="63500" dist="38099" dir="2700000" algn="ctr" rotWithShape="0">
                     <a:schemeClr val="bg2">
@@ -17003,7 +17000,7 @@
           <p:cNvPr id="20" name="직사각형 19">
             <a:extLst>
               <a:ext uri="{FF2B5EF4-FFF2-40B4-BE49-F238E27FC236}">
-                <a16:creationId xmlns:a16="http://schemas.microsoft.com/office/drawing/2014/main" xmlns="" id="{A0DF77F9-21BC-460F-9BF0-A1DB7984A245}"/>
+                <a16:creationId xmlns="" xmlns:a16="http://schemas.microsoft.com/office/drawing/2014/main" id="{A0DF77F9-21BC-460F-9BF0-A1DB7984A245}"/>
               </a:ext>
             </a:extLst>
           </p:cNvPr>
@@ -17088,7 +17085,7 @@
           <p:cNvPr id="21" name="직사각형 20">
             <a:extLst>
               <a:ext uri="{FF2B5EF4-FFF2-40B4-BE49-F238E27FC236}">
-                <a16:creationId xmlns:a16="http://schemas.microsoft.com/office/drawing/2014/main" xmlns="" id="{9C5F737F-2529-4EE9-B9DB-41ADF9BCDB34}"/>
+                <a16:creationId xmlns="" xmlns:a16="http://schemas.microsoft.com/office/drawing/2014/main" id="{9C5F737F-2529-4EE9-B9DB-41ADF9BCDB34}"/>
               </a:ext>
             </a:extLst>
           </p:cNvPr>
@@ -17363,7 +17360,7 @@
           <p:cNvPr id="25" name="순서도: 대체 처리 24">
             <a:extLst>
               <a:ext uri="{FF2B5EF4-FFF2-40B4-BE49-F238E27FC236}">
-                <a16:creationId xmlns:a16="http://schemas.microsoft.com/office/drawing/2014/main" xmlns="" id="{E05396A0-9E95-44AC-9F5C-92C01935AED3}"/>
+                <a16:creationId xmlns="" xmlns:a16="http://schemas.microsoft.com/office/drawing/2014/main" id="{E05396A0-9E95-44AC-9F5C-92C01935AED3}"/>
               </a:ext>
             </a:extLst>
           </p:cNvPr>
@@ -17391,7 +17388,7 @@
           <a:effectLst/>
           <a:extLst>
             <a:ext uri="{AF507438-7753-43e0-B8FC-AC1667EBCBE1}">
-              <a14:hiddenEffects xmlns="" xmlns:a14="http://schemas.microsoft.com/office/drawing/2010/main">
+              <a14:hiddenEffects xmlns:a14="http://schemas.microsoft.com/office/drawing/2010/main" xmlns="">
                 <a:effectLst>
                   <a:outerShdw blurRad="63500" dist="38099" dir="2700000" algn="ctr" rotWithShape="0">
                     <a:schemeClr val="bg2">
@@ -17447,7 +17444,7 @@
           <p:cNvPr id="26" name="순서도: 대체 처리 25">
             <a:extLst>
               <a:ext uri="{FF2B5EF4-FFF2-40B4-BE49-F238E27FC236}">
-                <a16:creationId xmlns:a16="http://schemas.microsoft.com/office/drawing/2014/main" xmlns="" id="{E05396A0-9E95-44AC-9F5C-92C01935AED3}"/>
+                <a16:creationId xmlns="" xmlns:a16="http://schemas.microsoft.com/office/drawing/2014/main" id="{E05396A0-9E95-44AC-9F5C-92C01935AED3}"/>
               </a:ext>
             </a:extLst>
           </p:cNvPr>
@@ -17475,7 +17472,7 @@
           <a:effectLst/>
           <a:extLst>
             <a:ext uri="{AF507438-7753-43e0-B8FC-AC1667EBCBE1}">
-              <a14:hiddenEffects xmlns="" xmlns:a14="http://schemas.microsoft.com/office/drawing/2010/main">
+              <a14:hiddenEffects xmlns:a14="http://schemas.microsoft.com/office/drawing/2010/main" xmlns="">
                 <a:effectLst>
                   <a:outerShdw blurRad="63500" dist="38099" dir="2700000" algn="ctr" rotWithShape="0">
                     <a:schemeClr val="bg2">
@@ -17531,7 +17528,7 @@
           <p:cNvPr id="27" name="순서도: 대체 처리 26">
             <a:extLst>
               <a:ext uri="{FF2B5EF4-FFF2-40B4-BE49-F238E27FC236}">
-                <a16:creationId xmlns:a16="http://schemas.microsoft.com/office/drawing/2014/main" xmlns="" id="{E05396A0-9E95-44AC-9F5C-92C01935AED3}"/>
+                <a16:creationId xmlns="" xmlns:a16="http://schemas.microsoft.com/office/drawing/2014/main" id="{E05396A0-9E95-44AC-9F5C-92C01935AED3}"/>
               </a:ext>
             </a:extLst>
           </p:cNvPr>
@@ -17559,7 +17556,7 @@
           <a:effectLst/>
           <a:extLst>
             <a:ext uri="{AF507438-7753-43e0-B8FC-AC1667EBCBE1}">
-              <a14:hiddenEffects xmlns="" xmlns:a14="http://schemas.microsoft.com/office/drawing/2010/main">
+              <a14:hiddenEffects xmlns:a14="http://schemas.microsoft.com/office/drawing/2010/main" xmlns="">
                 <a:effectLst>
                   <a:outerShdw blurRad="63500" dist="38099" dir="2700000" algn="ctr" rotWithShape="0">
                     <a:schemeClr val="bg2">
@@ -17615,7 +17612,7 @@
           <p:cNvPr id="28" name="직사각형 27">
             <a:extLst>
               <a:ext uri="{FF2B5EF4-FFF2-40B4-BE49-F238E27FC236}">
-                <a16:creationId xmlns:a16="http://schemas.microsoft.com/office/drawing/2014/main" xmlns="" id="{A0DF77F9-21BC-460F-9BF0-A1DB7984A245}"/>
+                <a16:creationId xmlns="" xmlns:a16="http://schemas.microsoft.com/office/drawing/2014/main" id="{A0DF77F9-21BC-460F-9BF0-A1DB7984A245}"/>
               </a:ext>
             </a:extLst>
           </p:cNvPr>
@@ -17738,7 +17735,7 @@
           <p:cNvPr id="32" name="직사각형 31">
             <a:extLst>
               <a:ext uri="{FF2B5EF4-FFF2-40B4-BE49-F238E27FC236}">
-                <a16:creationId xmlns:a16="http://schemas.microsoft.com/office/drawing/2014/main" xmlns="" id="{A0DF77F9-21BC-460F-9BF0-A1DB7984A245}"/>
+                <a16:creationId xmlns="" xmlns:a16="http://schemas.microsoft.com/office/drawing/2014/main" id="{A0DF77F9-21BC-460F-9BF0-A1DB7984A245}"/>
               </a:ext>
             </a:extLst>
           </p:cNvPr>
@@ -17821,7 +17818,7 @@
     </p:spTree>
     <p:extLst>
       <p:ext uri="{BB962C8B-B14F-4D97-AF65-F5344CB8AC3E}">
-        <p14:creationId xmlns:p14="http://schemas.microsoft.com/office/powerpoint/2010/main" xmlns="" val="1391188290"/>
+        <p14:creationId xmlns="" xmlns:p14="http://schemas.microsoft.com/office/powerpoint/2010/main" val="1391188290"/>
       </p:ext>
     </p:extLst>
   </p:cSld>
@@ -18207,7 +18204,7 @@
           <p:cNvPr id="24" name="직사각형 23">
             <a:extLst>
               <a:ext uri="{FF2B5EF4-FFF2-40B4-BE49-F238E27FC236}">
-                <a16:creationId xmlns:a16="http://schemas.microsoft.com/office/drawing/2014/main" xmlns="" id="{B4649614-2EE8-41AA-BA4C-04D417F7BA67}"/>
+                <a16:creationId xmlns="" xmlns:a16="http://schemas.microsoft.com/office/drawing/2014/main" id="{B4649614-2EE8-41AA-BA4C-04D417F7BA67}"/>
               </a:ext>
             </a:extLst>
           </p:cNvPr>
@@ -18412,7 +18409,7 @@
           <p:cNvPr id="15" name="모서리가 둥근 직사각형 32">
             <a:extLst>
               <a:ext uri="{FF2B5EF4-FFF2-40B4-BE49-F238E27FC236}">
-                <a16:creationId xmlns:a16="http://schemas.microsoft.com/office/drawing/2014/main" xmlns="" id="{2A4ABE7B-3414-47F0-B463-006B84F86BD8}"/>
+                <a16:creationId xmlns="" xmlns:a16="http://schemas.microsoft.com/office/drawing/2014/main" id="{2A4ABE7B-3414-47F0-B463-006B84F86BD8}"/>
               </a:ext>
             </a:extLst>
           </p:cNvPr>
@@ -18497,7 +18494,7 @@
           <p:cNvPr id="16" name="직사각형 15">
             <a:extLst>
               <a:ext uri="{FF2B5EF4-FFF2-40B4-BE49-F238E27FC236}">
-                <a16:creationId xmlns:a16="http://schemas.microsoft.com/office/drawing/2014/main" xmlns="" id="{97A8F12D-7E27-406D-8851-8EDC13C37FFD}"/>
+                <a16:creationId xmlns="" xmlns:a16="http://schemas.microsoft.com/office/drawing/2014/main" id="{97A8F12D-7E27-406D-8851-8EDC13C37FFD}"/>
               </a:ext>
             </a:extLst>
           </p:cNvPr>
@@ -18616,7 +18613,7 @@
           <p:cNvPr id="17" name="순서도: 대체 처리 16">
             <a:extLst>
               <a:ext uri="{FF2B5EF4-FFF2-40B4-BE49-F238E27FC236}">
-                <a16:creationId xmlns:a16="http://schemas.microsoft.com/office/drawing/2014/main" xmlns="" id="{E05396A0-9E95-44AC-9F5C-92C01935AED3}"/>
+                <a16:creationId xmlns="" xmlns:a16="http://schemas.microsoft.com/office/drawing/2014/main" id="{E05396A0-9E95-44AC-9F5C-92C01935AED3}"/>
               </a:ext>
             </a:extLst>
           </p:cNvPr>
@@ -18644,7 +18641,7 @@
           <a:effectLst/>
           <a:extLst>
             <a:ext uri="{AF507438-7753-43e0-B8FC-AC1667EBCBE1}">
-              <a14:hiddenEffects xmlns="" xmlns:a14="http://schemas.microsoft.com/office/drawing/2010/main">
+              <a14:hiddenEffects xmlns:a14="http://schemas.microsoft.com/office/drawing/2010/main" xmlns="">
                 <a:effectLst>
                   <a:outerShdw blurRad="63500" dist="38099" dir="2700000" algn="ctr" rotWithShape="0">
                     <a:schemeClr val="bg2">
@@ -18733,7 +18730,7 @@
           <p:cNvPr id="19" name="직사각형 18">
             <a:extLst>
               <a:ext uri="{FF2B5EF4-FFF2-40B4-BE49-F238E27FC236}">
-                <a16:creationId xmlns:a16="http://schemas.microsoft.com/office/drawing/2014/main" xmlns="" id="{B4649614-2EE8-41AA-BA4C-04D417F7BA67}"/>
+                <a16:creationId xmlns="" xmlns:a16="http://schemas.microsoft.com/office/drawing/2014/main" id="{B4649614-2EE8-41AA-BA4C-04D417F7BA67}"/>
               </a:ext>
             </a:extLst>
           </p:cNvPr>
@@ -18911,7 +18908,7 @@
     </p:spTree>
     <p:extLst>
       <p:ext uri="{BB962C8B-B14F-4D97-AF65-F5344CB8AC3E}">
-        <p14:creationId xmlns:p14="http://schemas.microsoft.com/office/powerpoint/2010/main" xmlns="" val="1280148825"/>
+        <p14:creationId xmlns="" xmlns:p14="http://schemas.microsoft.com/office/powerpoint/2010/main" val="1280148825"/>
       </p:ext>
     </p:extLst>
   </p:cSld>
@@ -19297,7 +19294,7 @@
           <p:cNvPr id="22" name="모서리가 둥근 직사각형 32">
             <a:extLst>
               <a:ext uri="{FF2B5EF4-FFF2-40B4-BE49-F238E27FC236}">
-                <a16:creationId xmlns:a16="http://schemas.microsoft.com/office/drawing/2014/main" xmlns="" id="{F3917B43-891D-408E-9A3D-93514C266149}"/>
+                <a16:creationId xmlns="" xmlns:a16="http://schemas.microsoft.com/office/drawing/2014/main" id="{F3917B43-891D-408E-9A3D-93514C266149}"/>
               </a:ext>
             </a:extLst>
           </p:cNvPr>
@@ -19382,7 +19379,7 @@
           <p:cNvPr id="18" name="직사각형 17">
             <a:extLst>
               <a:ext uri="{FF2B5EF4-FFF2-40B4-BE49-F238E27FC236}">
-                <a16:creationId xmlns:a16="http://schemas.microsoft.com/office/drawing/2014/main" xmlns="" id="{B262670F-0CF3-4A47-B1D6-BA3D8499AEA4}"/>
+                <a16:creationId xmlns="" xmlns:a16="http://schemas.microsoft.com/office/drawing/2014/main" id="{B262670F-0CF3-4A47-B1D6-BA3D8499AEA4}"/>
               </a:ext>
             </a:extLst>
           </p:cNvPr>
@@ -19619,7 +19616,7 @@
           <p:cNvPr id="23" name="직사각형 22">
             <a:extLst>
               <a:ext uri="{FF2B5EF4-FFF2-40B4-BE49-F238E27FC236}">
-                <a16:creationId xmlns:a16="http://schemas.microsoft.com/office/drawing/2014/main" xmlns="" id="{B262670F-0CF3-4A47-B1D6-BA3D8499AEA4}"/>
+                <a16:creationId xmlns="" xmlns:a16="http://schemas.microsoft.com/office/drawing/2014/main" id="{B262670F-0CF3-4A47-B1D6-BA3D8499AEA4}"/>
               </a:ext>
             </a:extLst>
           </p:cNvPr>
@@ -19831,7 +19828,7 @@
           <p:cNvPr id="24" name="직사각형 23">
             <a:extLst>
               <a:ext uri="{FF2B5EF4-FFF2-40B4-BE49-F238E27FC236}">
-                <a16:creationId xmlns:a16="http://schemas.microsoft.com/office/drawing/2014/main" xmlns="" id="{97A8F12D-7E27-406D-8851-8EDC13C37FFD}"/>
+                <a16:creationId xmlns="" xmlns:a16="http://schemas.microsoft.com/office/drawing/2014/main" id="{97A8F12D-7E27-406D-8851-8EDC13C37FFD}"/>
               </a:ext>
             </a:extLst>
           </p:cNvPr>
@@ -19941,7 +19938,7 @@
     </p:spTree>
     <p:extLst>
       <p:ext uri="{BB962C8B-B14F-4D97-AF65-F5344CB8AC3E}">
-        <p14:creationId xmlns:p14="http://schemas.microsoft.com/office/powerpoint/2010/main" xmlns="" val="428734664"/>
+        <p14:creationId xmlns="" xmlns:p14="http://schemas.microsoft.com/office/powerpoint/2010/main" val="428734664"/>
       </p:ext>
     </p:extLst>
   </p:cSld>
@@ -20193,7 +20190,7 @@
           <p:cNvPr id="15" name="직사각형 14">
             <a:extLst>
               <a:ext uri="{FF2B5EF4-FFF2-40B4-BE49-F238E27FC236}">
-                <a16:creationId xmlns:a16="http://schemas.microsoft.com/office/drawing/2014/main" xmlns="" id="{B4649614-2EE8-41AA-BA4C-04D417F7BA67}"/>
+                <a16:creationId xmlns="" xmlns:a16="http://schemas.microsoft.com/office/drawing/2014/main" id="{B4649614-2EE8-41AA-BA4C-04D417F7BA67}"/>
               </a:ext>
             </a:extLst>
           </p:cNvPr>
@@ -20373,7 +20370,7 @@
           <p:cNvPr id="16" name="직사각형 15">
             <a:extLst>
               <a:ext uri="{FF2B5EF4-FFF2-40B4-BE49-F238E27FC236}">
-                <a16:creationId xmlns:a16="http://schemas.microsoft.com/office/drawing/2014/main" xmlns="" id="{B4649614-2EE8-41AA-BA4C-04D417F7BA67}"/>
+                <a16:creationId xmlns="" xmlns:a16="http://schemas.microsoft.com/office/drawing/2014/main" id="{B4649614-2EE8-41AA-BA4C-04D417F7BA67}"/>
               </a:ext>
             </a:extLst>
           </p:cNvPr>
@@ -20708,7 +20705,7 @@
           <p:cNvPr id="20" name="모서리가 둥근 직사각형 32">
             <a:extLst>
               <a:ext uri="{FF2B5EF4-FFF2-40B4-BE49-F238E27FC236}">
-                <a16:creationId xmlns:a16="http://schemas.microsoft.com/office/drawing/2014/main" xmlns="" id="{2A4ABE7B-3414-47F0-B463-006B84F86BD8}"/>
+                <a16:creationId xmlns="" xmlns:a16="http://schemas.microsoft.com/office/drawing/2014/main" id="{2A4ABE7B-3414-47F0-B463-006B84F86BD8}"/>
               </a:ext>
             </a:extLst>
           </p:cNvPr>
@@ -20793,7 +20790,7 @@
           <p:cNvPr id="21" name="직사각형 20">
             <a:extLst>
               <a:ext uri="{FF2B5EF4-FFF2-40B4-BE49-F238E27FC236}">
-                <a16:creationId xmlns:a16="http://schemas.microsoft.com/office/drawing/2014/main" xmlns="" id="{97A8F12D-7E27-406D-8851-8EDC13C37FFD}"/>
+                <a16:creationId xmlns="" xmlns:a16="http://schemas.microsoft.com/office/drawing/2014/main" id="{97A8F12D-7E27-406D-8851-8EDC13C37FFD}"/>
               </a:ext>
             </a:extLst>
           </p:cNvPr>
@@ -20877,7 +20874,7 @@
     </p:spTree>
     <p:extLst>
       <p:ext uri="{BB962C8B-B14F-4D97-AF65-F5344CB8AC3E}">
-        <p14:creationId xmlns:p14="http://schemas.microsoft.com/office/powerpoint/2010/main" xmlns="" val="471390691"/>
+        <p14:creationId xmlns="" xmlns:p14="http://schemas.microsoft.com/office/powerpoint/2010/main" val="471390691"/>
       </p:ext>
     </p:extLst>
   </p:cSld>
